--- a/Hamming.pptx
+++ b/Hamming.pptx
@@ -11,11 +11,10 @@
     <p:sldId id="265" r:id="rId5"/>
     <p:sldId id="261" r:id="rId6"/>
     <p:sldId id="258" r:id="rId7"/>
-    <p:sldId id="259" r:id="rId8"/>
-    <p:sldId id="262" r:id="rId9"/>
-    <p:sldId id="260" r:id="rId10"/>
-    <p:sldId id="263" r:id="rId11"/>
-    <p:sldId id="266" r:id="rId12"/>
+    <p:sldId id="262" r:id="rId8"/>
+    <p:sldId id="260" r:id="rId9"/>
+    <p:sldId id="263" r:id="rId10"/>
+    <p:sldId id="266" r:id="rId11"/>
   </p:sldIdLst>
   <p:sldSz cx="12192000" cy="6858000"/>
   <p:notesSz cx="6858000" cy="9144000"/>
@@ -5462,7 +5461,7 @@
           <a:p>
             <a:fld id="{841DBA8B-1C55-4E4E-9B74-DA4CFE857DE7}" type="datetimeFigureOut">
               <a:rPr lang="pl-PL" smtClean="0"/>
-              <a:t>18.04.2021</a:t>
+              <a:t>21.05.2021</a:t>
             </a:fld>
             <a:endParaRPr lang="pl-PL"/>
           </a:p>
@@ -6787,7 +6786,7 @@
           <a:p>
             <a:fld id="{841DBA8B-1C55-4E4E-9B74-DA4CFE857DE7}" type="datetimeFigureOut">
               <a:rPr lang="pl-PL" smtClean="0"/>
-              <a:t>18.04.2021</a:t>
+              <a:t>21.05.2021</a:t>
             </a:fld>
             <a:endParaRPr lang="pl-PL"/>
           </a:p>
@@ -7357,86 +7356,6 @@
       </p:grpSpPr>
       <p:sp>
         <p:nvSpPr>
-          <p:cNvPr id="2" name="Symbol zastępczy zawartości 1">
-            <a:extLst>
-              <a:ext uri="{FF2B5EF4-FFF2-40B4-BE49-F238E27FC236}">
-                <a16:creationId xmlns:a16="http://schemas.microsoft.com/office/drawing/2014/main" id="{83395381-AE1F-4062-B147-B938549B5748}"/>
-              </a:ext>
-            </a:extLst>
-          </p:cNvPr>
-          <p:cNvSpPr>
-            <a:spLocks noGrp="1"/>
-          </p:cNvSpPr>
-          <p:nvPr>
-            <p:ph idx="1"/>
-          </p:nvPr>
-        </p:nvSpPr>
-        <p:spPr/>
-        <p:txBody>
-          <a:bodyPr/>
-          <a:lstStyle/>
-          <a:p>
-            <a:endParaRPr lang="pl-PL"/>
-          </a:p>
-        </p:txBody>
-      </p:sp>
-      <p:sp>
-        <p:nvSpPr>
-          <p:cNvPr id="3" name="Tytuł 2">
-            <a:extLst>
-              <a:ext uri="{FF2B5EF4-FFF2-40B4-BE49-F238E27FC236}">
-                <a16:creationId xmlns:a16="http://schemas.microsoft.com/office/drawing/2014/main" id="{4F742EC5-CC29-40EB-931C-A2BC5A22FC6C}"/>
-              </a:ext>
-            </a:extLst>
-          </p:cNvPr>
-          <p:cNvSpPr>
-            <a:spLocks noGrp="1"/>
-          </p:cNvSpPr>
-          <p:nvPr>
-            <p:ph type="title"/>
-          </p:nvPr>
-        </p:nvSpPr>
-        <p:spPr/>
-        <p:txBody>
-          <a:bodyPr/>
-          <a:lstStyle/>
-          <a:p>
-            <a:endParaRPr lang="pl-PL"/>
-          </a:p>
-        </p:txBody>
-      </p:sp>
-    </p:spTree>
-    <p:extLst>
-      <p:ext uri="{BB962C8B-B14F-4D97-AF65-F5344CB8AC3E}">
-        <p14:creationId xmlns:p14="http://schemas.microsoft.com/office/powerpoint/2010/main" val="3775910741"/>
-      </p:ext>
-    </p:extLst>
-  </p:cSld>
-  <p:clrMapOvr>
-    <a:masterClrMapping/>
-  </p:clrMapOvr>
-</p:sld>
-</file>
-
-<file path=ppt/slides/slide11.xml><?xml version="1.0" encoding="utf-8"?>
-<p:sld xmlns:a="http://schemas.openxmlformats.org/drawingml/2006/main" xmlns:r="http://schemas.openxmlformats.org/officeDocument/2006/relationships" xmlns:p="http://schemas.openxmlformats.org/presentationml/2006/main">
-  <p:cSld>
-    <p:spTree>
-      <p:nvGrpSpPr>
-        <p:cNvPr id="1" name=""/>
-        <p:cNvGrpSpPr/>
-        <p:nvPr/>
-      </p:nvGrpSpPr>
-      <p:grpSpPr>
-        <a:xfrm>
-          <a:off x="0" y="0"/>
-          <a:ext cx="0" cy="0"/>
-          <a:chOff x="0" y="0"/>
-          <a:chExt cx="0" cy="0"/>
-        </a:xfrm>
-      </p:grpSpPr>
-      <p:sp>
-        <p:nvSpPr>
           <p:cNvPr id="4" name="Tytuł 3">
             <a:extLst>
               <a:ext uri="{FF2B5EF4-FFF2-40B4-BE49-F238E27FC236}">
@@ -7541,22 +7460,24 @@
         </p:nvSpPr>
         <p:spPr/>
         <p:txBody>
-          <a:bodyPr/>
+          <a:bodyPr>
+            <a:normAutofit/>
+          </a:bodyPr>
           <a:lstStyle/>
           <a:p>
             <a:pPr marL="0" indent="0">
               <a:buNone/>
             </a:pPr>
             <a:r>
-              <a:rPr lang="pl-PL" dirty="0"/>
+              <a:rPr lang="pl-PL" sz="2400" dirty="0"/>
               <a:t>Kod korekcyjny stworzony przez Richarda </a:t>
             </a:r>
             <a:r>
-              <a:rPr lang="pl-PL" dirty="0" err="1"/>
+              <a:rPr lang="pl-PL" sz="2400" dirty="0" err="1"/>
               <a:t>Hamminga</a:t>
             </a:r>
             <a:r>
-              <a:rPr lang="pl-PL" dirty="0"/>
+              <a:rPr lang="pl-PL" sz="2400" dirty="0"/>
               <a:t> w 1954 roku.</a:t>
             </a:r>
           </a:p>
@@ -7565,7 +7486,7 @@
               <a:buNone/>
             </a:pPr>
             <a:r>
-              <a:rPr lang="pl-PL" dirty="0"/>
+              <a:rPr lang="pl-PL" sz="2400" dirty="0"/>
               <a:t>Umożliwia wykrycie i naprawienie jednego bitu w bloku.</a:t>
             </a:r>
           </a:p>
@@ -7574,7 +7495,7 @@
               <a:buNone/>
             </a:pPr>
             <a:r>
-              <a:rPr lang="pl-PL" dirty="0"/>
+              <a:rPr lang="pl-PL" sz="2400" dirty="0"/>
               <a:t>Wersja rozszerzona umożliwia wykrycie 2 błędnych bitów, jednak bez możliwości ich poprawienia.</a:t>
             </a:r>
           </a:p>
@@ -7662,7 +7583,7 @@
         <p:spPr/>
         <p:txBody>
           <a:bodyPr>
-            <a:normAutofit lnSpcReduction="10000"/>
+            <a:normAutofit/>
           </a:bodyPr>
           <a:lstStyle/>
           <a:p>
@@ -7670,7 +7591,7 @@
               <a:buNone/>
             </a:pPr>
             <a:r>
-              <a:rPr lang="pl-PL" dirty="0">
+              <a:rPr lang="pl-PL" sz="2400" dirty="0">
                 <a:solidFill>
                   <a:schemeClr val="accent1"/>
                 </a:solidFill>
@@ -7678,11 +7599,11 @@
               <a:t>H(</a:t>
             </a:r>
             <a:r>
-              <a:rPr lang="pl-PL" i="1" dirty="0"/>
+              <a:rPr lang="pl-PL" sz="2400" i="1" dirty="0"/>
               <a:t>N</a:t>
             </a:r>
             <a:r>
-              <a:rPr lang="pl-PL" dirty="0">
+              <a:rPr lang="pl-PL" sz="2400" dirty="0">
                 <a:solidFill>
                   <a:schemeClr val="accent1"/>
                 </a:solidFill>
@@ -7690,11 +7611,11 @@
               <a:t>,</a:t>
             </a:r>
             <a:r>
-              <a:rPr lang="pl-PL" i="1" dirty="0"/>
+              <a:rPr lang="pl-PL" sz="2400" i="1" dirty="0"/>
               <a:t>D</a:t>
             </a:r>
             <a:r>
-              <a:rPr lang="pl-PL" dirty="0">
+              <a:rPr lang="pl-PL" sz="2400" dirty="0">
                 <a:solidFill>
                   <a:schemeClr val="accent1"/>
                 </a:solidFill>
@@ -7702,7 +7623,7 @@
               <a:t>) </a:t>
             </a:r>
             <a:r>
-              <a:rPr lang="pl-PL" dirty="0"/>
+              <a:rPr lang="pl-PL" sz="2400" dirty="0"/>
               <a:t>– N: długość bloku, D: liczba bitów danych</a:t>
             </a:r>
           </a:p>
@@ -7710,14 +7631,14 @@
             <a:pPr marL="0" indent="0">
               <a:buNone/>
             </a:pPr>
-            <a:endParaRPr lang="pl-PL" dirty="0"/>
+            <a:endParaRPr lang="pl-PL" sz="2400" dirty="0"/>
           </a:p>
           <a:p>
             <a:pPr marL="0" indent="0">
               <a:buNone/>
             </a:pPr>
             <a:r>
-              <a:rPr lang="pl-PL" dirty="0">
+              <a:rPr lang="pl-PL" sz="2400" dirty="0">
                 <a:solidFill>
                   <a:schemeClr val="accent1"/>
                 </a:solidFill>
@@ -7725,11 +7646,11 @@
               <a:t>H(</a:t>
             </a:r>
             <a:r>
-              <a:rPr lang="pl-PL" i="1" dirty="0"/>
+              <a:rPr lang="pl-PL" sz="2400" i="1" dirty="0"/>
               <a:t>7</a:t>
             </a:r>
             <a:r>
-              <a:rPr lang="pl-PL" dirty="0">
+              <a:rPr lang="pl-PL" sz="2400" dirty="0">
                 <a:solidFill>
                   <a:schemeClr val="accent1"/>
                 </a:solidFill>
@@ -7737,11 +7658,11 @@
               <a:t>,</a:t>
             </a:r>
             <a:r>
-              <a:rPr lang="pl-PL" i="1" dirty="0"/>
+              <a:rPr lang="pl-PL" sz="2400" i="1" dirty="0"/>
               <a:t>4</a:t>
             </a:r>
             <a:r>
-              <a:rPr lang="pl-PL" dirty="0">
+              <a:rPr lang="pl-PL" sz="2400" dirty="0">
                 <a:solidFill>
                   <a:schemeClr val="accent1"/>
                 </a:solidFill>
@@ -7749,10 +7670,10 @@
               <a:t>) ≈ </a:t>
             </a:r>
             <a:r>
-              <a:rPr lang="pl-PL" dirty="0"/>
+              <a:rPr lang="pl-PL" sz="2400" dirty="0"/>
               <a:t>0,571</a:t>
             </a:r>
-            <a:endParaRPr lang="pl-PL" dirty="0">
+            <a:endParaRPr lang="pl-PL" sz="2400" dirty="0">
               <a:solidFill>
                 <a:schemeClr val="accent1"/>
               </a:solidFill>
@@ -7763,7 +7684,7 @@
               <a:buNone/>
             </a:pPr>
             <a:r>
-              <a:rPr lang="pl-PL" dirty="0">
+              <a:rPr lang="pl-PL" sz="2400" dirty="0">
                 <a:solidFill>
                   <a:schemeClr val="accent1"/>
                 </a:solidFill>
@@ -7771,11 +7692,11 @@
               <a:t>H(</a:t>
             </a:r>
             <a:r>
-              <a:rPr lang="pl-PL" i="1" dirty="0"/>
+              <a:rPr lang="pl-PL" sz="2400" i="1" dirty="0"/>
               <a:t>15</a:t>
             </a:r>
             <a:r>
-              <a:rPr lang="pl-PL" dirty="0">
+              <a:rPr lang="pl-PL" sz="2400" dirty="0">
                 <a:solidFill>
                   <a:schemeClr val="accent1"/>
                 </a:solidFill>
@@ -7783,11 +7704,11 @@
               <a:t>,</a:t>
             </a:r>
             <a:r>
-              <a:rPr lang="pl-PL" i="1" dirty="0"/>
+              <a:rPr lang="pl-PL" sz="2400" i="1" dirty="0"/>
               <a:t>11</a:t>
             </a:r>
             <a:r>
-              <a:rPr lang="pl-PL" dirty="0">
+              <a:rPr lang="pl-PL" sz="2400" dirty="0">
                 <a:solidFill>
                   <a:schemeClr val="accent1"/>
                 </a:solidFill>
@@ -7795,7 +7716,7 @@
               <a:t>) ≈ </a:t>
             </a:r>
             <a:r>
-              <a:rPr lang="pl-PL" dirty="0"/>
+              <a:rPr lang="pl-PL" sz="2400" dirty="0"/>
               <a:t>0,733</a:t>
             </a:r>
           </a:p>
@@ -7804,7 +7725,7 @@
               <a:buNone/>
             </a:pPr>
             <a:r>
-              <a:rPr lang="pl-PL" dirty="0">
+              <a:rPr lang="pl-PL" sz="2400" dirty="0">
                 <a:solidFill>
                   <a:schemeClr val="accent1"/>
                 </a:solidFill>
@@ -7812,11 +7733,11 @@
               <a:t>H(</a:t>
             </a:r>
             <a:r>
-              <a:rPr lang="pl-PL" i="1" dirty="0"/>
+              <a:rPr lang="pl-PL" sz="2400" i="1" dirty="0"/>
               <a:t>31</a:t>
             </a:r>
             <a:r>
-              <a:rPr lang="pl-PL" dirty="0">
+              <a:rPr lang="pl-PL" sz="2400" dirty="0">
                 <a:solidFill>
                   <a:schemeClr val="accent1"/>
                 </a:solidFill>
@@ -7824,11 +7745,11 @@
               <a:t>,</a:t>
             </a:r>
             <a:r>
-              <a:rPr lang="pl-PL" i="1" dirty="0"/>
+              <a:rPr lang="pl-PL" sz="2400" i="1" dirty="0"/>
               <a:t>26</a:t>
             </a:r>
             <a:r>
-              <a:rPr lang="pl-PL" dirty="0">
+              <a:rPr lang="pl-PL" sz="2400" dirty="0">
                 <a:solidFill>
                   <a:schemeClr val="accent1"/>
                 </a:solidFill>
@@ -7836,10 +7757,10 @@
               <a:t>) ≈ </a:t>
             </a:r>
             <a:r>
-              <a:rPr lang="pl-PL" dirty="0"/>
+              <a:rPr lang="pl-PL" sz="2400" dirty="0"/>
               <a:t>0.839 </a:t>
             </a:r>
-            <a:endParaRPr lang="pl-PL" dirty="0">
+            <a:endParaRPr lang="pl-PL" sz="2400" dirty="0">
               <a:solidFill>
                 <a:schemeClr val="accent1"/>
               </a:solidFill>
@@ -7850,7 +7771,7 @@
               <a:buNone/>
             </a:pPr>
             <a:r>
-              <a:rPr lang="pl-PL" dirty="0">
+              <a:rPr lang="pl-PL" sz="2400" dirty="0">
                 <a:solidFill>
                   <a:schemeClr val="accent1"/>
                 </a:solidFill>
@@ -7858,11 +7779,11 @@
               <a:t>H(</a:t>
             </a:r>
             <a:r>
-              <a:rPr lang="pl-PL" i="1" dirty="0"/>
+              <a:rPr lang="pl-PL" sz="2400" i="1" dirty="0"/>
               <a:t>63</a:t>
             </a:r>
             <a:r>
-              <a:rPr lang="pl-PL" dirty="0">
+              <a:rPr lang="pl-PL" sz="2400" dirty="0">
                 <a:solidFill>
                   <a:schemeClr val="accent1"/>
                 </a:solidFill>
@@ -7870,11 +7791,11 @@
               <a:t>,</a:t>
             </a:r>
             <a:r>
-              <a:rPr lang="pl-PL" i="1" dirty="0"/>
+              <a:rPr lang="pl-PL" sz="2400" i="1" dirty="0"/>
               <a:t>57</a:t>
             </a:r>
             <a:r>
-              <a:rPr lang="pl-PL" dirty="0">
+              <a:rPr lang="pl-PL" sz="2400" dirty="0">
                 <a:solidFill>
                   <a:schemeClr val="accent1"/>
                 </a:solidFill>
@@ -7882,7 +7803,7 @@
               <a:t>) ≈ </a:t>
             </a:r>
             <a:r>
-              <a:rPr lang="pl-PL" dirty="0"/>
+              <a:rPr lang="pl-PL" sz="2400" dirty="0"/>
               <a:t>0.905</a:t>
             </a:r>
           </a:p>
@@ -7891,7 +7812,7 @@
               <a:buNone/>
             </a:pPr>
             <a:r>
-              <a:rPr lang="pl-PL" dirty="0">
+              <a:rPr lang="pl-PL" sz="2400" dirty="0">
                 <a:solidFill>
                   <a:schemeClr val="accent1"/>
                 </a:solidFill>
@@ -7904,7 +7825,7 @@
               <a:buNone/>
             </a:pPr>
             <a:r>
-              <a:rPr lang="pl-PL" dirty="0">
+              <a:rPr lang="pl-PL" sz="2400" dirty="0">
                 <a:solidFill>
                   <a:schemeClr val="accent1"/>
                 </a:solidFill>
@@ -7912,11 +7833,11 @@
               <a:t>H(</a:t>
             </a:r>
             <a:r>
-              <a:rPr lang="pl-PL" i="1" dirty="0"/>
+              <a:rPr lang="pl-PL" sz="2400" i="1" dirty="0"/>
               <a:t>65’535</a:t>
             </a:r>
             <a:r>
-              <a:rPr lang="pl-PL" dirty="0">
+              <a:rPr lang="pl-PL" sz="2400" dirty="0">
                 <a:solidFill>
                   <a:schemeClr val="accent1"/>
                 </a:solidFill>
@@ -7924,11 +7845,11 @@
               <a:t>, </a:t>
             </a:r>
             <a:r>
-              <a:rPr lang="pl-PL" i="1" dirty="0"/>
+              <a:rPr lang="pl-PL" sz="2400" i="1" dirty="0"/>
               <a:t>65’519</a:t>
             </a:r>
             <a:r>
-              <a:rPr lang="pl-PL" dirty="0">
+              <a:rPr lang="pl-PL" sz="2400" dirty="0">
                 <a:solidFill>
                   <a:schemeClr val="accent1"/>
                 </a:solidFill>
@@ -7936,7 +7857,7 @@
               <a:t>) ≈ </a:t>
             </a:r>
             <a:r>
-              <a:rPr lang="pl-PL" dirty="0">
+              <a:rPr lang="pl-PL" sz="2400" dirty="0">
                 <a:solidFill>
                   <a:srgbClr val="3DDC97"/>
                 </a:solidFill>
@@ -7949,7 +7870,7 @@
               <a:buNone/>
             </a:pPr>
             <a:r>
-              <a:rPr lang="pl-PL" dirty="0">
+              <a:rPr lang="pl-PL" sz="2400" dirty="0">
                 <a:solidFill>
                   <a:srgbClr val="3DDC97"/>
                 </a:solidFill>
@@ -7957,7 +7878,7 @@
               <a:t>			    </a:t>
             </a:r>
             <a:r>
-              <a:rPr lang="pl-PL" dirty="0">
+              <a:rPr lang="pl-PL" sz="2400" dirty="0">
                 <a:solidFill>
                   <a:schemeClr val="accent2"/>
                 </a:solidFill>
@@ -8056,11 +7977,11 @@
               <a:buNone/>
             </a:pPr>
             <a:r>
-              <a:rPr lang="pl-PL" dirty="0"/>
+              <a:rPr lang="pl-PL" sz="2400" dirty="0"/>
               <a:t>Ciąg bitów: </a:t>
             </a:r>
             <a:r>
-              <a:rPr lang="pl-PL" dirty="0">
+              <a:rPr lang="pl-PL" sz="2400" dirty="0">
                 <a:latin typeface="Cambria Math" panose="02040503050406030204" pitchFamily="18" charset="0"/>
                 <a:ea typeface="Cambria Math" panose="02040503050406030204" pitchFamily="18" charset="0"/>
               </a:rPr>
@@ -8120,7 +8041,7 @@
               <a:buNone/>
             </a:pPr>
             <a:r>
-              <a:rPr lang="pl-PL" dirty="0">
+              <a:rPr lang="pl-PL" sz="2400" dirty="0">
                 <a:solidFill>
                   <a:schemeClr val="accent1"/>
                 </a:solidFill>
@@ -8129,7 +8050,7 @@
               </a:rPr>
               <a:t>https://youtu.be/X8jsijhllIA</a:t>
             </a:r>
-            <a:endParaRPr lang="pl-PL" dirty="0">
+            <a:endParaRPr lang="pl-PL" sz="2400" dirty="0">
               <a:solidFill>
                 <a:schemeClr val="accent1"/>
               </a:solidFill>
@@ -8166,8 +8087,8 @@
           </a:p>
         </p:txBody>
       </p:sp>
-      <mc:AlternateContent xmlns:mc="http://schemas.openxmlformats.org/markup-compatibility/2006">
-        <mc:Choice xmlns:a14="http://schemas.microsoft.com/office/drawing/2010/main" Requires="a14">
+      <mc:AlternateContent xmlns:mc="http://schemas.openxmlformats.org/markup-compatibility/2006" xmlns:a14="http://schemas.microsoft.com/office/drawing/2010/main">
+        <mc:Choice Requires="a14">
           <p:sp>
             <p:nvSpPr>
               <p:cNvPr id="6" name="pole tekstowe 5">
@@ -8196,6 +8117,7 @@
               </a:bodyPr>
               <a:lstStyle/>
               <a:p>
+                <a:pPr/>
                 <a14:m>
                   <m:oMathPara xmlns:m="http://schemas.openxmlformats.org/officeDocument/2006/math">
                     <m:oMathParaPr>
@@ -8453,7 +8375,7 @@
             </p:txBody>
           </p:sp>
         </mc:Choice>
-        <mc:Fallback>
+        <mc:Fallback xmlns="">
           <p:sp>
             <p:nvSpPr>
               <p:cNvPr id="6" name="pole tekstowe 5">
@@ -8553,8 +8475,8 @@
           </a:p>
         </p:txBody>
       </p:sp>
-      <mc:AlternateContent xmlns:mc="http://schemas.openxmlformats.org/markup-compatibility/2006">
-        <mc:Choice xmlns:a14="http://schemas.microsoft.com/office/drawing/2010/main" Requires="a14">
+      <mc:AlternateContent xmlns:mc="http://schemas.openxmlformats.org/markup-compatibility/2006" xmlns:a14="http://schemas.microsoft.com/office/drawing/2010/main">
+        <mc:Choice Requires="a14">
           <p:sp>
             <p:nvSpPr>
               <p:cNvPr id="10" name="pole tekstowe 9">
@@ -8583,6 +8505,7 @@
               </a:bodyPr>
               <a:lstStyle/>
               <a:p>
+                <a:pPr/>
                 <a14:m>
                   <m:oMathPara xmlns:m="http://schemas.openxmlformats.org/officeDocument/2006/math">
                     <m:oMathParaPr>
@@ -8840,7 +8763,7 @@
             </p:txBody>
           </p:sp>
         </mc:Choice>
-        <mc:Fallback>
+        <mc:Fallback xmlns="">
           <p:sp>
             <p:nvSpPr>
               <p:cNvPr id="10" name="pole tekstowe 9">
@@ -9852,10 +9775,1976 @@
         </p:nvSpPr>
         <p:spPr/>
         <p:txBody>
-          <a:bodyPr/>
+          <a:bodyPr>
+            <a:normAutofit fontScale="62500" lnSpcReduction="20000"/>
+          </a:bodyPr>
           <a:lstStyle/>
           <a:p>
-            <a:endParaRPr lang="pl-PL" dirty="0"/>
+            <a:pPr marL="0" indent="0">
+              <a:buNone/>
+            </a:pPr>
+            <a:r>
+              <a:rPr lang="pl-PL" b="0" dirty="0">
+                <a:solidFill>
+                  <a:srgbClr val="008000"/>
+                </a:solidFill>
+                <a:effectLst/>
+                <a:latin typeface="Consolas" panose="020B0609020204030204" pitchFamily="49" charset="0"/>
+              </a:rPr>
+              <a:t>// data </a:t>
+            </a:r>
+            <a:r>
+              <a:rPr lang="pl-PL" b="0" dirty="0" err="1">
+                <a:solidFill>
+                  <a:srgbClr val="008000"/>
+                </a:solidFill>
+                <a:effectLst/>
+                <a:latin typeface="Consolas" panose="020B0609020204030204" pitchFamily="49" charset="0"/>
+              </a:rPr>
+              <a:t>example</a:t>
+            </a:r>
+            <a:r>
+              <a:rPr lang="pl-PL" b="0" dirty="0">
+                <a:solidFill>
+                  <a:srgbClr val="008000"/>
+                </a:solidFill>
+                <a:effectLst/>
+                <a:latin typeface="Consolas" panose="020B0609020204030204" pitchFamily="49" charset="0"/>
+              </a:rPr>
+              <a:t>: „0110010111010001”</a:t>
+            </a:r>
+            <a:endParaRPr lang="pl-PL" b="0" dirty="0">
+              <a:solidFill>
+                <a:srgbClr val="0000FF"/>
+              </a:solidFill>
+              <a:effectLst/>
+              <a:latin typeface="Consolas" panose="020B0609020204030204" pitchFamily="49" charset="0"/>
+            </a:endParaRPr>
+          </a:p>
+          <a:p>
+            <a:pPr marL="0" indent="0">
+              <a:buNone/>
+            </a:pPr>
+            <a:r>
+              <a:rPr lang="pl-PL" b="0" dirty="0" err="1">
+                <a:solidFill>
+                  <a:srgbClr val="0000FF"/>
+                </a:solidFill>
+                <a:effectLst/>
+                <a:latin typeface="Consolas" panose="020B0609020204030204" pitchFamily="49" charset="0"/>
+              </a:rPr>
+              <a:t>member</a:t>
+            </a:r>
+            <a:r>
+              <a:rPr lang="pl-PL" b="0" dirty="0">
+                <a:solidFill>
+                  <a:srgbClr val="000000"/>
+                </a:solidFill>
+                <a:effectLst/>
+                <a:latin typeface="Consolas" panose="020B0609020204030204" pitchFamily="49" charset="0"/>
+              </a:rPr>
+              <a:t> </a:t>
+            </a:r>
+            <a:r>
+              <a:rPr lang="pl-PL" b="0" dirty="0" err="1">
+                <a:solidFill>
+                  <a:srgbClr val="0000FF"/>
+                </a:solidFill>
+                <a:effectLst/>
+                <a:latin typeface="Consolas" panose="020B0609020204030204" pitchFamily="49" charset="0"/>
+              </a:rPr>
+              <a:t>private</a:t>
+            </a:r>
+            <a:r>
+              <a:rPr lang="pl-PL" b="0" dirty="0">
+                <a:solidFill>
+                  <a:srgbClr val="000000"/>
+                </a:solidFill>
+                <a:effectLst/>
+                <a:latin typeface="Consolas" panose="020B0609020204030204" pitchFamily="49" charset="0"/>
+              </a:rPr>
+              <a:t> </a:t>
+            </a:r>
+            <a:r>
+              <a:rPr lang="pl-PL" b="0" dirty="0" err="1">
+                <a:solidFill>
+                  <a:srgbClr val="001080"/>
+                </a:solidFill>
+                <a:effectLst/>
+                <a:latin typeface="Consolas" panose="020B0609020204030204" pitchFamily="49" charset="0"/>
+              </a:rPr>
+              <a:t>this.</a:t>
+            </a:r>
+            <a:r>
+              <a:rPr lang="pl-PL" b="0" dirty="0" err="1">
+                <a:solidFill>
+                  <a:srgbClr val="795E26"/>
+                </a:solidFill>
+                <a:effectLst/>
+                <a:latin typeface="Consolas" panose="020B0609020204030204" pitchFamily="49" charset="0"/>
+              </a:rPr>
+              <a:t>ComputeECC</a:t>
+            </a:r>
+            <a:r>
+              <a:rPr lang="pl-PL" b="0" dirty="0">
+                <a:solidFill>
+                  <a:srgbClr val="001080"/>
+                </a:solidFill>
+                <a:effectLst/>
+                <a:latin typeface="Consolas" panose="020B0609020204030204" pitchFamily="49" charset="0"/>
+              </a:rPr>
+              <a:t> </a:t>
+            </a:r>
+            <a:r>
+              <a:rPr lang="pl-PL" b="0" dirty="0">
+                <a:solidFill>
+                  <a:srgbClr val="0000FF"/>
+                </a:solidFill>
+                <a:effectLst/>
+                <a:latin typeface="Consolas" panose="020B0609020204030204" pitchFamily="49" charset="0"/>
+              </a:rPr>
+              <a:t>(</a:t>
+            </a:r>
+            <a:r>
+              <a:rPr lang="pl-PL" b="0" dirty="0" err="1">
+                <a:solidFill>
+                  <a:srgbClr val="001080"/>
+                </a:solidFill>
+                <a:effectLst/>
+                <a:latin typeface="Consolas" panose="020B0609020204030204" pitchFamily="49" charset="0"/>
+              </a:rPr>
+              <a:t>data</a:t>
+            </a:r>
+            <a:r>
+              <a:rPr lang="pl-PL" b="0" dirty="0" err="1">
+                <a:solidFill>
+                  <a:srgbClr val="0000FF"/>
+                </a:solidFill>
+                <a:effectLst/>
+                <a:latin typeface="Consolas" panose="020B0609020204030204" pitchFamily="49" charset="0"/>
+              </a:rPr>
+              <a:t>:</a:t>
+            </a:r>
+            <a:r>
+              <a:rPr lang="pl-PL" b="0" dirty="0" err="1">
+                <a:solidFill>
+                  <a:srgbClr val="267F99"/>
+                </a:solidFill>
+                <a:effectLst/>
+                <a:latin typeface="Consolas" panose="020B0609020204030204" pitchFamily="49" charset="0"/>
+              </a:rPr>
+              <a:t>string</a:t>
+            </a:r>
+            <a:r>
+              <a:rPr lang="pl-PL" b="0" dirty="0">
+                <a:solidFill>
+                  <a:srgbClr val="0000FF"/>
+                </a:solidFill>
+                <a:effectLst/>
+                <a:latin typeface="Consolas" panose="020B0609020204030204" pitchFamily="49" charset="0"/>
+              </a:rPr>
+              <a:t>)</a:t>
+            </a:r>
+            <a:r>
+              <a:rPr lang="pl-PL" b="0" dirty="0">
+                <a:solidFill>
+                  <a:srgbClr val="000000"/>
+                </a:solidFill>
+                <a:effectLst/>
+                <a:latin typeface="Consolas" panose="020B0609020204030204" pitchFamily="49" charset="0"/>
+              </a:rPr>
+              <a:t> </a:t>
+            </a:r>
+            <a:r>
+              <a:rPr lang="pl-PL" b="0" dirty="0">
+                <a:solidFill>
+                  <a:srgbClr val="0000FF"/>
+                </a:solidFill>
+                <a:effectLst/>
+                <a:latin typeface="Consolas" panose="020B0609020204030204" pitchFamily="49" charset="0"/>
+              </a:rPr>
+              <a:t>=</a:t>
+            </a:r>
+            <a:r>
+              <a:rPr lang="pl-PL" b="0" dirty="0">
+                <a:solidFill>
+                  <a:srgbClr val="000000"/>
+                </a:solidFill>
+                <a:effectLst/>
+                <a:latin typeface="Consolas" panose="020B0609020204030204" pitchFamily="49" charset="0"/>
+              </a:rPr>
+              <a:t> </a:t>
+            </a:r>
+          </a:p>
+          <a:p>
+            <a:pPr marL="0" indent="0">
+              <a:buNone/>
+            </a:pPr>
+            <a:r>
+              <a:rPr lang="pl-PL" b="0" dirty="0">
+                <a:solidFill>
+                  <a:srgbClr val="000000"/>
+                </a:solidFill>
+                <a:effectLst/>
+                <a:latin typeface="Consolas" panose="020B0609020204030204" pitchFamily="49" charset="0"/>
+              </a:rPr>
+              <a:t>    </a:t>
+            </a:r>
+            <a:r>
+              <a:rPr lang="pl-PL" b="0" dirty="0" err="1">
+                <a:solidFill>
+                  <a:srgbClr val="0000FF"/>
+                </a:solidFill>
+                <a:effectLst/>
+                <a:latin typeface="Consolas" panose="020B0609020204030204" pitchFamily="49" charset="0"/>
+              </a:rPr>
+              <a:t>let</a:t>
+            </a:r>
+            <a:r>
+              <a:rPr lang="pl-PL" b="0" dirty="0">
+                <a:solidFill>
+                  <a:srgbClr val="000000"/>
+                </a:solidFill>
+                <a:effectLst/>
+                <a:latin typeface="Consolas" panose="020B0609020204030204" pitchFamily="49" charset="0"/>
+              </a:rPr>
+              <a:t> </a:t>
+            </a:r>
+            <a:r>
+              <a:rPr lang="pl-PL" b="0" dirty="0" err="1">
+                <a:solidFill>
+                  <a:srgbClr val="001080"/>
+                </a:solidFill>
+                <a:effectLst/>
+                <a:latin typeface="Consolas" panose="020B0609020204030204" pitchFamily="49" charset="0"/>
+              </a:rPr>
+              <a:t>bitArray</a:t>
+            </a:r>
+            <a:r>
+              <a:rPr lang="pl-PL" b="0" dirty="0">
+                <a:solidFill>
+                  <a:srgbClr val="000000"/>
+                </a:solidFill>
+                <a:effectLst/>
+                <a:latin typeface="Consolas" panose="020B0609020204030204" pitchFamily="49" charset="0"/>
+              </a:rPr>
+              <a:t> </a:t>
+            </a:r>
+            <a:r>
+              <a:rPr lang="pl-PL" b="0" dirty="0">
+                <a:solidFill>
+                  <a:srgbClr val="0000FF"/>
+                </a:solidFill>
+                <a:effectLst/>
+                <a:latin typeface="Consolas" panose="020B0609020204030204" pitchFamily="49" charset="0"/>
+              </a:rPr>
+              <a:t>=</a:t>
+            </a:r>
+            <a:r>
+              <a:rPr lang="pl-PL" b="0" dirty="0">
+                <a:solidFill>
+                  <a:srgbClr val="000000"/>
+                </a:solidFill>
+                <a:effectLst/>
+                <a:latin typeface="Consolas" panose="020B0609020204030204" pitchFamily="49" charset="0"/>
+              </a:rPr>
+              <a:t> </a:t>
+            </a:r>
+            <a:r>
+              <a:rPr lang="pl-PL" b="0" dirty="0">
+                <a:solidFill>
+                  <a:srgbClr val="001080"/>
+                </a:solidFill>
+                <a:effectLst/>
+                <a:latin typeface="Consolas" panose="020B0609020204030204" pitchFamily="49" charset="0"/>
+              </a:rPr>
+              <a:t>data</a:t>
+            </a:r>
+            <a:r>
+              <a:rPr lang="pl-PL" b="0" dirty="0">
+                <a:solidFill>
+                  <a:srgbClr val="222222"/>
+                </a:solidFill>
+                <a:effectLst/>
+                <a:latin typeface="Consolas" panose="020B0609020204030204" pitchFamily="49" charset="0"/>
+              </a:rPr>
+              <a:t>.</a:t>
+            </a:r>
+            <a:r>
+              <a:rPr lang="pl-PL" b="0" dirty="0">
+                <a:solidFill>
+                  <a:srgbClr val="0000FF"/>
+                </a:solidFill>
+                <a:effectLst/>
+                <a:latin typeface="Consolas" panose="020B0609020204030204" pitchFamily="49" charset="0"/>
+              </a:rPr>
+              <a:t>[</a:t>
+            </a:r>
+            <a:r>
+              <a:rPr lang="pl-PL" b="0" dirty="0">
+                <a:solidFill>
+                  <a:srgbClr val="098658"/>
+                </a:solidFill>
+                <a:effectLst/>
+                <a:latin typeface="Consolas" panose="020B0609020204030204" pitchFamily="49" charset="0"/>
+              </a:rPr>
+              <a:t>0.</a:t>
+            </a:r>
+            <a:r>
+              <a:rPr lang="pl-PL" b="0" dirty="0">
+                <a:solidFill>
+                  <a:srgbClr val="000000"/>
+                </a:solidFill>
+                <a:effectLst/>
+                <a:latin typeface="Consolas" panose="020B0609020204030204" pitchFamily="49" charset="0"/>
+              </a:rPr>
+              <a:t>.</a:t>
+            </a:r>
+            <a:r>
+              <a:rPr lang="pl-PL" b="0" dirty="0">
+                <a:solidFill>
+                  <a:srgbClr val="098658"/>
+                </a:solidFill>
+                <a:effectLst/>
+                <a:latin typeface="Consolas" panose="020B0609020204030204" pitchFamily="49" charset="0"/>
+              </a:rPr>
+              <a:t>31</a:t>
+            </a:r>
+            <a:r>
+              <a:rPr lang="pl-PL" b="0" dirty="0">
+                <a:solidFill>
+                  <a:srgbClr val="0000FF"/>
+                </a:solidFill>
+                <a:effectLst/>
+                <a:latin typeface="Consolas" panose="020B0609020204030204" pitchFamily="49" charset="0"/>
+              </a:rPr>
+              <a:t>]</a:t>
+            </a:r>
+            <a:endParaRPr lang="pl-PL" b="0" dirty="0">
+              <a:solidFill>
+                <a:srgbClr val="000000"/>
+              </a:solidFill>
+              <a:effectLst/>
+              <a:latin typeface="Consolas" panose="020B0609020204030204" pitchFamily="49" charset="0"/>
+            </a:endParaRPr>
+          </a:p>
+          <a:p>
+            <a:pPr marL="0" indent="0">
+              <a:buNone/>
+            </a:pPr>
+            <a:r>
+              <a:rPr lang="pl-PL" b="0" dirty="0">
+                <a:solidFill>
+                  <a:srgbClr val="000000"/>
+                </a:solidFill>
+                <a:effectLst/>
+                <a:latin typeface="Consolas" panose="020B0609020204030204" pitchFamily="49" charset="0"/>
+              </a:rPr>
+              <a:t>                    </a:t>
+            </a:r>
+            <a:r>
+              <a:rPr lang="pl-PL" b="0" dirty="0">
+                <a:solidFill>
+                  <a:srgbClr val="0000FF"/>
+                </a:solidFill>
+                <a:effectLst/>
+                <a:latin typeface="Consolas" panose="020B0609020204030204" pitchFamily="49" charset="0"/>
+              </a:rPr>
+              <a:t>|&gt;</a:t>
+            </a:r>
+            <a:r>
+              <a:rPr lang="pl-PL" b="0" dirty="0">
+                <a:solidFill>
+                  <a:srgbClr val="000000"/>
+                </a:solidFill>
+                <a:effectLst/>
+                <a:latin typeface="Consolas" panose="020B0609020204030204" pitchFamily="49" charset="0"/>
+              </a:rPr>
+              <a:t> </a:t>
+            </a:r>
+            <a:r>
+              <a:rPr lang="pl-PL" b="0" dirty="0">
+                <a:solidFill>
+                  <a:srgbClr val="0000FF"/>
+                </a:solidFill>
+                <a:effectLst/>
+                <a:latin typeface="Consolas" panose="020B0609020204030204" pitchFamily="49" charset="0"/>
+              </a:rPr>
+              <a:t>(</a:t>
+            </a:r>
+            <a:r>
+              <a:rPr lang="pl-PL" b="0" dirty="0" err="1">
+                <a:solidFill>
+                  <a:srgbClr val="0000FF"/>
+                </a:solidFill>
+                <a:effectLst/>
+                <a:latin typeface="Consolas" panose="020B0609020204030204" pitchFamily="49" charset="0"/>
+              </a:rPr>
+              <a:t>fun</a:t>
+            </a:r>
+            <a:r>
+              <a:rPr lang="pl-PL" b="0" dirty="0">
+                <a:solidFill>
+                  <a:srgbClr val="001080"/>
+                </a:solidFill>
+                <a:effectLst/>
+                <a:latin typeface="Consolas" panose="020B0609020204030204" pitchFamily="49" charset="0"/>
+              </a:rPr>
+              <a:t> </a:t>
+            </a:r>
+            <a:r>
+              <a:rPr lang="pl-PL" b="0" dirty="0">
+                <a:solidFill>
+                  <a:srgbClr val="0000FF"/>
+                </a:solidFill>
+                <a:effectLst/>
+                <a:latin typeface="Consolas" panose="020B0609020204030204" pitchFamily="49" charset="0"/>
+              </a:rPr>
+              <a:t>(</a:t>
+            </a:r>
+            <a:r>
+              <a:rPr lang="pl-PL" b="0" dirty="0" err="1">
+                <a:solidFill>
+                  <a:srgbClr val="001080"/>
+                </a:solidFill>
+                <a:effectLst/>
+                <a:latin typeface="Consolas" panose="020B0609020204030204" pitchFamily="49" charset="0"/>
+              </a:rPr>
+              <a:t>x</a:t>
+            </a:r>
+            <a:r>
+              <a:rPr lang="pl-PL" b="0" dirty="0" err="1">
+                <a:solidFill>
+                  <a:srgbClr val="0000FF"/>
+                </a:solidFill>
+                <a:effectLst/>
+                <a:latin typeface="Consolas" panose="020B0609020204030204" pitchFamily="49" charset="0"/>
+              </a:rPr>
+              <a:t>:</a:t>
+            </a:r>
+            <a:r>
+              <a:rPr lang="pl-PL" b="0" dirty="0" err="1">
+                <a:solidFill>
+                  <a:srgbClr val="267F99"/>
+                </a:solidFill>
+                <a:effectLst/>
+                <a:latin typeface="Consolas" panose="020B0609020204030204" pitchFamily="49" charset="0"/>
+              </a:rPr>
+              <a:t>string</a:t>
+            </a:r>
+            <a:r>
+              <a:rPr lang="pl-PL" b="0" dirty="0">
+                <a:solidFill>
+                  <a:srgbClr val="0000FF"/>
+                </a:solidFill>
+                <a:effectLst/>
+                <a:latin typeface="Consolas" panose="020B0609020204030204" pitchFamily="49" charset="0"/>
+              </a:rPr>
+              <a:t>)</a:t>
+            </a:r>
+            <a:r>
+              <a:rPr lang="pl-PL" b="0" dirty="0">
+                <a:solidFill>
+                  <a:srgbClr val="000000"/>
+                </a:solidFill>
+                <a:effectLst/>
+                <a:latin typeface="Consolas" panose="020B0609020204030204" pitchFamily="49" charset="0"/>
+              </a:rPr>
+              <a:t> </a:t>
+            </a:r>
+            <a:r>
+              <a:rPr lang="pl-PL" b="0" dirty="0">
+                <a:solidFill>
+                  <a:srgbClr val="0000FF"/>
+                </a:solidFill>
+                <a:effectLst/>
+                <a:latin typeface="Consolas" panose="020B0609020204030204" pitchFamily="49" charset="0"/>
+              </a:rPr>
+              <a:t>-&gt;</a:t>
+            </a:r>
+            <a:r>
+              <a:rPr lang="pl-PL" b="0" dirty="0">
+                <a:solidFill>
+                  <a:srgbClr val="000000"/>
+                </a:solidFill>
+                <a:effectLst/>
+                <a:latin typeface="Consolas" panose="020B0609020204030204" pitchFamily="49" charset="0"/>
+              </a:rPr>
+              <a:t> </a:t>
+            </a:r>
+            <a:r>
+              <a:rPr lang="pl-PL" b="0" dirty="0" err="1">
+                <a:solidFill>
+                  <a:srgbClr val="001080"/>
+                </a:solidFill>
+                <a:effectLst/>
+                <a:latin typeface="Consolas" panose="020B0609020204030204" pitchFamily="49" charset="0"/>
+              </a:rPr>
+              <a:t>x</a:t>
+            </a:r>
+            <a:r>
+              <a:rPr lang="pl-PL" b="0" dirty="0" err="1">
+                <a:solidFill>
+                  <a:srgbClr val="795E26"/>
+                </a:solidFill>
+                <a:effectLst/>
+                <a:latin typeface="Consolas" panose="020B0609020204030204" pitchFamily="49" charset="0"/>
+              </a:rPr>
+              <a:t>.ToCharArray</a:t>
+            </a:r>
+            <a:r>
+              <a:rPr lang="pl-PL" b="0" dirty="0">
+                <a:solidFill>
+                  <a:srgbClr val="0000FF"/>
+                </a:solidFill>
+                <a:effectLst/>
+                <a:latin typeface="Consolas" panose="020B0609020204030204" pitchFamily="49" charset="0"/>
+              </a:rPr>
+              <a:t>())</a:t>
+            </a:r>
+            <a:r>
+              <a:rPr lang="pl-PL" b="0" dirty="0">
+                <a:solidFill>
+                  <a:srgbClr val="000000"/>
+                </a:solidFill>
+                <a:effectLst/>
+                <a:latin typeface="Consolas" panose="020B0609020204030204" pitchFamily="49" charset="0"/>
+              </a:rPr>
+              <a:t> </a:t>
+            </a:r>
+          </a:p>
+          <a:p>
+            <a:pPr marL="0" indent="0">
+              <a:buNone/>
+            </a:pPr>
+            <a:r>
+              <a:rPr lang="pl-PL" b="0" dirty="0">
+                <a:solidFill>
+                  <a:srgbClr val="000000"/>
+                </a:solidFill>
+                <a:effectLst/>
+                <a:latin typeface="Consolas" panose="020B0609020204030204" pitchFamily="49" charset="0"/>
+              </a:rPr>
+              <a:t>                    </a:t>
+            </a:r>
+            <a:r>
+              <a:rPr lang="pl-PL" b="0" dirty="0">
+                <a:solidFill>
+                  <a:srgbClr val="0000FF"/>
+                </a:solidFill>
+                <a:effectLst/>
+                <a:latin typeface="Consolas" panose="020B0609020204030204" pitchFamily="49" charset="0"/>
+              </a:rPr>
+              <a:t>|&gt;</a:t>
+            </a:r>
+            <a:r>
+              <a:rPr lang="pl-PL" b="0" dirty="0">
+                <a:solidFill>
+                  <a:srgbClr val="000000"/>
+                </a:solidFill>
+                <a:effectLst/>
+                <a:latin typeface="Consolas" panose="020B0609020204030204" pitchFamily="49" charset="0"/>
+              </a:rPr>
+              <a:t> </a:t>
+            </a:r>
+            <a:r>
+              <a:rPr lang="pl-PL" b="0" dirty="0" err="1">
+                <a:solidFill>
+                  <a:srgbClr val="222222"/>
+                </a:solidFill>
+                <a:effectLst/>
+                <a:latin typeface="Consolas" panose="020B0609020204030204" pitchFamily="49" charset="0"/>
+              </a:rPr>
+              <a:t>Array</a:t>
+            </a:r>
+            <a:r>
+              <a:rPr lang="pl-PL" b="0" dirty="0" err="1">
+                <a:solidFill>
+                  <a:srgbClr val="795E26"/>
+                </a:solidFill>
+                <a:effectLst/>
+                <a:latin typeface="Consolas" panose="020B0609020204030204" pitchFamily="49" charset="0"/>
+              </a:rPr>
+              <a:t>.map</a:t>
+            </a:r>
+            <a:r>
+              <a:rPr lang="pl-PL" b="0" dirty="0">
+                <a:solidFill>
+                  <a:srgbClr val="000000"/>
+                </a:solidFill>
+                <a:effectLst/>
+                <a:latin typeface="Consolas" panose="020B0609020204030204" pitchFamily="49" charset="0"/>
+              </a:rPr>
+              <a:t> </a:t>
+            </a:r>
+            <a:r>
+              <a:rPr lang="pl-PL" b="0" dirty="0">
+                <a:solidFill>
+                  <a:srgbClr val="0000FF"/>
+                </a:solidFill>
+                <a:effectLst/>
+                <a:latin typeface="Consolas" panose="020B0609020204030204" pitchFamily="49" charset="0"/>
+              </a:rPr>
+              <a:t>(</a:t>
+            </a:r>
+            <a:r>
+              <a:rPr lang="pl-PL" b="0" dirty="0" err="1">
+                <a:solidFill>
+                  <a:srgbClr val="0000FF"/>
+                </a:solidFill>
+                <a:effectLst/>
+                <a:latin typeface="Consolas" panose="020B0609020204030204" pitchFamily="49" charset="0"/>
+              </a:rPr>
+              <a:t>fun</a:t>
+            </a:r>
+            <a:r>
+              <a:rPr lang="pl-PL" b="0" dirty="0">
+                <a:solidFill>
+                  <a:srgbClr val="001080"/>
+                </a:solidFill>
+                <a:effectLst/>
+                <a:latin typeface="Consolas" panose="020B0609020204030204" pitchFamily="49" charset="0"/>
+              </a:rPr>
+              <a:t> x </a:t>
+            </a:r>
+            <a:r>
+              <a:rPr lang="pl-PL" b="0" dirty="0">
+                <a:solidFill>
+                  <a:srgbClr val="0000FF"/>
+                </a:solidFill>
+                <a:effectLst/>
+                <a:latin typeface="Consolas" panose="020B0609020204030204" pitchFamily="49" charset="0"/>
+              </a:rPr>
+              <a:t>-&gt;</a:t>
+            </a:r>
+            <a:r>
+              <a:rPr lang="pl-PL" b="0" dirty="0">
+                <a:solidFill>
+                  <a:srgbClr val="000000"/>
+                </a:solidFill>
+                <a:effectLst/>
+                <a:latin typeface="Consolas" panose="020B0609020204030204" pitchFamily="49" charset="0"/>
+              </a:rPr>
+              <a:t> </a:t>
+            </a:r>
+            <a:r>
+              <a:rPr lang="pl-PL" b="0" dirty="0" err="1">
+                <a:solidFill>
+                  <a:srgbClr val="795E26"/>
+                </a:solidFill>
+                <a:effectLst/>
+                <a:latin typeface="Consolas" panose="020B0609020204030204" pitchFamily="49" charset="0"/>
+              </a:rPr>
+              <a:t>int</a:t>
+            </a:r>
+            <a:r>
+              <a:rPr lang="pl-PL" b="0" dirty="0">
+                <a:solidFill>
+                  <a:srgbClr val="000000"/>
+                </a:solidFill>
+                <a:effectLst/>
+                <a:latin typeface="Consolas" panose="020B0609020204030204" pitchFamily="49" charset="0"/>
+              </a:rPr>
+              <a:t> </a:t>
+            </a:r>
+            <a:r>
+              <a:rPr lang="pl-PL" b="0" dirty="0">
+                <a:solidFill>
+                  <a:srgbClr val="0000FF"/>
+                </a:solidFill>
+                <a:effectLst/>
+                <a:latin typeface="Consolas" panose="020B0609020204030204" pitchFamily="49" charset="0"/>
+              </a:rPr>
+              <a:t>(</a:t>
+            </a:r>
+            <a:r>
+              <a:rPr lang="pl-PL" b="0" dirty="0" err="1">
+                <a:solidFill>
+                  <a:srgbClr val="267F99"/>
+                </a:solidFill>
+                <a:effectLst/>
+                <a:latin typeface="Consolas" panose="020B0609020204030204" pitchFamily="49" charset="0"/>
+              </a:rPr>
+              <a:t>Char</a:t>
+            </a:r>
+            <a:r>
+              <a:rPr lang="pl-PL" b="0" dirty="0" err="1">
+                <a:solidFill>
+                  <a:srgbClr val="795E26"/>
+                </a:solidFill>
+                <a:effectLst/>
+                <a:latin typeface="Consolas" panose="020B0609020204030204" pitchFamily="49" charset="0"/>
+              </a:rPr>
+              <a:t>.GetNumericValue</a:t>
+            </a:r>
+            <a:r>
+              <a:rPr lang="pl-PL" b="0" dirty="0">
+                <a:solidFill>
+                  <a:srgbClr val="000000"/>
+                </a:solidFill>
+                <a:effectLst/>
+                <a:latin typeface="Consolas" panose="020B0609020204030204" pitchFamily="49" charset="0"/>
+              </a:rPr>
+              <a:t> </a:t>
+            </a:r>
+            <a:r>
+              <a:rPr lang="pl-PL" b="0" dirty="0">
+                <a:solidFill>
+                  <a:srgbClr val="001080"/>
+                </a:solidFill>
+                <a:effectLst/>
+                <a:latin typeface="Consolas" panose="020B0609020204030204" pitchFamily="49" charset="0"/>
+              </a:rPr>
+              <a:t>x</a:t>
+            </a:r>
+            <a:r>
+              <a:rPr lang="pl-PL" b="0" dirty="0">
+                <a:solidFill>
+                  <a:srgbClr val="0000FF"/>
+                </a:solidFill>
+                <a:effectLst/>
+                <a:latin typeface="Consolas" panose="020B0609020204030204" pitchFamily="49" charset="0"/>
+              </a:rPr>
+              <a:t>))</a:t>
+            </a:r>
+            <a:endParaRPr lang="pl-PL" b="0" dirty="0">
+              <a:solidFill>
+                <a:srgbClr val="000000"/>
+              </a:solidFill>
+              <a:effectLst/>
+              <a:latin typeface="Consolas" panose="020B0609020204030204" pitchFamily="49" charset="0"/>
+            </a:endParaRPr>
+          </a:p>
+          <a:p>
+            <a:pPr marL="0" indent="0">
+              <a:buNone/>
+            </a:pPr>
+            <a:r>
+              <a:rPr lang="pl-PL" b="0" dirty="0">
+                <a:solidFill>
+                  <a:srgbClr val="000000"/>
+                </a:solidFill>
+                <a:effectLst/>
+                <a:latin typeface="Consolas" panose="020B0609020204030204" pitchFamily="49" charset="0"/>
+              </a:rPr>
+              <a:t>    </a:t>
+            </a:r>
+            <a:r>
+              <a:rPr lang="pl-PL" b="0" dirty="0">
+                <a:solidFill>
+                  <a:srgbClr val="AF00DB"/>
+                </a:solidFill>
+                <a:effectLst/>
+                <a:latin typeface="Consolas" panose="020B0609020204030204" pitchFamily="49" charset="0"/>
+              </a:rPr>
+              <a:t>for</a:t>
+            </a:r>
+            <a:r>
+              <a:rPr lang="pl-PL" b="0" dirty="0">
+                <a:solidFill>
+                  <a:srgbClr val="000000"/>
+                </a:solidFill>
+                <a:effectLst/>
+                <a:latin typeface="Consolas" panose="020B0609020204030204" pitchFamily="49" charset="0"/>
+              </a:rPr>
+              <a:t> </a:t>
+            </a:r>
+            <a:r>
+              <a:rPr lang="pl-PL" b="0" dirty="0" err="1">
+                <a:solidFill>
+                  <a:srgbClr val="001080"/>
+                </a:solidFill>
+                <a:effectLst/>
+                <a:latin typeface="Consolas" panose="020B0609020204030204" pitchFamily="49" charset="0"/>
+              </a:rPr>
+              <a:t>it</a:t>
+            </a:r>
+            <a:r>
+              <a:rPr lang="pl-PL" b="0" dirty="0">
+                <a:solidFill>
+                  <a:srgbClr val="000000"/>
+                </a:solidFill>
+                <a:effectLst/>
+                <a:latin typeface="Consolas" panose="020B0609020204030204" pitchFamily="49" charset="0"/>
+              </a:rPr>
+              <a:t> </a:t>
+            </a:r>
+            <a:r>
+              <a:rPr lang="pl-PL" b="0" dirty="0">
+                <a:solidFill>
+                  <a:srgbClr val="AF00DB"/>
+                </a:solidFill>
+                <a:effectLst/>
+                <a:latin typeface="Consolas" panose="020B0609020204030204" pitchFamily="49" charset="0"/>
+              </a:rPr>
+              <a:t>in</a:t>
+            </a:r>
+            <a:r>
+              <a:rPr lang="pl-PL" b="0" dirty="0">
+                <a:solidFill>
+                  <a:srgbClr val="000000"/>
+                </a:solidFill>
+                <a:effectLst/>
+                <a:latin typeface="Consolas" panose="020B0609020204030204" pitchFamily="49" charset="0"/>
+              </a:rPr>
+              <a:t> </a:t>
+            </a:r>
+            <a:r>
+              <a:rPr lang="pl-PL" b="0" dirty="0" err="1">
+                <a:solidFill>
+                  <a:srgbClr val="795E26"/>
+                </a:solidFill>
+                <a:effectLst/>
+                <a:latin typeface="Consolas" panose="020B0609020204030204" pitchFamily="49" charset="0"/>
+              </a:rPr>
+              <a:t>seq</a:t>
+            </a:r>
+            <a:r>
+              <a:rPr lang="pl-PL" b="0" dirty="0">
+                <a:solidFill>
+                  <a:srgbClr val="0000FF"/>
+                </a:solidFill>
+                <a:effectLst/>
+                <a:latin typeface="Consolas" panose="020B0609020204030204" pitchFamily="49" charset="0"/>
+              </a:rPr>
+              <a:t>{</a:t>
+            </a:r>
+            <a:r>
+              <a:rPr lang="pl-PL" b="0" dirty="0">
+                <a:solidFill>
+                  <a:srgbClr val="098658"/>
+                </a:solidFill>
+                <a:effectLst/>
+                <a:latin typeface="Consolas" panose="020B0609020204030204" pitchFamily="49" charset="0"/>
+              </a:rPr>
+              <a:t>1</a:t>
+            </a:r>
+            <a:r>
+              <a:rPr lang="pl-PL" b="0" dirty="0">
+                <a:solidFill>
+                  <a:srgbClr val="0000FF"/>
+                </a:solidFill>
+                <a:effectLst/>
+                <a:latin typeface="Consolas" panose="020B0609020204030204" pitchFamily="49" charset="0"/>
+              </a:rPr>
+              <a:t>;</a:t>
+            </a:r>
+            <a:r>
+              <a:rPr lang="pl-PL" b="0" dirty="0">
+                <a:solidFill>
+                  <a:srgbClr val="000000"/>
+                </a:solidFill>
+                <a:effectLst/>
+                <a:latin typeface="Consolas" panose="020B0609020204030204" pitchFamily="49" charset="0"/>
+              </a:rPr>
+              <a:t> </a:t>
+            </a:r>
+            <a:r>
+              <a:rPr lang="pl-PL" b="0" dirty="0">
+                <a:solidFill>
+                  <a:srgbClr val="098658"/>
+                </a:solidFill>
+                <a:effectLst/>
+                <a:latin typeface="Consolas" panose="020B0609020204030204" pitchFamily="49" charset="0"/>
+              </a:rPr>
+              <a:t>2</a:t>
+            </a:r>
+            <a:r>
+              <a:rPr lang="pl-PL" b="0" dirty="0">
+                <a:solidFill>
+                  <a:srgbClr val="0000FF"/>
+                </a:solidFill>
+                <a:effectLst/>
+                <a:latin typeface="Consolas" panose="020B0609020204030204" pitchFamily="49" charset="0"/>
+              </a:rPr>
+              <a:t>;</a:t>
+            </a:r>
+            <a:r>
+              <a:rPr lang="pl-PL" b="0" dirty="0">
+                <a:solidFill>
+                  <a:srgbClr val="000000"/>
+                </a:solidFill>
+                <a:effectLst/>
+                <a:latin typeface="Consolas" panose="020B0609020204030204" pitchFamily="49" charset="0"/>
+              </a:rPr>
+              <a:t> </a:t>
+            </a:r>
+            <a:r>
+              <a:rPr lang="pl-PL" b="0" dirty="0">
+                <a:solidFill>
+                  <a:srgbClr val="098658"/>
+                </a:solidFill>
+                <a:effectLst/>
+                <a:latin typeface="Consolas" panose="020B0609020204030204" pitchFamily="49" charset="0"/>
+              </a:rPr>
+              <a:t>4</a:t>
+            </a:r>
+            <a:r>
+              <a:rPr lang="pl-PL" b="0" dirty="0">
+                <a:solidFill>
+                  <a:srgbClr val="0000FF"/>
+                </a:solidFill>
+                <a:effectLst/>
+                <a:latin typeface="Consolas" panose="020B0609020204030204" pitchFamily="49" charset="0"/>
+              </a:rPr>
+              <a:t>;</a:t>
+            </a:r>
+            <a:r>
+              <a:rPr lang="pl-PL" b="0" dirty="0">
+                <a:solidFill>
+                  <a:srgbClr val="000000"/>
+                </a:solidFill>
+                <a:effectLst/>
+                <a:latin typeface="Consolas" panose="020B0609020204030204" pitchFamily="49" charset="0"/>
+              </a:rPr>
+              <a:t> </a:t>
+            </a:r>
+            <a:r>
+              <a:rPr lang="pl-PL" b="0" dirty="0">
+                <a:solidFill>
+                  <a:srgbClr val="098658"/>
+                </a:solidFill>
+                <a:effectLst/>
+                <a:latin typeface="Consolas" panose="020B0609020204030204" pitchFamily="49" charset="0"/>
+              </a:rPr>
+              <a:t>8</a:t>
+            </a:r>
+            <a:r>
+              <a:rPr lang="pl-PL" b="0" dirty="0">
+                <a:solidFill>
+                  <a:srgbClr val="0000FF"/>
+                </a:solidFill>
+                <a:effectLst/>
+                <a:latin typeface="Consolas" panose="020B0609020204030204" pitchFamily="49" charset="0"/>
+              </a:rPr>
+              <a:t>;</a:t>
+            </a:r>
+            <a:r>
+              <a:rPr lang="pl-PL" b="0" dirty="0">
+                <a:solidFill>
+                  <a:srgbClr val="000000"/>
+                </a:solidFill>
+                <a:effectLst/>
+                <a:latin typeface="Consolas" panose="020B0609020204030204" pitchFamily="49" charset="0"/>
+              </a:rPr>
+              <a:t> </a:t>
+            </a:r>
+            <a:r>
+              <a:rPr lang="pl-PL" b="0" dirty="0">
+                <a:solidFill>
+                  <a:srgbClr val="098658"/>
+                </a:solidFill>
+                <a:effectLst/>
+                <a:latin typeface="Consolas" panose="020B0609020204030204" pitchFamily="49" charset="0"/>
+              </a:rPr>
+              <a:t>16</a:t>
+            </a:r>
+            <a:r>
+              <a:rPr lang="pl-PL" b="0" dirty="0">
+                <a:solidFill>
+                  <a:srgbClr val="0000FF"/>
+                </a:solidFill>
+                <a:effectLst/>
+                <a:latin typeface="Consolas" panose="020B0609020204030204" pitchFamily="49" charset="0"/>
+              </a:rPr>
+              <a:t>}</a:t>
+            </a:r>
+            <a:r>
+              <a:rPr lang="pl-PL" b="0" dirty="0">
+                <a:solidFill>
+                  <a:srgbClr val="000000"/>
+                </a:solidFill>
+                <a:effectLst/>
+                <a:latin typeface="Consolas" panose="020B0609020204030204" pitchFamily="49" charset="0"/>
+              </a:rPr>
+              <a:t> </a:t>
+            </a:r>
+            <a:r>
+              <a:rPr lang="pl-PL" b="0" dirty="0">
+                <a:solidFill>
+                  <a:srgbClr val="AF00DB"/>
+                </a:solidFill>
+                <a:effectLst/>
+                <a:latin typeface="Consolas" panose="020B0609020204030204" pitchFamily="49" charset="0"/>
+              </a:rPr>
+              <a:t>do</a:t>
+            </a:r>
+            <a:endParaRPr lang="pl-PL" b="0" dirty="0">
+              <a:solidFill>
+                <a:srgbClr val="000000"/>
+              </a:solidFill>
+              <a:effectLst/>
+              <a:latin typeface="Consolas" panose="020B0609020204030204" pitchFamily="49" charset="0"/>
+            </a:endParaRPr>
+          </a:p>
+          <a:p>
+            <a:pPr marL="0" indent="0">
+              <a:buNone/>
+            </a:pPr>
+            <a:r>
+              <a:rPr lang="pl-PL" b="0" dirty="0">
+                <a:solidFill>
+                  <a:srgbClr val="000000"/>
+                </a:solidFill>
+                <a:effectLst/>
+                <a:latin typeface="Consolas" panose="020B0609020204030204" pitchFamily="49" charset="0"/>
+              </a:rPr>
+              <a:t>        </a:t>
+            </a:r>
+            <a:r>
+              <a:rPr lang="pl-PL" b="0" dirty="0" err="1">
+                <a:solidFill>
+                  <a:srgbClr val="001080"/>
+                </a:solidFill>
+                <a:effectLst/>
+                <a:latin typeface="Consolas" panose="020B0609020204030204" pitchFamily="49" charset="0"/>
+              </a:rPr>
+              <a:t>bitArray</a:t>
+            </a:r>
+            <a:r>
+              <a:rPr lang="pl-PL" b="0" dirty="0">
+                <a:solidFill>
+                  <a:srgbClr val="222222"/>
+                </a:solidFill>
+                <a:effectLst/>
+                <a:latin typeface="Consolas" panose="020B0609020204030204" pitchFamily="49" charset="0"/>
+              </a:rPr>
+              <a:t>.</a:t>
+            </a:r>
+            <a:r>
+              <a:rPr lang="pl-PL" b="0" dirty="0">
+                <a:solidFill>
+                  <a:srgbClr val="0000FF"/>
+                </a:solidFill>
+                <a:effectLst/>
+                <a:latin typeface="Consolas" panose="020B0609020204030204" pitchFamily="49" charset="0"/>
+              </a:rPr>
+              <a:t>[</a:t>
+            </a:r>
+            <a:r>
+              <a:rPr lang="pl-PL" b="0" dirty="0" err="1">
+                <a:solidFill>
+                  <a:srgbClr val="001080"/>
+                </a:solidFill>
+                <a:effectLst/>
+                <a:latin typeface="Consolas" panose="020B0609020204030204" pitchFamily="49" charset="0"/>
+              </a:rPr>
+              <a:t>it</a:t>
+            </a:r>
+            <a:r>
+              <a:rPr lang="pl-PL" b="0" dirty="0">
+                <a:solidFill>
+                  <a:srgbClr val="0000FF"/>
+                </a:solidFill>
+                <a:effectLst/>
+                <a:latin typeface="Consolas" panose="020B0609020204030204" pitchFamily="49" charset="0"/>
+              </a:rPr>
+              <a:t>]</a:t>
+            </a:r>
+            <a:r>
+              <a:rPr lang="pl-PL" b="0" dirty="0">
+                <a:solidFill>
+                  <a:srgbClr val="000000"/>
+                </a:solidFill>
+                <a:effectLst/>
+                <a:latin typeface="Consolas" panose="020B0609020204030204" pitchFamily="49" charset="0"/>
+              </a:rPr>
+              <a:t> </a:t>
+            </a:r>
+            <a:r>
+              <a:rPr lang="pl-PL" b="0" dirty="0">
+                <a:solidFill>
+                  <a:srgbClr val="0000FF"/>
+                </a:solidFill>
+                <a:effectLst/>
+                <a:latin typeface="Consolas" panose="020B0609020204030204" pitchFamily="49" charset="0"/>
+              </a:rPr>
+              <a:t>&lt;-</a:t>
+            </a:r>
+            <a:r>
+              <a:rPr lang="pl-PL" b="0" dirty="0">
+                <a:solidFill>
+                  <a:srgbClr val="000000"/>
+                </a:solidFill>
+                <a:effectLst/>
+                <a:latin typeface="Consolas" panose="020B0609020204030204" pitchFamily="49" charset="0"/>
+              </a:rPr>
+              <a:t> </a:t>
+            </a:r>
+            <a:r>
+              <a:rPr lang="pl-PL" b="0" dirty="0" err="1">
+                <a:solidFill>
+                  <a:srgbClr val="001080"/>
+                </a:solidFill>
+                <a:effectLst/>
+                <a:latin typeface="Consolas" panose="020B0609020204030204" pitchFamily="49" charset="0"/>
+              </a:rPr>
+              <a:t>bitArray</a:t>
+            </a:r>
+            <a:r>
+              <a:rPr lang="pl-PL" b="0" dirty="0">
+                <a:solidFill>
+                  <a:srgbClr val="000000"/>
+                </a:solidFill>
+                <a:effectLst/>
+                <a:latin typeface="Consolas" panose="020B0609020204030204" pitchFamily="49" charset="0"/>
+              </a:rPr>
+              <a:t> </a:t>
+            </a:r>
+          </a:p>
+          <a:p>
+            <a:pPr marL="0" indent="0">
+              <a:buNone/>
+            </a:pPr>
+            <a:r>
+              <a:rPr lang="pl-PL" b="0" dirty="0">
+                <a:solidFill>
+                  <a:srgbClr val="000000"/>
+                </a:solidFill>
+                <a:effectLst/>
+                <a:latin typeface="Consolas" panose="020B0609020204030204" pitchFamily="49" charset="0"/>
+              </a:rPr>
+              <a:t>                     </a:t>
+            </a:r>
+            <a:r>
+              <a:rPr lang="pl-PL" b="0" dirty="0">
+                <a:solidFill>
+                  <a:srgbClr val="0000FF"/>
+                </a:solidFill>
+                <a:effectLst/>
+                <a:latin typeface="Consolas" panose="020B0609020204030204" pitchFamily="49" charset="0"/>
+              </a:rPr>
+              <a:t>|&gt;</a:t>
+            </a:r>
+            <a:r>
+              <a:rPr lang="pl-PL" b="0" dirty="0">
+                <a:solidFill>
+                  <a:srgbClr val="000000"/>
+                </a:solidFill>
+                <a:effectLst/>
+                <a:latin typeface="Consolas" panose="020B0609020204030204" pitchFamily="49" charset="0"/>
+              </a:rPr>
+              <a:t> </a:t>
+            </a:r>
+            <a:r>
+              <a:rPr lang="pl-PL" b="0" dirty="0" err="1">
+                <a:solidFill>
+                  <a:srgbClr val="222222"/>
+                </a:solidFill>
+                <a:effectLst/>
+                <a:latin typeface="Consolas" panose="020B0609020204030204" pitchFamily="49" charset="0"/>
+              </a:rPr>
+              <a:t>ArrayExtension</a:t>
+            </a:r>
+            <a:r>
+              <a:rPr lang="pl-PL" b="0" dirty="0" err="1">
+                <a:solidFill>
+                  <a:srgbClr val="795E26"/>
+                </a:solidFill>
+                <a:effectLst/>
+                <a:latin typeface="Consolas" panose="020B0609020204030204" pitchFamily="49" charset="0"/>
+              </a:rPr>
+              <a:t>.filteri</a:t>
+            </a:r>
+            <a:r>
+              <a:rPr lang="pl-PL" b="0" dirty="0">
+                <a:solidFill>
+                  <a:srgbClr val="000000"/>
+                </a:solidFill>
+                <a:effectLst/>
+                <a:latin typeface="Consolas" panose="020B0609020204030204" pitchFamily="49" charset="0"/>
+              </a:rPr>
+              <a:t> </a:t>
+            </a:r>
+            <a:r>
+              <a:rPr lang="pl-PL" b="0" dirty="0">
+                <a:solidFill>
+                  <a:srgbClr val="0000FF"/>
+                </a:solidFill>
+                <a:effectLst/>
+                <a:latin typeface="Consolas" panose="020B0609020204030204" pitchFamily="49" charset="0"/>
+              </a:rPr>
+              <a:t>(</a:t>
+            </a:r>
+            <a:r>
+              <a:rPr lang="pl-PL" b="0" dirty="0" err="1">
+                <a:solidFill>
+                  <a:srgbClr val="0000FF"/>
+                </a:solidFill>
+                <a:effectLst/>
+                <a:latin typeface="Consolas" panose="020B0609020204030204" pitchFamily="49" charset="0"/>
+              </a:rPr>
+              <a:t>fun</a:t>
+            </a:r>
+            <a:r>
+              <a:rPr lang="pl-PL" b="0" dirty="0">
+                <a:solidFill>
+                  <a:srgbClr val="001080"/>
+                </a:solidFill>
+                <a:effectLst/>
+                <a:latin typeface="Consolas" panose="020B0609020204030204" pitchFamily="49" charset="0"/>
+              </a:rPr>
+              <a:t> x </a:t>
+            </a:r>
+            <a:r>
+              <a:rPr lang="pl-PL" b="0" dirty="0">
+                <a:solidFill>
+                  <a:srgbClr val="0000FF"/>
+                </a:solidFill>
+                <a:effectLst/>
+                <a:latin typeface="Consolas" panose="020B0609020204030204" pitchFamily="49" charset="0"/>
+              </a:rPr>
+              <a:t>-&gt;</a:t>
+            </a:r>
+            <a:r>
+              <a:rPr lang="pl-PL" b="0" dirty="0">
+                <a:solidFill>
+                  <a:srgbClr val="000000"/>
+                </a:solidFill>
+                <a:effectLst/>
+                <a:latin typeface="Consolas" panose="020B0609020204030204" pitchFamily="49" charset="0"/>
+              </a:rPr>
+              <a:t> </a:t>
+            </a:r>
+            <a:r>
+              <a:rPr lang="pl-PL" b="0" dirty="0">
+                <a:solidFill>
+                  <a:srgbClr val="0000FF"/>
+                </a:solidFill>
+                <a:effectLst/>
+                <a:latin typeface="Consolas" panose="020B0609020204030204" pitchFamily="49" charset="0"/>
+              </a:rPr>
+              <a:t>(</a:t>
+            </a:r>
+            <a:r>
+              <a:rPr lang="pl-PL" b="0" dirty="0">
+                <a:solidFill>
+                  <a:srgbClr val="001080"/>
+                </a:solidFill>
+                <a:effectLst/>
+                <a:latin typeface="Consolas" panose="020B0609020204030204" pitchFamily="49" charset="0"/>
+              </a:rPr>
+              <a:t>x</a:t>
+            </a:r>
+            <a:r>
+              <a:rPr lang="pl-PL" b="0" dirty="0">
+                <a:solidFill>
+                  <a:srgbClr val="000000"/>
+                </a:solidFill>
+                <a:effectLst/>
+                <a:latin typeface="Consolas" panose="020B0609020204030204" pitchFamily="49" charset="0"/>
+              </a:rPr>
+              <a:t> </a:t>
+            </a:r>
+            <a:r>
+              <a:rPr lang="pl-PL" b="0" dirty="0">
+                <a:solidFill>
+                  <a:srgbClr val="0000FF"/>
+                </a:solidFill>
+                <a:effectLst/>
+                <a:latin typeface="Consolas" panose="020B0609020204030204" pitchFamily="49" charset="0"/>
+              </a:rPr>
+              <a:t>&amp;&amp;&amp;</a:t>
+            </a:r>
+            <a:r>
+              <a:rPr lang="pl-PL" b="0" dirty="0">
+                <a:solidFill>
+                  <a:srgbClr val="000000"/>
+                </a:solidFill>
+                <a:effectLst/>
+                <a:latin typeface="Consolas" panose="020B0609020204030204" pitchFamily="49" charset="0"/>
+              </a:rPr>
+              <a:t> </a:t>
+            </a:r>
+            <a:r>
+              <a:rPr lang="pl-PL" b="0" dirty="0" err="1">
+                <a:solidFill>
+                  <a:srgbClr val="001080"/>
+                </a:solidFill>
+                <a:effectLst/>
+                <a:latin typeface="Consolas" panose="020B0609020204030204" pitchFamily="49" charset="0"/>
+              </a:rPr>
+              <a:t>it</a:t>
+            </a:r>
+            <a:r>
+              <a:rPr lang="pl-PL" b="0" dirty="0">
+                <a:solidFill>
+                  <a:srgbClr val="000000"/>
+                </a:solidFill>
+                <a:effectLst/>
+                <a:latin typeface="Consolas" panose="020B0609020204030204" pitchFamily="49" charset="0"/>
+              </a:rPr>
+              <a:t> </a:t>
+            </a:r>
+            <a:r>
+              <a:rPr lang="pl-PL" b="0" dirty="0">
+                <a:solidFill>
+                  <a:srgbClr val="0000FF"/>
+                </a:solidFill>
+                <a:effectLst/>
+                <a:latin typeface="Consolas" panose="020B0609020204030204" pitchFamily="49" charset="0"/>
+              </a:rPr>
+              <a:t>=</a:t>
+            </a:r>
+            <a:r>
+              <a:rPr lang="pl-PL" b="0" dirty="0">
+                <a:solidFill>
+                  <a:srgbClr val="000000"/>
+                </a:solidFill>
+                <a:effectLst/>
+                <a:latin typeface="Consolas" panose="020B0609020204030204" pitchFamily="49" charset="0"/>
+              </a:rPr>
+              <a:t> </a:t>
+            </a:r>
+            <a:r>
+              <a:rPr lang="pl-PL" b="0" dirty="0" err="1">
+                <a:solidFill>
+                  <a:srgbClr val="001080"/>
+                </a:solidFill>
+                <a:effectLst/>
+                <a:latin typeface="Consolas" panose="020B0609020204030204" pitchFamily="49" charset="0"/>
+              </a:rPr>
+              <a:t>it</a:t>
+            </a:r>
+            <a:r>
+              <a:rPr lang="pl-PL" b="0" dirty="0">
+                <a:solidFill>
+                  <a:srgbClr val="0000FF"/>
+                </a:solidFill>
+                <a:effectLst/>
+                <a:latin typeface="Consolas" panose="020B0609020204030204" pitchFamily="49" charset="0"/>
+              </a:rPr>
+              <a:t>))</a:t>
+            </a:r>
+            <a:endParaRPr lang="pl-PL" b="0" dirty="0">
+              <a:solidFill>
+                <a:srgbClr val="000000"/>
+              </a:solidFill>
+              <a:effectLst/>
+              <a:latin typeface="Consolas" panose="020B0609020204030204" pitchFamily="49" charset="0"/>
+            </a:endParaRPr>
+          </a:p>
+          <a:p>
+            <a:pPr marL="0" indent="0">
+              <a:buNone/>
+            </a:pPr>
+            <a:r>
+              <a:rPr lang="pl-PL" b="0" dirty="0">
+                <a:solidFill>
+                  <a:srgbClr val="000000"/>
+                </a:solidFill>
+                <a:effectLst/>
+                <a:latin typeface="Consolas" panose="020B0609020204030204" pitchFamily="49" charset="0"/>
+              </a:rPr>
+              <a:t>                     </a:t>
+            </a:r>
+            <a:r>
+              <a:rPr lang="pl-PL" b="0" dirty="0">
+                <a:solidFill>
+                  <a:srgbClr val="0000FF"/>
+                </a:solidFill>
+                <a:effectLst/>
+                <a:latin typeface="Consolas" panose="020B0609020204030204" pitchFamily="49" charset="0"/>
+              </a:rPr>
+              <a:t>|&gt;</a:t>
+            </a:r>
+            <a:r>
+              <a:rPr lang="pl-PL" b="0" dirty="0">
+                <a:solidFill>
+                  <a:srgbClr val="000000"/>
+                </a:solidFill>
+                <a:effectLst/>
+                <a:latin typeface="Consolas" panose="020B0609020204030204" pitchFamily="49" charset="0"/>
+              </a:rPr>
+              <a:t> </a:t>
+            </a:r>
+            <a:r>
+              <a:rPr lang="pl-PL" b="0" dirty="0" err="1">
+                <a:solidFill>
+                  <a:srgbClr val="222222"/>
+                </a:solidFill>
+                <a:effectLst/>
+                <a:latin typeface="Consolas" panose="020B0609020204030204" pitchFamily="49" charset="0"/>
+              </a:rPr>
+              <a:t>Array</a:t>
+            </a:r>
+            <a:r>
+              <a:rPr lang="pl-PL" b="0" dirty="0" err="1">
+                <a:solidFill>
+                  <a:srgbClr val="795E26"/>
+                </a:solidFill>
+                <a:effectLst/>
+                <a:latin typeface="Consolas" panose="020B0609020204030204" pitchFamily="49" charset="0"/>
+              </a:rPr>
+              <a:t>.fold</a:t>
+            </a:r>
+            <a:r>
+              <a:rPr lang="pl-PL" b="0" dirty="0">
+                <a:solidFill>
+                  <a:srgbClr val="000000"/>
+                </a:solidFill>
+                <a:effectLst/>
+                <a:latin typeface="Consolas" panose="020B0609020204030204" pitchFamily="49" charset="0"/>
+              </a:rPr>
+              <a:t> </a:t>
+            </a:r>
+            <a:r>
+              <a:rPr lang="pl-PL" b="0" dirty="0">
+                <a:solidFill>
+                  <a:srgbClr val="0000FF"/>
+                </a:solidFill>
+                <a:effectLst/>
+                <a:latin typeface="Consolas" panose="020B0609020204030204" pitchFamily="49" charset="0"/>
+              </a:rPr>
+              <a:t>(</a:t>
+            </a:r>
+            <a:r>
+              <a:rPr lang="pl-PL" b="0" dirty="0" err="1">
+                <a:solidFill>
+                  <a:srgbClr val="0000FF"/>
+                </a:solidFill>
+                <a:effectLst/>
+                <a:latin typeface="Consolas" panose="020B0609020204030204" pitchFamily="49" charset="0"/>
+              </a:rPr>
+              <a:t>fun</a:t>
+            </a:r>
+            <a:r>
+              <a:rPr lang="pl-PL" b="0" dirty="0">
+                <a:solidFill>
+                  <a:srgbClr val="001080"/>
+                </a:solidFill>
+                <a:effectLst/>
+                <a:latin typeface="Consolas" panose="020B0609020204030204" pitchFamily="49" charset="0"/>
+              </a:rPr>
+              <a:t> x y </a:t>
+            </a:r>
+            <a:r>
+              <a:rPr lang="pl-PL" b="0" dirty="0">
+                <a:solidFill>
+                  <a:srgbClr val="0000FF"/>
+                </a:solidFill>
+                <a:effectLst/>
+                <a:latin typeface="Consolas" panose="020B0609020204030204" pitchFamily="49" charset="0"/>
+              </a:rPr>
+              <a:t>-&gt;</a:t>
+            </a:r>
+            <a:r>
+              <a:rPr lang="pl-PL" b="0" dirty="0">
+                <a:solidFill>
+                  <a:srgbClr val="000000"/>
+                </a:solidFill>
+                <a:effectLst/>
+                <a:latin typeface="Consolas" panose="020B0609020204030204" pitchFamily="49" charset="0"/>
+              </a:rPr>
+              <a:t> </a:t>
+            </a:r>
+            <a:r>
+              <a:rPr lang="pl-PL" b="0" dirty="0">
+                <a:solidFill>
+                  <a:srgbClr val="001080"/>
+                </a:solidFill>
+                <a:effectLst/>
+                <a:latin typeface="Consolas" panose="020B0609020204030204" pitchFamily="49" charset="0"/>
+              </a:rPr>
+              <a:t>x</a:t>
+            </a:r>
+            <a:r>
+              <a:rPr lang="pl-PL" b="0" dirty="0">
+                <a:solidFill>
+                  <a:srgbClr val="000000"/>
+                </a:solidFill>
+                <a:effectLst/>
+                <a:latin typeface="Consolas" panose="020B0609020204030204" pitchFamily="49" charset="0"/>
+              </a:rPr>
+              <a:t> </a:t>
+            </a:r>
+            <a:r>
+              <a:rPr lang="pl-PL" b="0" dirty="0">
+                <a:solidFill>
+                  <a:srgbClr val="0000FF"/>
+                </a:solidFill>
+                <a:effectLst/>
+                <a:latin typeface="Consolas" panose="020B0609020204030204" pitchFamily="49" charset="0"/>
+              </a:rPr>
+              <a:t>^^^</a:t>
+            </a:r>
+            <a:r>
+              <a:rPr lang="pl-PL" b="0" dirty="0">
+                <a:solidFill>
+                  <a:srgbClr val="000000"/>
+                </a:solidFill>
+                <a:effectLst/>
+                <a:latin typeface="Consolas" panose="020B0609020204030204" pitchFamily="49" charset="0"/>
+              </a:rPr>
+              <a:t> </a:t>
+            </a:r>
+            <a:r>
+              <a:rPr lang="pl-PL" b="0" dirty="0">
+                <a:solidFill>
+                  <a:srgbClr val="001080"/>
+                </a:solidFill>
+                <a:effectLst/>
+                <a:latin typeface="Consolas" panose="020B0609020204030204" pitchFamily="49" charset="0"/>
+              </a:rPr>
+              <a:t>y</a:t>
+            </a:r>
+            <a:r>
+              <a:rPr lang="pl-PL" b="0" dirty="0">
+                <a:solidFill>
+                  <a:srgbClr val="0000FF"/>
+                </a:solidFill>
+                <a:effectLst/>
+                <a:latin typeface="Consolas" panose="020B0609020204030204" pitchFamily="49" charset="0"/>
+              </a:rPr>
+              <a:t>)</a:t>
+            </a:r>
+            <a:r>
+              <a:rPr lang="pl-PL" b="0" dirty="0">
+                <a:solidFill>
+                  <a:srgbClr val="000000"/>
+                </a:solidFill>
+                <a:effectLst/>
+                <a:latin typeface="Consolas" panose="020B0609020204030204" pitchFamily="49" charset="0"/>
+              </a:rPr>
+              <a:t> </a:t>
+            </a:r>
+            <a:r>
+              <a:rPr lang="pl-PL" b="0" dirty="0">
+                <a:solidFill>
+                  <a:srgbClr val="098658"/>
+                </a:solidFill>
+                <a:effectLst/>
+                <a:latin typeface="Consolas" panose="020B0609020204030204" pitchFamily="49" charset="0"/>
+              </a:rPr>
+              <a:t>0</a:t>
+            </a:r>
+            <a:r>
+              <a:rPr lang="pl-PL" b="0" dirty="0">
+                <a:solidFill>
+                  <a:srgbClr val="000000"/>
+                </a:solidFill>
+                <a:effectLst/>
+                <a:latin typeface="Consolas" panose="020B0609020204030204" pitchFamily="49" charset="0"/>
+              </a:rPr>
+              <a:t> </a:t>
+            </a:r>
+          </a:p>
+          <a:p>
+            <a:pPr marL="0" indent="0">
+              <a:buNone/>
+            </a:pPr>
+            <a:r>
+              <a:rPr lang="pl-PL" b="0" dirty="0">
+                <a:solidFill>
+                  <a:srgbClr val="000000"/>
+                </a:solidFill>
+                <a:effectLst/>
+                <a:latin typeface="Consolas" panose="020B0609020204030204" pitchFamily="49" charset="0"/>
+              </a:rPr>
+              <a:t>    </a:t>
+            </a:r>
+            <a:r>
+              <a:rPr lang="pl-PL" b="0" dirty="0" err="1">
+                <a:solidFill>
+                  <a:srgbClr val="001080"/>
+                </a:solidFill>
+                <a:effectLst/>
+                <a:latin typeface="Consolas" panose="020B0609020204030204" pitchFamily="49" charset="0"/>
+              </a:rPr>
+              <a:t>bitArray</a:t>
+            </a:r>
+            <a:r>
+              <a:rPr lang="pl-PL" b="0" dirty="0">
+                <a:solidFill>
+                  <a:srgbClr val="222222"/>
+                </a:solidFill>
+                <a:effectLst/>
+                <a:latin typeface="Consolas" panose="020B0609020204030204" pitchFamily="49" charset="0"/>
+              </a:rPr>
+              <a:t>.</a:t>
+            </a:r>
+            <a:r>
+              <a:rPr lang="pl-PL" b="0" dirty="0">
+                <a:solidFill>
+                  <a:srgbClr val="0000FF"/>
+                </a:solidFill>
+                <a:effectLst/>
+                <a:latin typeface="Consolas" panose="020B0609020204030204" pitchFamily="49" charset="0"/>
+              </a:rPr>
+              <a:t>[</a:t>
+            </a:r>
+            <a:r>
+              <a:rPr lang="pl-PL" b="0" dirty="0">
+                <a:solidFill>
+                  <a:srgbClr val="098658"/>
+                </a:solidFill>
+                <a:effectLst/>
+                <a:latin typeface="Consolas" panose="020B0609020204030204" pitchFamily="49" charset="0"/>
+              </a:rPr>
+              <a:t>0</a:t>
+            </a:r>
+            <a:r>
+              <a:rPr lang="pl-PL" b="0" dirty="0">
+                <a:solidFill>
+                  <a:srgbClr val="0000FF"/>
+                </a:solidFill>
+                <a:effectLst/>
+                <a:latin typeface="Consolas" panose="020B0609020204030204" pitchFamily="49" charset="0"/>
+              </a:rPr>
+              <a:t>]</a:t>
+            </a:r>
+            <a:r>
+              <a:rPr lang="pl-PL" b="0" dirty="0">
+                <a:solidFill>
+                  <a:srgbClr val="000000"/>
+                </a:solidFill>
+                <a:effectLst/>
+                <a:latin typeface="Consolas" panose="020B0609020204030204" pitchFamily="49" charset="0"/>
+              </a:rPr>
+              <a:t> </a:t>
+            </a:r>
+            <a:r>
+              <a:rPr lang="pl-PL" b="0" dirty="0">
+                <a:solidFill>
+                  <a:srgbClr val="0000FF"/>
+                </a:solidFill>
+                <a:effectLst/>
+                <a:latin typeface="Consolas" panose="020B0609020204030204" pitchFamily="49" charset="0"/>
+              </a:rPr>
+              <a:t>&lt;-</a:t>
+            </a:r>
+            <a:r>
+              <a:rPr lang="pl-PL" b="0" dirty="0">
+                <a:solidFill>
+                  <a:srgbClr val="000000"/>
+                </a:solidFill>
+                <a:effectLst/>
+                <a:latin typeface="Consolas" panose="020B0609020204030204" pitchFamily="49" charset="0"/>
+              </a:rPr>
+              <a:t> </a:t>
+            </a:r>
+            <a:r>
+              <a:rPr lang="pl-PL" b="0" dirty="0" err="1">
+                <a:solidFill>
+                  <a:srgbClr val="001080"/>
+                </a:solidFill>
+                <a:effectLst/>
+                <a:latin typeface="Consolas" panose="020B0609020204030204" pitchFamily="49" charset="0"/>
+              </a:rPr>
+              <a:t>bitArray</a:t>
+            </a:r>
+            <a:r>
+              <a:rPr lang="pl-PL" b="0" dirty="0">
+                <a:solidFill>
+                  <a:srgbClr val="000000"/>
+                </a:solidFill>
+                <a:effectLst/>
+                <a:latin typeface="Consolas" panose="020B0609020204030204" pitchFamily="49" charset="0"/>
+              </a:rPr>
+              <a:t> </a:t>
+            </a:r>
+          </a:p>
+          <a:p>
+            <a:pPr marL="0" indent="0">
+              <a:buNone/>
+            </a:pPr>
+            <a:r>
+              <a:rPr lang="pl-PL" b="0" dirty="0">
+                <a:solidFill>
+                  <a:srgbClr val="0000FF"/>
+                </a:solidFill>
+                <a:effectLst/>
+                <a:latin typeface="Consolas" panose="020B0609020204030204" pitchFamily="49" charset="0"/>
+              </a:rPr>
+              <a:t>		      |&gt;</a:t>
+            </a:r>
+            <a:r>
+              <a:rPr lang="pl-PL" b="0" dirty="0">
+                <a:solidFill>
+                  <a:srgbClr val="000000"/>
+                </a:solidFill>
+                <a:effectLst/>
+                <a:latin typeface="Consolas" panose="020B0609020204030204" pitchFamily="49" charset="0"/>
+              </a:rPr>
+              <a:t> </a:t>
+            </a:r>
+            <a:r>
+              <a:rPr lang="pl-PL" b="0" dirty="0" err="1">
+                <a:solidFill>
+                  <a:srgbClr val="222222"/>
+                </a:solidFill>
+                <a:effectLst/>
+                <a:latin typeface="Consolas" panose="020B0609020204030204" pitchFamily="49" charset="0"/>
+              </a:rPr>
+              <a:t>Array</a:t>
+            </a:r>
+            <a:r>
+              <a:rPr lang="pl-PL" b="0" dirty="0" err="1">
+                <a:solidFill>
+                  <a:srgbClr val="795E26"/>
+                </a:solidFill>
+                <a:effectLst/>
+                <a:latin typeface="Consolas" panose="020B0609020204030204" pitchFamily="49" charset="0"/>
+              </a:rPr>
+              <a:t>.fold</a:t>
+            </a:r>
+            <a:r>
+              <a:rPr lang="pl-PL" b="0" dirty="0">
+                <a:solidFill>
+                  <a:srgbClr val="000000"/>
+                </a:solidFill>
+                <a:effectLst/>
+                <a:latin typeface="Consolas" panose="020B0609020204030204" pitchFamily="49" charset="0"/>
+              </a:rPr>
+              <a:t> </a:t>
+            </a:r>
+            <a:r>
+              <a:rPr lang="pl-PL" b="0" dirty="0">
+                <a:solidFill>
+                  <a:srgbClr val="0000FF"/>
+                </a:solidFill>
+                <a:effectLst/>
+                <a:latin typeface="Consolas" panose="020B0609020204030204" pitchFamily="49" charset="0"/>
+              </a:rPr>
+              <a:t>(</a:t>
+            </a:r>
+            <a:r>
+              <a:rPr lang="pl-PL" b="0" dirty="0" err="1">
+                <a:solidFill>
+                  <a:srgbClr val="0000FF"/>
+                </a:solidFill>
+                <a:effectLst/>
+                <a:latin typeface="Consolas" panose="020B0609020204030204" pitchFamily="49" charset="0"/>
+              </a:rPr>
+              <a:t>fun</a:t>
+            </a:r>
+            <a:r>
+              <a:rPr lang="pl-PL" b="0" dirty="0">
+                <a:solidFill>
+                  <a:srgbClr val="001080"/>
+                </a:solidFill>
+                <a:effectLst/>
+                <a:latin typeface="Consolas" panose="020B0609020204030204" pitchFamily="49" charset="0"/>
+              </a:rPr>
+              <a:t> x y </a:t>
+            </a:r>
+            <a:r>
+              <a:rPr lang="pl-PL" b="0" dirty="0">
+                <a:solidFill>
+                  <a:srgbClr val="0000FF"/>
+                </a:solidFill>
+                <a:effectLst/>
+                <a:latin typeface="Consolas" panose="020B0609020204030204" pitchFamily="49" charset="0"/>
+              </a:rPr>
+              <a:t>-&gt;</a:t>
+            </a:r>
+            <a:r>
+              <a:rPr lang="pl-PL" b="0" dirty="0">
+                <a:solidFill>
+                  <a:srgbClr val="000000"/>
+                </a:solidFill>
+                <a:effectLst/>
+                <a:latin typeface="Consolas" panose="020B0609020204030204" pitchFamily="49" charset="0"/>
+              </a:rPr>
+              <a:t> </a:t>
+            </a:r>
+            <a:r>
+              <a:rPr lang="pl-PL" b="0" dirty="0">
+                <a:solidFill>
+                  <a:srgbClr val="001080"/>
+                </a:solidFill>
+                <a:effectLst/>
+                <a:latin typeface="Consolas" panose="020B0609020204030204" pitchFamily="49" charset="0"/>
+              </a:rPr>
+              <a:t>x</a:t>
+            </a:r>
+            <a:r>
+              <a:rPr lang="pl-PL" b="0" dirty="0">
+                <a:solidFill>
+                  <a:srgbClr val="000000"/>
+                </a:solidFill>
+                <a:effectLst/>
+                <a:latin typeface="Consolas" panose="020B0609020204030204" pitchFamily="49" charset="0"/>
+              </a:rPr>
+              <a:t> </a:t>
+            </a:r>
+            <a:r>
+              <a:rPr lang="pl-PL" b="0" dirty="0">
+                <a:solidFill>
+                  <a:srgbClr val="0000FF"/>
+                </a:solidFill>
+                <a:effectLst/>
+                <a:latin typeface="Consolas" panose="020B0609020204030204" pitchFamily="49" charset="0"/>
+              </a:rPr>
+              <a:t>^^^</a:t>
+            </a:r>
+            <a:r>
+              <a:rPr lang="pl-PL" b="0" dirty="0">
+                <a:solidFill>
+                  <a:srgbClr val="000000"/>
+                </a:solidFill>
+                <a:effectLst/>
+                <a:latin typeface="Consolas" panose="020B0609020204030204" pitchFamily="49" charset="0"/>
+              </a:rPr>
+              <a:t> </a:t>
+            </a:r>
+            <a:r>
+              <a:rPr lang="pl-PL" b="0" dirty="0">
+                <a:solidFill>
+                  <a:srgbClr val="001080"/>
+                </a:solidFill>
+                <a:effectLst/>
+                <a:latin typeface="Consolas" panose="020B0609020204030204" pitchFamily="49" charset="0"/>
+              </a:rPr>
+              <a:t>y</a:t>
+            </a:r>
+            <a:r>
+              <a:rPr lang="pl-PL" b="0" dirty="0">
+                <a:solidFill>
+                  <a:srgbClr val="0000FF"/>
+                </a:solidFill>
+                <a:effectLst/>
+                <a:latin typeface="Consolas" panose="020B0609020204030204" pitchFamily="49" charset="0"/>
+              </a:rPr>
+              <a:t>)</a:t>
+            </a:r>
+            <a:r>
+              <a:rPr lang="pl-PL" b="0" dirty="0">
+                <a:solidFill>
+                  <a:srgbClr val="000000"/>
+                </a:solidFill>
+                <a:effectLst/>
+                <a:latin typeface="Consolas" panose="020B0609020204030204" pitchFamily="49" charset="0"/>
+              </a:rPr>
+              <a:t> </a:t>
+            </a:r>
+            <a:r>
+              <a:rPr lang="pl-PL" b="0" dirty="0">
+                <a:solidFill>
+                  <a:srgbClr val="098658"/>
+                </a:solidFill>
+                <a:effectLst/>
+                <a:latin typeface="Consolas" panose="020B0609020204030204" pitchFamily="49" charset="0"/>
+              </a:rPr>
+              <a:t>0</a:t>
+            </a:r>
+            <a:endParaRPr lang="pl-PL" b="0" dirty="0">
+              <a:solidFill>
+                <a:srgbClr val="000000"/>
+              </a:solidFill>
+              <a:effectLst/>
+              <a:latin typeface="Consolas" panose="020B0609020204030204" pitchFamily="49" charset="0"/>
+            </a:endParaRPr>
+          </a:p>
+          <a:p>
+            <a:pPr marL="0" indent="0">
+              <a:buNone/>
+            </a:pPr>
+            <a:r>
+              <a:rPr lang="pl-PL" b="0" dirty="0">
+                <a:solidFill>
+                  <a:srgbClr val="000000"/>
+                </a:solidFill>
+                <a:effectLst/>
+                <a:latin typeface="Consolas" panose="020B0609020204030204" pitchFamily="49" charset="0"/>
+              </a:rPr>
+              <a:t>    </a:t>
+            </a:r>
+            <a:r>
+              <a:rPr lang="pl-PL" b="0" dirty="0" err="1">
+                <a:solidFill>
+                  <a:srgbClr val="222222"/>
+                </a:solidFill>
+                <a:effectLst/>
+                <a:latin typeface="Consolas" panose="020B0609020204030204" pitchFamily="49" charset="0"/>
+              </a:rPr>
+              <a:t>String</a:t>
+            </a:r>
+            <a:r>
+              <a:rPr lang="pl-PL" b="0" dirty="0" err="1">
+                <a:solidFill>
+                  <a:srgbClr val="795E26"/>
+                </a:solidFill>
+                <a:effectLst/>
+                <a:latin typeface="Consolas" panose="020B0609020204030204" pitchFamily="49" charset="0"/>
+              </a:rPr>
+              <a:t>.Join</a:t>
+            </a:r>
+            <a:r>
+              <a:rPr lang="pl-PL" b="0" dirty="0">
+                <a:solidFill>
+                  <a:srgbClr val="0000FF"/>
+                </a:solidFill>
+                <a:effectLst/>
+                <a:latin typeface="Consolas" panose="020B0609020204030204" pitchFamily="49" charset="0"/>
+              </a:rPr>
+              <a:t>(</a:t>
+            </a:r>
+            <a:r>
+              <a:rPr lang="pl-PL" b="0" dirty="0">
+                <a:solidFill>
+                  <a:srgbClr val="A31515"/>
+                </a:solidFill>
+                <a:effectLst/>
+                <a:latin typeface="Consolas" panose="020B0609020204030204" pitchFamily="49" charset="0"/>
+              </a:rPr>
+              <a:t>""</a:t>
+            </a:r>
+            <a:r>
+              <a:rPr lang="pl-PL" b="0" dirty="0">
+                <a:solidFill>
+                  <a:srgbClr val="0000FF"/>
+                </a:solidFill>
+                <a:effectLst/>
+                <a:latin typeface="Consolas" panose="020B0609020204030204" pitchFamily="49" charset="0"/>
+              </a:rPr>
+              <a:t>,</a:t>
+            </a:r>
+            <a:r>
+              <a:rPr lang="pl-PL" b="0" dirty="0">
+                <a:solidFill>
+                  <a:srgbClr val="000000"/>
+                </a:solidFill>
+                <a:effectLst/>
+                <a:latin typeface="Consolas" panose="020B0609020204030204" pitchFamily="49" charset="0"/>
+              </a:rPr>
+              <a:t> </a:t>
+            </a:r>
+            <a:r>
+              <a:rPr lang="pl-PL" b="0" dirty="0" err="1">
+                <a:solidFill>
+                  <a:srgbClr val="001080"/>
+                </a:solidFill>
+                <a:effectLst/>
+                <a:latin typeface="Consolas" panose="020B0609020204030204" pitchFamily="49" charset="0"/>
+              </a:rPr>
+              <a:t>bitArray</a:t>
+            </a:r>
+            <a:r>
+              <a:rPr lang="pl-PL" b="0" dirty="0">
+                <a:solidFill>
+                  <a:srgbClr val="0000FF"/>
+                </a:solidFill>
+                <a:effectLst/>
+                <a:latin typeface="Consolas" panose="020B0609020204030204" pitchFamily="49" charset="0"/>
+              </a:rPr>
+              <a:t>)</a:t>
+            </a:r>
+          </a:p>
+          <a:p>
+            <a:pPr marL="0" indent="0">
+              <a:buNone/>
+            </a:pPr>
+            <a:r>
+              <a:rPr lang="pl-PL" b="0" dirty="0">
+                <a:solidFill>
+                  <a:srgbClr val="000000"/>
+                </a:solidFill>
+                <a:effectLst/>
+                <a:latin typeface="Consolas" panose="020B0609020204030204" pitchFamily="49" charset="0"/>
+              </a:rPr>
+              <a:t> </a:t>
+            </a:r>
           </a:p>
         </p:txBody>
       </p:sp>
@@ -9898,86 +11787,6 @@
 </file>
 
 <file path=ppt/slides/slide7.xml><?xml version="1.0" encoding="utf-8"?>
-<p:sld xmlns:a="http://schemas.openxmlformats.org/drawingml/2006/main" xmlns:r="http://schemas.openxmlformats.org/officeDocument/2006/relationships" xmlns:p="http://schemas.openxmlformats.org/presentationml/2006/main">
-  <p:cSld>
-    <p:spTree>
-      <p:nvGrpSpPr>
-        <p:cNvPr id="1" name=""/>
-        <p:cNvGrpSpPr/>
-        <p:nvPr/>
-      </p:nvGrpSpPr>
-      <p:grpSpPr>
-        <a:xfrm>
-          <a:off x="0" y="0"/>
-          <a:ext cx="0" cy="0"/>
-          <a:chOff x="0" y="0"/>
-          <a:chExt cx="0" cy="0"/>
-        </a:xfrm>
-      </p:grpSpPr>
-      <p:sp>
-        <p:nvSpPr>
-          <p:cNvPr id="2" name="Symbol zastępczy zawartości 1">
-            <a:extLst>
-              <a:ext uri="{FF2B5EF4-FFF2-40B4-BE49-F238E27FC236}">
-                <a16:creationId xmlns:a16="http://schemas.microsoft.com/office/drawing/2014/main" id="{1A9434E6-C36F-4CC6-B9BB-470C1E212887}"/>
-              </a:ext>
-            </a:extLst>
-          </p:cNvPr>
-          <p:cNvSpPr>
-            <a:spLocks noGrp="1"/>
-          </p:cNvSpPr>
-          <p:nvPr>
-            <p:ph idx="1"/>
-          </p:nvPr>
-        </p:nvSpPr>
-        <p:spPr/>
-        <p:txBody>
-          <a:bodyPr/>
-          <a:lstStyle/>
-          <a:p>
-            <a:endParaRPr lang="pl-PL"/>
-          </a:p>
-        </p:txBody>
-      </p:sp>
-      <p:sp>
-        <p:nvSpPr>
-          <p:cNvPr id="3" name="Tytuł 2">
-            <a:extLst>
-              <a:ext uri="{FF2B5EF4-FFF2-40B4-BE49-F238E27FC236}">
-                <a16:creationId xmlns:a16="http://schemas.microsoft.com/office/drawing/2014/main" id="{24A14AB0-A678-4A54-9CC5-4E2FB8F50059}"/>
-              </a:ext>
-            </a:extLst>
-          </p:cNvPr>
-          <p:cNvSpPr>
-            <a:spLocks noGrp="1"/>
-          </p:cNvSpPr>
-          <p:nvPr>
-            <p:ph type="title"/>
-          </p:nvPr>
-        </p:nvSpPr>
-        <p:spPr/>
-        <p:txBody>
-          <a:bodyPr/>
-          <a:lstStyle/>
-          <a:p>
-            <a:endParaRPr lang="pl-PL"/>
-          </a:p>
-        </p:txBody>
-      </p:sp>
-    </p:spTree>
-    <p:extLst>
-      <p:ext uri="{BB962C8B-B14F-4D97-AF65-F5344CB8AC3E}">
-        <p14:creationId xmlns:p14="http://schemas.microsoft.com/office/powerpoint/2010/main" val="2657236671"/>
-      </p:ext>
-    </p:extLst>
-  </p:cSld>
-  <p:clrMapOvr>
-    <a:masterClrMapping/>
-  </p:clrMapOvr>
-</p:sld>
-</file>
-
-<file path=ppt/slides/slide8.xml><?xml version="1.0" encoding="utf-8"?>
 <p:sld xmlns:a="http://schemas.openxmlformats.org/drawingml/2006/main" xmlns:r="http://schemas.openxmlformats.org/officeDocument/2006/relationships" xmlns:p="http://schemas.openxmlformats.org/presentationml/2006/main">
   <p:cSld>
     <p:spTree>
@@ -10060,7 +11869,7 @@
 </p:sld>
 </file>
 
-<file path=ppt/slides/slide9.xml><?xml version="1.0" encoding="utf-8"?>
+<file path=ppt/slides/slide8.xml><?xml version="1.0" encoding="utf-8"?>
 <p:sld xmlns:a="http://schemas.openxmlformats.org/drawingml/2006/main" xmlns:r="http://schemas.openxmlformats.org/officeDocument/2006/relationships" xmlns:p="http://schemas.openxmlformats.org/presentationml/2006/main">
   <p:cSld>
     <p:spTree>
@@ -10098,7 +11907,68 @@
           <a:bodyPr/>
           <a:lstStyle/>
           <a:p>
-            <a:endParaRPr lang="pl-PL"/>
+            <a:pPr marL="0" indent="0">
+              <a:buNone/>
+            </a:pPr>
+            <a:r>
+              <a:rPr lang="pl-PL" sz="2400" dirty="0"/>
+              <a:t>Miejsce błędu: </a:t>
+            </a:r>
+          </a:p>
+          <a:p>
+            <a:pPr marL="0" indent="0">
+              <a:buNone/>
+            </a:pPr>
+            <a:endParaRPr lang="pl-PL" dirty="0"/>
+          </a:p>
+          <a:p>
+            <a:pPr marL="0" indent="0">
+              <a:buNone/>
+            </a:pPr>
+            <a:endParaRPr lang="pl-PL" dirty="0"/>
+          </a:p>
+          <a:p>
+            <a:pPr marL="0" indent="0">
+              <a:buNone/>
+            </a:pPr>
+            <a:endParaRPr lang="pl-PL" dirty="0"/>
+          </a:p>
+          <a:p>
+            <a:pPr marL="0" indent="0">
+              <a:buNone/>
+            </a:pPr>
+            <a:endParaRPr lang="pl-PL" dirty="0"/>
+          </a:p>
+          <a:p>
+            <a:pPr marL="0" indent="0">
+              <a:buNone/>
+            </a:pPr>
+            <a:endParaRPr lang="pl-PL" dirty="0"/>
+          </a:p>
+          <a:p>
+            <a:pPr marL="0" indent="0">
+              <a:buNone/>
+            </a:pPr>
+            <a:r>
+              <a:rPr lang="pl-PL" sz="2400" dirty="0">
+                <a:solidFill>
+                  <a:srgbClr val="378BBA"/>
+                </a:solidFill>
+              </a:rPr>
+              <a:t> 	     </a:t>
+            </a:r>
+            <a:r>
+              <a:rPr lang="pl-PL" sz="2400" b="1" dirty="0">
+                <a:solidFill>
+                  <a:srgbClr val="378BBA"/>
+                </a:solidFill>
+              </a:rPr>
+              <a:t>XOR</a:t>
+            </a:r>
+            <a:r>
+              <a:rPr lang="pl-PL" dirty="0"/>
+              <a:t> </a:t>
+            </a:r>
           </a:p>
         </p:txBody>
       </p:sp>
@@ -10123,7 +11993,845 @@
           <a:bodyPr/>
           <a:lstStyle/>
           <a:p>
-            <a:endParaRPr lang="pl-PL"/>
+            <a:r>
+              <a:rPr lang="pl-PL" dirty="0"/>
+              <a:t>Przykład</a:t>
+            </a:r>
+          </a:p>
+        </p:txBody>
+      </p:sp>
+      <mc:AlternateContent xmlns:mc="http://schemas.openxmlformats.org/markup-compatibility/2006">
+        <mc:Choice xmlns:a14="http://schemas.microsoft.com/office/drawing/2010/main" Requires="a14">
+          <p:sp>
+            <p:nvSpPr>
+              <p:cNvPr id="4" name="pole tekstowe 3">
+                <a:extLst>
+                  <a:ext uri="{FF2B5EF4-FFF2-40B4-BE49-F238E27FC236}">
+                    <a16:creationId xmlns:a16="http://schemas.microsoft.com/office/drawing/2014/main" id="{BB57C9AA-3063-440A-AB32-183985C5FC77}"/>
+                  </a:ext>
+                </a:extLst>
+              </p:cNvPr>
+              <p:cNvSpPr txBox="1"/>
+              <p:nvPr/>
+            </p:nvSpPr>
+            <p:spPr>
+              <a:xfrm>
+                <a:off x="5743852" y="2344280"/>
+                <a:ext cx="5609948" cy="2169440"/>
+              </a:xfrm>
+              <a:prstGeom prst="rect">
+                <a:avLst/>
+              </a:prstGeom>
+              <a:noFill/>
+            </p:spPr>
+            <p:txBody>
+              <a:bodyPr wrap="square" rtlCol="0">
+                <a:spAutoFit/>
+              </a:bodyPr>
+              <a:lstStyle/>
+              <a:p>
+                <a14:m>
+                  <m:oMathPara xmlns:m="http://schemas.openxmlformats.org/officeDocument/2006/math">
+                    <m:oMathParaPr>
+                      <m:jc m:val="centerGroup"/>
+                    </m:oMathParaPr>
+                    <m:oMath xmlns:m="http://schemas.openxmlformats.org/officeDocument/2006/math">
+                      <m:d>
+                        <m:dPr>
+                          <m:begChr m:val="["/>
+                          <m:endChr m:val="]"/>
+                          <m:ctrlPr>
+                            <a:rPr lang="pl-PL" sz="3600" i="1" smtClean="0">
+                              <a:latin typeface="Cambria Math" panose="02040503050406030204" pitchFamily="18" charset="0"/>
+                            </a:rPr>
+                          </m:ctrlPr>
+                        </m:dPr>
+                        <m:e>
+                          <m:m>
+                            <m:mPr>
+                              <m:mcs>
+                                <m:mc>
+                                  <m:mcPr>
+                                    <m:count m:val="3"/>
+                                    <m:mcJc m:val="center"/>
+                                  </m:mcPr>
+                                </m:mc>
+                              </m:mcs>
+                              <m:ctrlPr>
+                                <a:rPr lang="pl-PL" sz="3600" i="1" smtClean="0">
+                                  <a:latin typeface="Cambria Math" panose="02040503050406030204" pitchFamily="18" charset="0"/>
+                                </a:rPr>
+                              </m:ctrlPr>
+                            </m:mPr>
+                            <m:mr>
+                              <m:e>
+                                <m:eqArr>
+                                  <m:eqArrPr>
+                                    <m:ctrlPr>
+                                      <a:rPr lang="pl-PL" sz="3600" i="1" smtClean="0">
+                                        <a:latin typeface="Cambria Math" panose="02040503050406030204" pitchFamily="18" charset="0"/>
+                                      </a:rPr>
+                                    </m:ctrlPr>
+                                  </m:eqArrPr>
+                                  <m:e>
+                                    <m:sSup>
+                                      <m:sSupPr>
+                                        <m:ctrlPr>
+                                          <a:rPr lang="pl-PL" sz="3600" i="1" smtClean="0">
+                                            <a:latin typeface="Cambria Math" panose="02040503050406030204" pitchFamily="18" charset="0"/>
+                                          </a:rPr>
+                                        </m:ctrlPr>
+                                      </m:sSupPr>
+                                      <m:e>
+                                        <m:r>
+                                          <a:rPr lang="pl-PL" sz="3600" i="1">
+                                            <a:solidFill>
+                                              <a:srgbClr val="3DDC97"/>
+                                            </a:solidFill>
+                                            <a:latin typeface="Cambria Math" panose="02040503050406030204" pitchFamily="18" charset="0"/>
+                                          </a:rPr>
+                                          <m:t>0</m:t>
+                                        </m:r>
+                                      </m:e>
+                                      <m:sup>
+                                        <m:r>
+                                          <a:rPr lang="pl-PL" sz="3600" b="0" i="1" smtClean="0">
+                                            <a:latin typeface="Cambria Math" panose="02040503050406030204" pitchFamily="18" charset="0"/>
+                                          </a:rPr>
+                                          <m:t>0</m:t>
+                                        </m:r>
+                                      </m:sup>
+                                    </m:sSup>
+                                  </m:e>
+                                  <m:e>
+                                    <m:sSup>
+                                      <m:sSupPr>
+                                        <m:ctrlPr>
+                                          <a:rPr lang="pl-PL" sz="3600" b="0" i="1" smtClean="0">
+                                            <a:solidFill>
+                                              <a:schemeClr val="tx1"/>
+                                            </a:solidFill>
+                                            <a:latin typeface="Cambria Math" panose="02040503050406030204" pitchFamily="18" charset="0"/>
+                                          </a:rPr>
+                                        </m:ctrlPr>
+                                      </m:sSupPr>
+                                      <m:e>
+                                        <m:r>
+                                          <a:rPr lang="pl-PL" sz="3600" i="1" smtClean="0">
+                                            <a:solidFill>
+                                              <a:srgbClr val="378BBA"/>
+                                            </a:solidFill>
+                                            <a:latin typeface="Cambria Math" panose="02040503050406030204" pitchFamily="18" charset="0"/>
+                                          </a:rPr>
+                                          <m:t>1</m:t>
+                                        </m:r>
+                                      </m:e>
+                                      <m:sup>
+                                        <m:r>
+                                          <a:rPr lang="pl-PL" sz="3600" b="0" i="1" smtClean="0">
+                                            <a:solidFill>
+                                              <a:schemeClr val="tx1"/>
+                                            </a:solidFill>
+                                            <a:latin typeface="Cambria Math" panose="02040503050406030204" pitchFamily="18" charset="0"/>
+                                          </a:rPr>
+                                          <m:t>4</m:t>
+                                        </m:r>
+                                      </m:sup>
+                                    </m:sSup>
+                                  </m:e>
+                                  <m:e>
+                                    <m:sSup>
+                                      <m:sSupPr>
+                                        <m:ctrlPr>
+                                          <a:rPr lang="pl-PL" sz="3600" b="0" i="1" smtClean="0">
+                                            <a:solidFill>
+                                              <a:schemeClr val="accent1"/>
+                                            </a:solidFill>
+                                            <a:latin typeface="Cambria Math" panose="02040503050406030204" pitchFamily="18" charset="0"/>
+                                          </a:rPr>
+                                        </m:ctrlPr>
+                                      </m:sSupPr>
+                                      <m:e>
+                                        <m:r>
+                                          <a:rPr lang="pl-PL" sz="3600" i="1">
+                                            <a:solidFill>
+                                              <a:schemeClr val="accent1"/>
+                                            </a:solidFill>
+                                            <a:latin typeface="Cambria Math" panose="02040503050406030204" pitchFamily="18" charset="0"/>
+                                          </a:rPr>
+                                          <m:t>0</m:t>
+                                        </m:r>
+                                      </m:e>
+                                      <m:sup>
+                                        <m:r>
+                                          <a:rPr lang="pl-PL" sz="3600" b="0" i="1" smtClean="0">
+                                            <a:solidFill>
+                                              <a:schemeClr val="tx1"/>
+                                            </a:solidFill>
+                                            <a:latin typeface="Cambria Math" panose="02040503050406030204" pitchFamily="18" charset="0"/>
+                                          </a:rPr>
+                                          <m:t>8</m:t>
+                                        </m:r>
+                                      </m:sup>
+                                    </m:sSup>
+                                  </m:e>
+                                  <m:e>
+                                    <m:sSup>
+                                      <m:sSupPr>
+                                        <m:ctrlPr>
+                                          <a:rPr lang="pl-PL" sz="3600" b="0" i="1" smtClean="0">
+                                            <a:solidFill>
+                                              <a:schemeClr val="accent1"/>
+                                            </a:solidFill>
+                                            <a:latin typeface="Cambria Math" panose="02040503050406030204" pitchFamily="18" charset="0"/>
+                                          </a:rPr>
+                                        </m:ctrlPr>
+                                      </m:sSupPr>
+                                      <m:e>
+                                        <m:r>
+                                          <a:rPr lang="pl-PL" sz="3600" i="1">
+                                            <a:latin typeface="Cambria Math" panose="02040503050406030204" pitchFamily="18" charset="0"/>
+                                          </a:rPr>
+                                          <m:t>0</m:t>
+                                        </m:r>
+                                      </m:e>
+                                      <m:sup>
+                                        <m:r>
+                                          <a:rPr lang="pl-PL" sz="3600" b="0" i="1" smtClean="0">
+                                            <a:solidFill>
+                                              <a:schemeClr val="tx1"/>
+                                            </a:solidFill>
+                                            <a:latin typeface="Cambria Math" panose="02040503050406030204" pitchFamily="18" charset="0"/>
+                                          </a:rPr>
+                                          <m:t>12</m:t>
+                                        </m:r>
+                                      </m:sup>
+                                    </m:sSup>
+                                  </m:e>
+                                </m:eqArr>
+                              </m:e>
+                              <m:e>
+                                <m:eqArr>
+                                  <m:eqArrPr>
+                                    <m:ctrlPr>
+                                      <a:rPr lang="pl-PL" sz="3600" i="1" smtClean="0">
+                                        <a:latin typeface="Cambria Math" panose="02040503050406030204" pitchFamily="18" charset="0"/>
+                                      </a:rPr>
+                                    </m:ctrlPr>
+                                  </m:eqArrPr>
+                                  <m:e>
+                                    <m:sSup>
+                                      <m:sSupPr>
+                                        <m:ctrlPr>
+                                          <a:rPr lang="pl-PL" sz="3600" i="1" smtClean="0">
+                                            <a:latin typeface="Cambria Math" panose="02040503050406030204" pitchFamily="18" charset="0"/>
+                                          </a:rPr>
+                                        </m:ctrlPr>
+                                      </m:sSupPr>
+                                      <m:e>
+                                        <m:r>
+                                          <a:rPr lang="pl-PL" sz="3600" i="1">
+                                            <a:solidFill>
+                                              <a:schemeClr val="accent1"/>
+                                            </a:solidFill>
+                                            <a:latin typeface="Cambria Math" panose="02040503050406030204" pitchFamily="18" charset="0"/>
+                                          </a:rPr>
+                                          <m:t>1</m:t>
+                                        </m:r>
+                                      </m:e>
+                                      <m:sup>
+                                        <m:r>
+                                          <a:rPr lang="pl-PL" sz="3600" b="0" i="1" smtClean="0">
+                                            <a:latin typeface="Cambria Math" panose="02040503050406030204" pitchFamily="18" charset="0"/>
+                                          </a:rPr>
+                                          <m:t>1</m:t>
+                                        </m:r>
+                                      </m:sup>
+                                    </m:sSup>
+                                  </m:e>
+                                  <m:e>
+                                    <m:sSup>
+                                      <m:sSupPr>
+                                        <m:ctrlPr>
+                                          <a:rPr lang="pl-PL" sz="3600" b="0" i="1" smtClean="0">
+                                            <a:solidFill>
+                                              <a:schemeClr val="accent1"/>
+                                            </a:solidFill>
+                                            <a:latin typeface="Cambria Math" panose="02040503050406030204" pitchFamily="18" charset="0"/>
+                                          </a:rPr>
+                                        </m:ctrlPr>
+                                      </m:sSupPr>
+                                      <m:e>
+                                        <m:r>
+                                          <a:rPr lang="pl-PL" sz="3600" i="1">
+                                            <a:latin typeface="Cambria Math" panose="02040503050406030204" pitchFamily="18" charset="0"/>
+                                          </a:rPr>
+                                          <m:t>0</m:t>
+                                        </m:r>
+                                      </m:e>
+                                      <m:sup>
+                                        <m:r>
+                                          <a:rPr lang="pl-PL" sz="3600" b="0" i="1" smtClean="0">
+                                            <a:solidFill>
+                                              <a:schemeClr val="tx1"/>
+                                            </a:solidFill>
+                                            <a:latin typeface="Cambria Math" panose="02040503050406030204" pitchFamily="18" charset="0"/>
+                                          </a:rPr>
+                                          <m:t>5</m:t>
+                                        </m:r>
+                                      </m:sup>
+                                    </m:sSup>
+                                  </m:e>
+                                  <m:e>
+                                    <m:sSup>
+                                      <m:sSupPr>
+                                        <m:ctrlPr>
+                                          <a:rPr lang="pl-PL" sz="3600" b="0" i="1" smtClean="0">
+                                            <a:latin typeface="Cambria Math" panose="02040503050406030204" pitchFamily="18" charset="0"/>
+                                          </a:rPr>
+                                        </m:ctrlPr>
+                                      </m:sSupPr>
+                                      <m:e>
+                                        <m:r>
+                                          <a:rPr lang="pl-PL" sz="3600" b="0" i="1" smtClean="0">
+                                            <a:latin typeface="Cambria Math" panose="02040503050406030204" pitchFamily="18" charset="0"/>
+                                          </a:rPr>
+                                          <m:t>0</m:t>
+                                        </m:r>
+                                      </m:e>
+                                      <m:sup>
+                                        <m:r>
+                                          <a:rPr lang="pl-PL" sz="3600" b="0" i="1" smtClean="0">
+                                            <a:latin typeface="Cambria Math" panose="02040503050406030204" pitchFamily="18" charset="0"/>
+                                          </a:rPr>
+                                          <m:t>9</m:t>
+                                        </m:r>
+                                      </m:sup>
+                                    </m:sSup>
+                                  </m:e>
+                                  <m:e>
+                                    <m:sSup>
+                                      <m:sSupPr>
+                                        <m:ctrlPr>
+                                          <a:rPr lang="pl-PL" sz="3600" b="0" i="1" smtClean="0">
+                                            <a:latin typeface="Cambria Math" panose="02040503050406030204" pitchFamily="18" charset="0"/>
+                                          </a:rPr>
+                                        </m:ctrlPr>
+                                      </m:sSupPr>
+                                      <m:e>
+                                        <m:r>
+                                          <a:rPr lang="pl-PL" sz="3600" b="0" i="1" smtClean="0">
+                                            <a:latin typeface="Cambria Math" panose="02040503050406030204" pitchFamily="18" charset="0"/>
+                                          </a:rPr>
+                                          <m:t>1</m:t>
+                                        </m:r>
+                                      </m:e>
+                                      <m:sup>
+                                        <m:r>
+                                          <a:rPr lang="pl-PL" sz="3600" b="0" i="1" smtClean="0">
+                                            <a:latin typeface="Cambria Math" panose="02040503050406030204" pitchFamily="18" charset="0"/>
+                                          </a:rPr>
+                                          <m:t>13</m:t>
+                                        </m:r>
+                                      </m:sup>
+                                    </m:sSup>
+                                  </m:e>
+                                </m:eqArr>
+                              </m:e>
+                              <m:e>
+                                <m:m>
+                                  <m:mPr>
+                                    <m:mcs>
+                                      <m:mc>
+                                        <m:mcPr>
+                                          <m:count m:val="2"/>
+                                          <m:mcJc m:val="center"/>
+                                        </m:mcPr>
+                                      </m:mc>
+                                    </m:mcs>
+                                    <m:ctrlPr>
+                                      <a:rPr lang="pl-PL" sz="3600" i="1" smtClean="0">
+                                        <a:latin typeface="Cambria Math" panose="02040503050406030204" pitchFamily="18" charset="0"/>
+                                      </a:rPr>
+                                    </m:ctrlPr>
+                                  </m:mPr>
+                                  <m:mr>
+                                    <m:e>
+                                      <m:eqArr>
+                                        <m:eqArrPr>
+                                          <m:ctrlPr>
+                                            <a:rPr lang="pl-PL" sz="3600" i="1" smtClean="0">
+                                              <a:latin typeface="Cambria Math" panose="02040503050406030204" pitchFamily="18" charset="0"/>
+                                            </a:rPr>
+                                          </m:ctrlPr>
+                                        </m:eqArrPr>
+                                        <m:e>
+                                          <m:sSup>
+                                            <m:sSupPr>
+                                              <m:ctrlPr>
+                                                <a:rPr lang="pl-PL" sz="3600" i="1" smtClean="0">
+                                                  <a:latin typeface="Cambria Math" panose="02040503050406030204" pitchFamily="18" charset="0"/>
+                                                </a:rPr>
+                                              </m:ctrlPr>
+                                            </m:sSupPr>
+                                            <m:e>
+                                              <m:r>
+                                                <a:rPr lang="pl-PL" sz="3600" i="1">
+                                                  <a:solidFill>
+                                                    <a:schemeClr val="accent1"/>
+                                                  </a:solidFill>
+                                                  <a:latin typeface="Cambria Math" panose="02040503050406030204" pitchFamily="18" charset="0"/>
+                                                </a:rPr>
+                                                <m:t>1</m:t>
+                                              </m:r>
+                                            </m:e>
+                                            <m:sup>
+                                              <m:r>
+                                                <a:rPr lang="pl-PL" sz="3600" b="0" i="1" smtClean="0">
+                                                  <a:latin typeface="Cambria Math" panose="02040503050406030204" pitchFamily="18" charset="0"/>
+                                                </a:rPr>
+                                                <m:t>2</m:t>
+                                              </m:r>
+                                            </m:sup>
+                                          </m:sSup>
+                                        </m:e>
+                                        <m:e>
+                                          <m:sSup>
+                                            <m:sSupPr>
+                                              <m:ctrlPr>
+                                                <a:rPr lang="pl-PL" sz="3600" b="0" i="1" smtClean="0">
+                                                  <a:solidFill>
+                                                    <a:schemeClr val="tx1"/>
+                                                  </a:solidFill>
+                                                  <a:latin typeface="Cambria Math" panose="02040503050406030204" pitchFamily="18" charset="0"/>
+                                                </a:rPr>
+                                              </m:ctrlPr>
+                                            </m:sSupPr>
+                                            <m:e>
+                                              <m:r>
+                                                <a:rPr lang="pl-PL" sz="3600" b="0" i="1" smtClean="0">
+                                                  <a:solidFill>
+                                                    <a:schemeClr val="tx1"/>
+                                                  </a:solidFill>
+                                                  <a:latin typeface="Cambria Math" panose="02040503050406030204" pitchFamily="18" charset="0"/>
+                                                </a:rPr>
+                                                <m:t>1</m:t>
+                                              </m:r>
+                                            </m:e>
+                                            <m:sup>
+                                              <m:r>
+                                                <a:rPr lang="pl-PL" sz="3600" b="0" i="1" smtClean="0">
+                                                  <a:solidFill>
+                                                    <a:schemeClr val="tx1"/>
+                                                  </a:solidFill>
+                                                  <a:latin typeface="Cambria Math" panose="02040503050406030204" pitchFamily="18" charset="0"/>
+                                                </a:rPr>
+                                                <m:t>6</m:t>
+                                              </m:r>
+                                            </m:sup>
+                                          </m:sSup>
+                                        </m:e>
+                                        <m:e>
+                                          <m:sSup>
+                                            <m:sSupPr>
+                                              <m:ctrlPr>
+                                                <a:rPr lang="pl-PL" sz="3600" b="0" i="1" smtClean="0">
+                                                  <a:latin typeface="Cambria Math" panose="02040503050406030204" pitchFamily="18" charset="0"/>
+                                                </a:rPr>
+                                              </m:ctrlPr>
+                                            </m:sSupPr>
+                                            <m:e>
+                                              <m:r>
+                                                <a:rPr lang="pl-PL" sz="3600" b="0" i="1" smtClean="0">
+                                                  <a:latin typeface="Cambria Math" panose="02040503050406030204" pitchFamily="18" charset="0"/>
+                                                </a:rPr>
+                                                <m:t>1</m:t>
+                                              </m:r>
+                                            </m:e>
+                                            <m:sup>
+                                              <m:r>
+                                                <a:rPr lang="pl-PL" sz="3600" b="0" i="1" smtClean="0">
+                                                  <a:latin typeface="Cambria Math" panose="02040503050406030204" pitchFamily="18" charset="0"/>
+                                                </a:rPr>
+                                                <m:t>10</m:t>
+                                              </m:r>
+                                            </m:sup>
+                                          </m:sSup>
+                                        </m:e>
+                                        <m:e>
+                                          <m:sSup>
+                                            <m:sSupPr>
+                                              <m:ctrlPr>
+                                                <a:rPr lang="pl-PL" sz="3600" b="0" i="1" smtClean="0">
+                                                  <a:latin typeface="Cambria Math" panose="02040503050406030204" pitchFamily="18" charset="0"/>
+                                                </a:rPr>
+                                              </m:ctrlPr>
+                                            </m:sSupPr>
+                                            <m:e>
+                                              <m:r>
+                                                <a:rPr lang="pl-PL" sz="3600" b="0" i="1" smtClean="0">
+                                                  <a:latin typeface="Cambria Math" panose="02040503050406030204" pitchFamily="18" charset="0"/>
+                                                </a:rPr>
+                                                <m:t>0</m:t>
+                                              </m:r>
+                                            </m:e>
+                                            <m:sup>
+                                              <m:r>
+                                                <a:rPr lang="pl-PL" sz="3600" b="0" i="1" smtClean="0">
+                                                  <a:latin typeface="Cambria Math" panose="02040503050406030204" pitchFamily="18" charset="0"/>
+                                                </a:rPr>
+                                                <m:t>14</m:t>
+                                              </m:r>
+                                            </m:sup>
+                                          </m:sSup>
+                                        </m:e>
+                                      </m:eqArr>
+                                    </m:e>
+                                    <m:e>
+                                      <m:eqArr>
+                                        <m:eqArrPr>
+                                          <m:ctrlPr>
+                                            <a:rPr lang="pl-PL" sz="3600" i="1" smtClean="0">
+                                              <a:latin typeface="Cambria Math" panose="02040503050406030204" pitchFamily="18" charset="0"/>
+                                            </a:rPr>
+                                          </m:ctrlPr>
+                                        </m:eqArrPr>
+                                        <m:e>
+                                          <m:sSup>
+                                            <m:sSupPr>
+                                              <m:ctrlPr>
+                                                <a:rPr lang="pl-PL" sz="3600" i="1" smtClean="0">
+                                                  <a:latin typeface="Cambria Math" panose="02040503050406030204" pitchFamily="18" charset="0"/>
+                                                </a:rPr>
+                                              </m:ctrlPr>
+                                            </m:sSupPr>
+                                            <m:e>
+                                              <m:r>
+                                                <a:rPr lang="pl-PL" sz="3600" i="1">
+                                                  <a:latin typeface="Cambria Math" panose="02040503050406030204" pitchFamily="18" charset="0"/>
+                                                </a:rPr>
+                                                <m:t>0</m:t>
+                                              </m:r>
+                                            </m:e>
+                                            <m:sup>
+                                              <m:r>
+                                                <a:rPr lang="pl-PL" sz="3600" b="0" i="1" smtClean="0">
+                                                  <a:latin typeface="Cambria Math" panose="02040503050406030204" pitchFamily="18" charset="0"/>
+                                                </a:rPr>
+                                                <m:t>3</m:t>
+                                              </m:r>
+                                            </m:sup>
+                                          </m:sSup>
+                                        </m:e>
+                                        <m:e>
+                                          <m:sSup>
+                                            <m:sSupPr>
+                                              <m:ctrlPr>
+                                                <a:rPr lang="pl-PL" sz="3600" b="0" i="1" smtClean="0">
+                                                  <a:latin typeface="Cambria Math" panose="02040503050406030204" pitchFamily="18" charset="0"/>
+                                                </a:rPr>
+                                              </m:ctrlPr>
+                                            </m:sSupPr>
+                                            <m:e>
+                                              <m:r>
+                                                <a:rPr lang="pl-PL" sz="3600" b="0" i="1" smtClean="0">
+                                                  <a:latin typeface="Cambria Math" panose="02040503050406030204" pitchFamily="18" charset="0"/>
+                                                </a:rPr>
+                                                <m:t>0</m:t>
+                                              </m:r>
+                                            </m:e>
+                                            <m:sup>
+                                              <m:r>
+                                                <a:rPr lang="pl-PL" sz="3600" b="0" i="1" smtClean="0">
+                                                  <a:latin typeface="Cambria Math" panose="02040503050406030204" pitchFamily="18" charset="0"/>
+                                                </a:rPr>
+                                                <m:t>7</m:t>
+                                              </m:r>
+                                            </m:sup>
+                                          </m:sSup>
+                                        </m:e>
+                                        <m:e>
+                                          <m:sSup>
+                                            <m:sSupPr>
+                                              <m:ctrlPr>
+                                                <a:rPr lang="pl-PL" sz="3600" b="0" i="1" smtClean="0">
+                                                  <a:latin typeface="Cambria Math" panose="02040503050406030204" pitchFamily="18" charset="0"/>
+                                                </a:rPr>
+                                              </m:ctrlPr>
+                                            </m:sSupPr>
+                                            <m:e>
+                                              <m:r>
+                                                <a:rPr lang="pl-PL" sz="3600" b="0" i="1" smtClean="0">
+                                                  <a:latin typeface="Cambria Math" panose="02040503050406030204" pitchFamily="18" charset="0"/>
+                                                </a:rPr>
+                                                <m:t>0</m:t>
+                                              </m:r>
+                                            </m:e>
+                                            <m:sup>
+                                              <m:r>
+                                                <a:rPr lang="pl-PL" sz="3600" b="0" i="1" smtClean="0">
+                                                  <a:latin typeface="Cambria Math" panose="02040503050406030204" pitchFamily="18" charset="0"/>
+                                                </a:rPr>
+                                                <m:t>11</m:t>
+                                              </m:r>
+                                            </m:sup>
+                                          </m:sSup>
+                                        </m:e>
+                                        <m:e>
+                                          <m:sSup>
+                                            <m:sSupPr>
+                                              <m:ctrlPr>
+                                                <a:rPr lang="pl-PL" sz="3600" b="0" i="1" smtClean="0">
+                                                  <a:latin typeface="Cambria Math" panose="02040503050406030204" pitchFamily="18" charset="0"/>
+                                                </a:rPr>
+                                              </m:ctrlPr>
+                                            </m:sSupPr>
+                                            <m:e>
+                                              <m:r>
+                                                <a:rPr lang="pl-PL" sz="3600" b="0" i="1" smtClean="0">
+                                                  <a:latin typeface="Cambria Math" panose="02040503050406030204" pitchFamily="18" charset="0"/>
+                                                </a:rPr>
+                                                <m:t>1</m:t>
+                                              </m:r>
+                                            </m:e>
+                                            <m:sup>
+                                              <m:r>
+                                                <a:rPr lang="pl-PL" sz="3600" b="0" i="1" smtClean="0">
+                                                  <a:latin typeface="Cambria Math" panose="02040503050406030204" pitchFamily="18" charset="0"/>
+                                                </a:rPr>
+                                                <m:t>15</m:t>
+                                              </m:r>
+                                            </m:sup>
+                                          </m:sSup>
+                                        </m:e>
+                                      </m:eqArr>
+                                    </m:e>
+                                  </m:mr>
+                                </m:m>
+                              </m:e>
+                            </m:mr>
+                          </m:m>
+                        </m:e>
+                      </m:d>
+                    </m:oMath>
+                  </m:oMathPara>
+                </a14:m>
+                <a:endParaRPr lang="pl-PL" sz="1600" dirty="0"/>
+              </a:p>
+            </p:txBody>
+          </p:sp>
+        </mc:Choice>
+        <mc:Fallback>
+          <p:sp>
+            <p:nvSpPr>
+              <p:cNvPr id="4" name="pole tekstowe 3">
+                <a:extLst>
+                  <a:ext uri="{FF2B5EF4-FFF2-40B4-BE49-F238E27FC236}">
+                    <a16:creationId xmlns:a16="http://schemas.microsoft.com/office/drawing/2014/main" id="{BB57C9AA-3063-440A-AB32-183985C5FC77}"/>
+                  </a:ext>
+                </a:extLst>
+              </p:cNvPr>
+              <p:cNvSpPr txBox="1">
+                <a:spLocks noRot="1" noChangeAspect="1" noMove="1" noResize="1" noEditPoints="1" noAdjustHandles="1" noChangeArrowheads="1" noChangeShapeType="1" noTextEdit="1"/>
+              </p:cNvSpPr>
+              <p:nvPr/>
+            </p:nvSpPr>
+            <p:spPr>
+              <a:xfrm>
+                <a:off x="5743852" y="2344280"/>
+                <a:ext cx="5609948" cy="2169440"/>
+              </a:xfrm>
+              <a:prstGeom prst="rect">
+                <a:avLst/>
+              </a:prstGeom>
+              <a:blipFill>
+                <a:blip r:embed="rId2"/>
+                <a:stretch>
+                  <a:fillRect/>
+                </a:stretch>
+              </a:blipFill>
+            </p:spPr>
+            <p:txBody>
+              <a:bodyPr/>
+              <a:lstStyle/>
+              <a:p>
+                <a:r>
+                  <a:rPr lang="pl-PL">
+                    <a:noFill/>
+                  </a:rPr>
+                  <a:t> </a:t>
+                </a:r>
+              </a:p>
+            </p:txBody>
+          </p:sp>
+        </mc:Fallback>
+      </mc:AlternateContent>
+      <p:cxnSp>
+        <p:nvCxnSpPr>
+          <p:cNvPr id="6" name="Łącznik prosty 5">
+            <a:extLst>
+              <a:ext uri="{FF2B5EF4-FFF2-40B4-BE49-F238E27FC236}">
+                <a16:creationId xmlns:a16="http://schemas.microsoft.com/office/drawing/2014/main" id="{9F333AAF-EFD7-48C9-A393-3B842D31917B}"/>
+              </a:ext>
+            </a:extLst>
+          </p:cNvPr>
+          <p:cNvCxnSpPr>
+            <a:cxnSpLocks/>
+          </p:cNvCxnSpPr>
+          <p:nvPr/>
+        </p:nvCxnSpPr>
+        <p:spPr>
+          <a:xfrm>
+            <a:off x="2325950" y="5388746"/>
+            <a:ext cx="3142695" cy="0"/>
+          </a:xfrm>
+          <a:prstGeom prst="line">
+            <a:avLst/>
+          </a:prstGeom>
+          <a:ln w="28575"/>
+        </p:spPr>
+        <p:style>
+          <a:lnRef idx="1">
+            <a:schemeClr val="accent1"/>
+          </a:lnRef>
+          <a:fillRef idx="0">
+            <a:schemeClr val="accent1"/>
+          </a:fillRef>
+          <a:effectRef idx="0">
+            <a:schemeClr val="accent1"/>
+          </a:effectRef>
+          <a:fontRef idx="minor">
+            <a:schemeClr val="tx1"/>
+          </a:fontRef>
+        </p:style>
+      </p:cxnSp>
+      <p:sp>
+        <p:nvSpPr>
+          <p:cNvPr id="7" name="pole tekstowe 6">
+            <a:extLst>
+              <a:ext uri="{FF2B5EF4-FFF2-40B4-BE49-F238E27FC236}">
+                <a16:creationId xmlns:a16="http://schemas.microsoft.com/office/drawing/2014/main" id="{95A26508-1927-45E6-8360-78A88FD1F6A0}"/>
+              </a:ext>
+            </a:extLst>
+          </p:cNvPr>
+          <p:cNvSpPr txBox="1"/>
+          <p:nvPr/>
+        </p:nvSpPr>
+        <p:spPr>
+          <a:xfrm>
+            <a:off x="3585864" y="2280203"/>
+            <a:ext cx="2201662" cy="3108543"/>
+          </a:xfrm>
+          <a:prstGeom prst="rect">
+            <a:avLst/>
+          </a:prstGeom>
+          <a:noFill/>
+        </p:spPr>
+        <p:txBody>
+          <a:bodyPr wrap="square" rtlCol="0">
+            <a:spAutoFit/>
+          </a:bodyPr>
+          <a:lstStyle/>
+          <a:p>
+            <a:r>
+              <a:rPr lang="pl-PL" sz="2800" b="1" dirty="0">
+                <a:latin typeface="Cambria Math" panose="02040503050406030204" pitchFamily="18" charset="0"/>
+                <a:ea typeface="Cambria Math" panose="02040503050406030204" pitchFamily="18" charset="0"/>
+              </a:rPr>
+              <a:t>0001	   (1)</a:t>
+            </a:r>
+          </a:p>
+          <a:p>
+            <a:r>
+              <a:rPr lang="pl-PL" sz="2800" b="1" dirty="0">
+                <a:latin typeface="Cambria Math" panose="02040503050406030204" pitchFamily="18" charset="0"/>
+                <a:ea typeface="Cambria Math" panose="02040503050406030204" pitchFamily="18" charset="0"/>
+              </a:rPr>
+              <a:t>0010     (2)</a:t>
+            </a:r>
+          </a:p>
+          <a:p>
+            <a:r>
+              <a:rPr lang="pl-PL" sz="2800" b="1" dirty="0">
+                <a:latin typeface="Cambria Math" panose="02040503050406030204" pitchFamily="18" charset="0"/>
+                <a:ea typeface="Cambria Math" panose="02040503050406030204" pitchFamily="18" charset="0"/>
+              </a:rPr>
+              <a:t>0100     (4)</a:t>
+            </a:r>
+          </a:p>
+          <a:p>
+            <a:r>
+              <a:rPr lang="pl-PL" sz="2800" b="1" dirty="0">
+                <a:latin typeface="Cambria Math" panose="02040503050406030204" pitchFamily="18" charset="0"/>
+                <a:ea typeface="Cambria Math" panose="02040503050406030204" pitchFamily="18" charset="0"/>
+              </a:rPr>
+              <a:t>0110     (6)</a:t>
+            </a:r>
+          </a:p>
+          <a:p>
+            <a:r>
+              <a:rPr lang="pl-PL" sz="2800" b="1" dirty="0">
+                <a:latin typeface="Cambria Math" panose="02040503050406030204" pitchFamily="18" charset="0"/>
+                <a:ea typeface="Cambria Math" panose="02040503050406030204" pitchFamily="18" charset="0"/>
+              </a:rPr>
+              <a:t>1010   (10)</a:t>
+            </a:r>
+          </a:p>
+          <a:p>
+            <a:r>
+              <a:rPr lang="pl-PL" sz="2800" b="1" dirty="0">
+                <a:latin typeface="Cambria Math" panose="02040503050406030204" pitchFamily="18" charset="0"/>
+                <a:ea typeface="Cambria Math" panose="02040503050406030204" pitchFamily="18" charset="0"/>
+              </a:rPr>
+              <a:t>1101   (13)</a:t>
+            </a:r>
+          </a:p>
+          <a:p>
+            <a:r>
+              <a:rPr lang="pl-PL" sz="2800" b="1" dirty="0">
+                <a:latin typeface="Cambria Math" panose="02040503050406030204" pitchFamily="18" charset="0"/>
+                <a:ea typeface="Cambria Math" panose="02040503050406030204" pitchFamily="18" charset="0"/>
+              </a:rPr>
+              <a:t>1111   (15)</a:t>
+            </a:r>
+          </a:p>
+        </p:txBody>
+      </p:sp>
+      <p:sp>
+        <p:nvSpPr>
+          <p:cNvPr id="10" name="pole tekstowe 9">
+            <a:extLst>
+              <a:ext uri="{FF2B5EF4-FFF2-40B4-BE49-F238E27FC236}">
+                <a16:creationId xmlns:a16="http://schemas.microsoft.com/office/drawing/2014/main" id="{A5300F03-ECBD-414D-9BAF-617C685841CA}"/>
+              </a:ext>
+            </a:extLst>
+          </p:cNvPr>
+          <p:cNvSpPr txBox="1"/>
+          <p:nvPr/>
+        </p:nvSpPr>
+        <p:spPr>
+          <a:xfrm>
+            <a:off x="3585864" y="5409223"/>
+            <a:ext cx="1882781" cy="523220"/>
+          </a:xfrm>
+          <a:prstGeom prst="rect">
+            <a:avLst/>
+          </a:prstGeom>
+          <a:noFill/>
+        </p:spPr>
+        <p:txBody>
+          <a:bodyPr wrap="square" rtlCol="0">
+            <a:spAutoFit/>
+          </a:bodyPr>
+          <a:lstStyle/>
+          <a:p>
+            <a:r>
+              <a:rPr lang="pl-PL" sz="2800" b="1" dirty="0">
+                <a:latin typeface="Cambria Math" panose="02040503050406030204" pitchFamily="18" charset="0"/>
+                <a:ea typeface="Cambria Math" panose="02040503050406030204" pitchFamily="18" charset="0"/>
+              </a:rPr>
+              <a:t>1001     (9)</a:t>
+            </a:r>
           </a:p>
         </p:txBody>
       </p:sp>
@@ -10131,6 +12839,86 @@
     <p:extLst>
       <p:ext uri="{BB962C8B-B14F-4D97-AF65-F5344CB8AC3E}">
         <p14:creationId xmlns:p14="http://schemas.microsoft.com/office/powerpoint/2010/main" val="1966996971"/>
+      </p:ext>
+    </p:extLst>
+  </p:cSld>
+  <p:clrMapOvr>
+    <a:masterClrMapping/>
+  </p:clrMapOvr>
+</p:sld>
+</file>
+
+<file path=ppt/slides/slide9.xml><?xml version="1.0" encoding="utf-8"?>
+<p:sld xmlns:a="http://schemas.openxmlformats.org/drawingml/2006/main" xmlns:r="http://schemas.openxmlformats.org/officeDocument/2006/relationships" xmlns:p="http://schemas.openxmlformats.org/presentationml/2006/main">
+  <p:cSld>
+    <p:spTree>
+      <p:nvGrpSpPr>
+        <p:cNvPr id="1" name=""/>
+        <p:cNvGrpSpPr/>
+        <p:nvPr/>
+      </p:nvGrpSpPr>
+      <p:grpSpPr>
+        <a:xfrm>
+          <a:off x="0" y="0"/>
+          <a:ext cx="0" cy="0"/>
+          <a:chOff x="0" y="0"/>
+          <a:chExt cx="0" cy="0"/>
+        </a:xfrm>
+      </p:grpSpPr>
+      <p:sp>
+        <p:nvSpPr>
+          <p:cNvPr id="2" name="Symbol zastępczy zawartości 1">
+            <a:extLst>
+              <a:ext uri="{FF2B5EF4-FFF2-40B4-BE49-F238E27FC236}">
+                <a16:creationId xmlns:a16="http://schemas.microsoft.com/office/drawing/2014/main" id="{83395381-AE1F-4062-B147-B938549B5748}"/>
+              </a:ext>
+            </a:extLst>
+          </p:cNvPr>
+          <p:cNvSpPr>
+            <a:spLocks noGrp="1"/>
+          </p:cNvSpPr>
+          <p:nvPr>
+            <p:ph idx="1"/>
+          </p:nvPr>
+        </p:nvSpPr>
+        <p:spPr/>
+        <p:txBody>
+          <a:bodyPr/>
+          <a:lstStyle/>
+          <a:p>
+            <a:endParaRPr lang="pl-PL"/>
+          </a:p>
+        </p:txBody>
+      </p:sp>
+      <p:sp>
+        <p:nvSpPr>
+          <p:cNvPr id="3" name="Tytuł 2">
+            <a:extLst>
+              <a:ext uri="{FF2B5EF4-FFF2-40B4-BE49-F238E27FC236}">
+                <a16:creationId xmlns:a16="http://schemas.microsoft.com/office/drawing/2014/main" id="{4F742EC5-CC29-40EB-931C-A2BC5A22FC6C}"/>
+              </a:ext>
+            </a:extLst>
+          </p:cNvPr>
+          <p:cNvSpPr>
+            <a:spLocks noGrp="1"/>
+          </p:cNvSpPr>
+          <p:nvPr>
+            <p:ph type="title"/>
+          </p:nvPr>
+        </p:nvSpPr>
+        <p:spPr/>
+        <p:txBody>
+          <a:bodyPr/>
+          <a:lstStyle/>
+          <a:p>
+            <a:endParaRPr lang="pl-PL"/>
+          </a:p>
+        </p:txBody>
+      </p:sp>
+    </p:spTree>
+    <p:extLst>
+      <p:ext uri="{BB962C8B-B14F-4D97-AF65-F5344CB8AC3E}">
+        <p14:creationId xmlns:p14="http://schemas.microsoft.com/office/powerpoint/2010/main" val="3775910741"/>
       </p:ext>
     </p:extLst>
   </p:cSld>

--- a/Hamming.pptx
+++ b/Hamming.pptx
@@ -5461,7 +5461,7 @@
           <a:p>
             <a:fld id="{841DBA8B-1C55-4E4E-9B74-DA4CFE857DE7}" type="datetimeFigureOut">
               <a:rPr lang="pl-PL" smtClean="0"/>
-              <a:t>21.05.2021</a:t>
+              <a:t>29.05.2021</a:t>
             </a:fld>
             <a:endParaRPr lang="pl-PL"/>
           </a:p>
@@ -6786,7 +6786,7 @@
           <a:p>
             <a:fld id="{841DBA8B-1C55-4E4E-9B74-DA4CFE857DE7}" type="datetimeFigureOut">
               <a:rPr lang="pl-PL" smtClean="0"/>
-              <a:t>21.05.2021</a:t>
+              <a:t>29.05.2021</a:t>
             </a:fld>
             <a:endParaRPr lang="pl-PL"/>
           </a:p>
@@ -12000,8 +12000,8 @@
           </a:p>
         </p:txBody>
       </p:sp>
-      <mc:AlternateContent xmlns:mc="http://schemas.openxmlformats.org/markup-compatibility/2006">
-        <mc:Choice xmlns:a14="http://schemas.microsoft.com/office/drawing/2010/main" Requires="a14">
+      <mc:AlternateContent xmlns:mc="http://schemas.openxmlformats.org/markup-compatibility/2006" xmlns:a14="http://schemas.microsoft.com/office/drawing/2010/main">
+        <mc:Choice Requires="a14">
           <p:sp>
             <p:nvSpPr>
               <p:cNvPr id="4" name="pole tekstowe 3">
@@ -12030,6 +12030,7 @@
               </a:bodyPr>
               <a:lstStyle/>
               <a:p>
+                <a:pPr/>
                 <a14:m>
                   <m:oMathPara xmlns:m="http://schemas.openxmlformats.org/officeDocument/2006/math">
                     <m:oMathParaPr>
@@ -12621,7 +12622,7 @@
             </p:txBody>
           </p:sp>
         </mc:Choice>
-        <mc:Fallback>
+        <mc:Fallback xmlns="">
           <p:sp>
             <p:nvSpPr>
               <p:cNvPr id="4" name="pole tekstowe 3">
@@ -12886,7 +12887,788 @@
           <a:bodyPr/>
           <a:lstStyle/>
           <a:p>
-            <a:endParaRPr lang="pl-PL"/>
+            <a:pPr marL="0" indent="0">
+              <a:buNone/>
+            </a:pPr>
+            <a:r>
+              <a:rPr lang="pl-PL" sz="1800" b="0" dirty="0">
+                <a:solidFill>
+                  <a:srgbClr val="008000"/>
+                </a:solidFill>
+                <a:effectLst/>
+                <a:latin typeface="Consolas" panose="020B0609020204030204" pitchFamily="49" charset="0"/>
+              </a:rPr>
+              <a:t>// data </a:t>
+            </a:r>
+            <a:r>
+              <a:rPr lang="pl-PL" sz="1800" b="0" dirty="0" err="1">
+                <a:solidFill>
+                  <a:srgbClr val="008000"/>
+                </a:solidFill>
+                <a:effectLst/>
+                <a:latin typeface="Consolas" panose="020B0609020204030204" pitchFamily="49" charset="0"/>
+              </a:rPr>
+              <a:t>example</a:t>
+            </a:r>
+            <a:r>
+              <a:rPr lang="pl-PL" sz="1800" b="0" dirty="0">
+                <a:solidFill>
+                  <a:srgbClr val="008000"/>
+                </a:solidFill>
+                <a:effectLst/>
+                <a:latin typeface="Consolas" panose="020B0609020204030204" pitchFamily="49" charset="0"/>
+              </a:rPr>
+              <a:t>: „0110010111010001”</a:t>
+            </a:r>
+            <a:endParaRPr lang="pl-PL" sz="1800" b="0" dirty="0">
+              <a:solidFill>
+                <a:srgbClr val="0000FF"/>
+              </a:solidFill>
+              <a:effectLst/>
+              <a:latin typeface="Consolas" panose="020B0609020204030204" pitchFamily="49" charset="0"/>
+            </a:endParaRPr>
+          </a:p>
+          <a:p>
+            <a:pPr marL="0" indent="0">
+              <a:buNone/>
+            </a:pPr>
+            <a:r>
+              <a:rPr lang="pl-PL" sz="1800" b="0" dirty="0" err="1">
+                <a:solidFill>
+                  <a:srgbClr val="0000FF"/>
+                </a:solidFill>
+                <a:effectLst/>
+                <a:latin typeface="Consolas" panose="020B0609020204030204" pitchFamily="49" charset="0"/>
+              </a:rPr>
+              <a:t>member</a:t>
+            </a:r>
+            <a:r>
+              <a:rPr lang="pl-PL" sz="1800" b="0" dirty="0">
+                <a:solidFill>
+                  <a:srgbClr val="000000"/>
+                </a:solidFill>
+                <a:effectLst/>
+                <a:latin typeface="Consolas" panose="020B0609020204030204" pitchFamily="49" charset="0"/>
+              </a:rPr>
+              <a:t> </a:t>
+            </a:r>
+            <a:r>
+              <a:rPr lang="pl-PL" sz="1800" b="0" dirty="0" err="1">
+                <a:solidFill>
+                  <a:srgbClr val="0000FF"/>
+                </a:solidFill>
+                <a:effectLst/>
+                <a:latin typeface="Consolas" panose="020B0609020204030204" pitchFamily="49" charset="0"/>
+              </a:rPr>
+              <a:t>private</a:t>
+            </a:r>
+            <a:r>
+              <a:rPr lang="pl-PL" sz="1800" b="0" dirty="0">
+                <a:solidFill>
+                  <a:srgbClr val="000000"/>
+                </a:solidFill>
+                <a:effectLst/>
+                <a:latin typeface="Consolas" panose="020B0609020204030204" pitchFamily="49" charset="0"/>
+              </a:rPr>
+              <a:t> </a:t>
+            </a:r>
+            <a:r>
+              <a:rPr lang="pl-PL" sz="1800" b="0" dirty="0" err="1">
+                <a:solidFill>
+                  <a:srgbClr val="001080"/>
+                </a:solidFill>
+                <a:effectLst/>
+                <a:latin typeface="Consolas" panose="020B0609020204030204" pitchFamily="49" charset="0"/>
+              </a:rPr>
+              <a:t>this.</a:t>
+            </a:r>
+            <a:r>
+              <a:rPr lang="pl-PL" sz="1800" b="0" dirty="0" err="1">
+                <a:solidFill>
+                  <a:srgbClr val="795E26"/>
+                </a:solidFill>
+                <a:effectLst/>
+                <a:latin typeface="Consolas" panose="020B0609020204030204" pitchFamily="49" charset="0"/>
+              </a:rPr>
+              <a:t>ComputeXOR</a:t>
+            </a:r>
+            <a:r>
+              <a:rPr lang="pl-PL" sz="1800" b="0" dirty="0">
+                <a:solidFill>
+                  <a:srgbClr val="001080"/>
+                </a:solidFill>
+                <a:effectLst/>
+                <a:latin typeface="Consolas" panose="020B0609020204030204" pitchFamily="49" charset="0"/>
+              </a:rPr>
+              <a:t> </a:t>
+            </a:r>
+            <a:r>
+              <a:rPr lang="pl-PL" sz="1800" b="0" dirty="0">
+                <a:solidFill>
+                  <a:srgbClr val="0000FF"/>
+                </a:solidFill>
+                <a:effectLst/>
+                <a:latin typeface="Consolas" panose="020B0609020204030204" pitchFamily="49" charset="0"/>
+              </a:rPr>
+              <a:t>(</a:t>
+            </a:r>
+            <a:r>
+              <a:rPr lang="pl-PL" sz="1800" b="0" dirty="0">
+                <a:solidFill>
+                  <a:srgbClr val="001080"/>
+                </a:solidFill>
+                <a:effectLst/>
+                <a:latin typeface="Consolas" panose="020B0609020204030204" pitchFamily="49" charset="0"/>
+              </a:rPr>
+              <a:t>data</a:t>
+            </a:r>
+            <a:r>
+              <a:rPr lang="pl-PL" sz="1800" b="0" dirty="0">
+                <a:solidFill>
+                  <a:srgbClr val="0000FF"/>
+                </a:solidFill>
+                <a:effectLst/>
+                <a:latin typeface="Consolas" panose="020B0609020204030204" pitchFamily="49" charset="0"/>
+              </a:rPr>
+              <a:t>:</a:t>
+            </a:r>
+            <a:r>
+              <a:rPr lang="pl-PL" sz="1800" b="0" dirty="0">
+                <a:solidFill>
+                  <a:srgbClr val="000000"/>
+                </a:solidFill>
+                <a:effectLst/>
+                <a:latin typeface="Consolas" panose="020B0609020204030204" pitchFamily="49" charset="0"/>
+              </a:rPr>
+              <a:t> </a:t>
+            </a:r>
+            <a:r>
+              <a:rPr lang="pl-PL" sz="1800" b="0" dirty="0">
+                <a:solidFill>
+                  <a:srgbClr val="267F99"/>
+                </a:solidFill>
+                <a:effectLst/>
+                <a:latin typeface="Consolas" panose="020B0609020204030204" pitchFamily="49" charset="0"/>
+              </a:rPr>
+              <a:t>string</a:t>
+            </a:r>
+            <a:r>
+              <a:rPr lang="pl-PL" sz="1800" b="0" dirty="0">
+                <a:solidFill>
+                  <a:srgbClr val="0000FF"/>
+                </a:solidFill>
+                <a:effectLst/>
+                <a:latin typeface="Consolas" panose="020B0609020204030204" pitchFamily="49" charset="0"/>
+              </a:rPr>
+              <a:t>)</a:t>
+            </a:r>
+            <a:r>
+              <a:rPr lang="pl-PL" sz="1800" b="0" dirty="0">
+                <a:solidFill>
+                  <a:srgbClr val="000000"/>
+                </a:solidFill>
+                <a:effectLst/>
+                <a:latin typeface="Consolas" panose="020B0609020204030204" pitchFamily="49" charset="0"/>
+              </a:rPr>
+              <a:t> </a:t>
+            </a:r>
+            <a:r>
+              <a:rPr lang="pl-PL" sz="1800" b="0" dirty="0">
+                <a:solidFill>
+                  <a:srgbClr val="0000FF"/>
+                </a:solidFill>
+                <a:effectLst/>
+                <a:latin typeface="Consolas" panose="020B0609020204030204" pitchFamily="49" charset="0"/>
+              </a:rPr>
+              <a:t>=</a:t>
+            </a:r>
+            <a:endParaRPr lang="pl-PL" sz="1800" b="0" dirty="0">
+              <a:solidFill>
+                <a:srgbClr val="000000"/>
+              </a:solidFill>
+              <a:effectLst/>
+              <a:latin typeface="Consolas" panose="020B0609020204030204" pitchFamily="49" charset="0"/>
+            </a:endParaRPr>
+          </a:p>
+          <a:p>
+            <a:pPr marL="0" indent="0">
+              <a:buNone/>
+            </a:pPr>
+            <a:r>
+              <a:rPr lang="pl-PL" sz="1800" b="0" dirty="0">
+                <a:solidFill>
+                  <a:srgbClr val="000000"/>
+                </a:solidFill>
+                <a:effectLst/>
+                <a:latin typeface="Consolas" panose="020B0609020204030204" pitchFamily="49" charset="0"/>
+              </a:rPr>
+              <a:t>        </a:t>
+            </a:r>
+            <a:r>
+              <a:rPr lang="pl-PL" sz="1800" b="0" dirty="0">
+                <a:solidFill>
+                  <a:srgbClr val="001080"/>
+                </a:solidFill>
+                <a:effectLst/>
+                <a:latin typeface="Consolas" panose="020B0609020204030204" pitchFamily="49" charset="0"/>
+              </a:rPr>
+              <a:t>data</a:t>
+            </a:r>
+            <a:endParaRPr lang="pl-PL" sz="1800" b="0" dirty="0">
+              <a:solidFill>
+                <a:srgbClr val="000000"/>
+              </a:solidFill>
+              <a:effectLst/>
+              <a:latin typeface="Consolas" panose="020B0609020204030204" pitchFamily="49" charset="0"/>
+            </a:endParaRPr>
+          </a:p>
+          <a:p>
+            <a:pPr marL="0" indent="0">
+              <a:buNone/>
+            </a:pPr>
+            <a:r>
+              <a:rPr lang="pl-PL" sz="1800" b="0" dirty="0">
+                <a:solidFill>
+                  <a:srgbClr val="000000"/>
+                </a:solidFill>
+                <a:effectLst/>
+                <a:latin typeface="Consolas" panose="020B0609020204030204" pitchFamily="49" charset="0"/>
+              </a:rPr>
+              <a:t>        </a:t>
+            </a:r>
+            <a:r>
+              <a:rPr lang="pl-PL" sz="1800" b="0" dirty="0">
+                <a:solidFill>
+                  <a:srgbClr val="0000FF"/>
+                </a:solidFill>
+                <a:effectLst/>
+                <a:latin typeface="Consolas" panose="020B0609020204030204" pitchFamily="49" charset="0"/>
+              </a:rPr>
+              <a:t>|&gt;</a:t>
+            </a:r>
+            <a:r>
+              <a:rPr lang="pl-PL" sz="1800" b="0" dirty="0">
+                <a:solidFill>
+                  <a:srgbClr val="000000"/>
+                </a:solidFill>
+                <a:effectLst/>
+                <a:latin typeface="Consolas" panose="020B0609020204030204" pitchFamily="49" charset="0"/>
+              </a:rPr>
+              <a:t> </a:t>
+            </a:r>
+            <a:r>
+              <a:rPr lang="pl-PL" sz="1800" b="0" dirty="0">
+                <a:solidFill>
+                  <a:srgbClr val="0000FF"/>
+                </a:solidFill>
+                <a:effectLst/>
+                <a:latin typeface="Consolas" panose="020B0609020204030204" pitchFamily="49" charset="0"/>
+              </a:rPr>
+              <a:t>(</a:t>
+            </a:r>
+            <a:r>
+              <a:rPr lang="pl-PL" sz="1800" b="0" dirty="0" err="1">
+                <a:solidFill>
+                  <a:srgbClr val="0000FF"/>
+                </a:solidFill>
+                <a:effectLst/>
+                <a:latin typeface="Consolas" panose="020B0609020204030204" pitchFamily="49" charset="0"/>
+              </a:rPr>
+              <a:t>fun</a:t>
+            </a:r>
+            <a:r>
+              <a:rPr lang="pl-PL" sz="1800" b="0" dirty="0">
+                <a:solidFill>
+                  <a:srgbClr val="001080"/>
+                </a:solidFill>
+                <a:effectLst/>
+                <a:latin typeface="Consolas" panose="020B0609020204030204" pitchFamily="49" charset="0"/>
+              </a:rPr>
+              <a:t> </a:t>
+            </a:r>
+            <a:r>
+              <a:rPr lang="pl-PL" sz="1800" b="0" dirty="0">
+                <a:solidFill>
+                  <a:srgbClr val="0000FF"/>
+                </a:solidFill>
+                <a:effectLst/>
+                <a:latin typeface="Consolas" panose="020B0609020204030204" pitchFamily="49" charset="0"/>
+              </a:rPr>
+              <a:t>(</a:t>
+            </a:r>
+            <a:r>
+              <a:rPr lang="pl-PL" sz="1800" b="0" dirty="0" err="1">
+                <a:solidFill>
+                  <a:srgbClr val="001080"/>
+                </a:solidFill>
+                <a:effectLst/>
+                <a:latin typeface="Consolas" panose="020B0609020204030204" pitchFamily="49" charset="0"/>
+              </a:rPr>
+              <a:t>x</a:t>
+            </a:r>
+            <a:r>
+              <a:rPr lang="pl-PL" sz="1800" b="0" dirty="0" err="1">
+                <a:solidFill>
+                  <a:srgbClr val="0000FF"/>
+                </a:solidFill>
+                <a:effectLst/>
+                <a:latin typeface="Consolas" panose="020B0609020204030204" pitchFamily="49" charset="0"/>
+              </a:rPr>
+              <a:t>:</a:t>
+            </a:r>
+            <a:r>
+              <a:rPr lang="pl-PL" sz="1800" b="0" dirty="0" err="1">
+                <a:solidFill>
+                  <a:srgbClr val="267F99"/>
+                </a:solidFill>
+                <a:effectLst/>
+                <a:latin typeface="Consolas" panose="020B0609020204030204" pitchFamily="49" charset="0"/>
+              </a:rPr>
+              <a:t>string</a:t>
+            </a:r>
+            <a:r>
+              <a:rPr lang="pl-PL" sz="1800" b="0" dirty="0">
+                <a:solidFill>
+                  <a:srgbClr val="0000FF"/>
+                </a:solidFill>
+                <a:effectLst/>
+                <a:latin typeface="Consolas" panose="020B0609020204030204" pitchFamily="49" charset="0"/>
+              </a:rPr>
+              <a:t>)</a:t>
+            </a:r>
+            <a:r>
+              <a:rPr lang="pl-PL" sz="1800" b="0" dirty="0">
+                <a:solidFill>
+                  <a:srgbClr val="000000"/>
+                </a:solidFill>
+                <a:effectLst/>
+                <a:latin typeface="Consolas" panose="020B0609020204030204" pitchFamily="49" charset="0"/>
+              </a:rPr>
+              <a:t> </a:t>
+            </a:r>
+            <a:r>
+              <a:rPr lang="pl-PL" sz="1800" b="0" dirty="0">
+                <a:solidFill>
+                  <a:srgbClr val="0000FF"/>
+                </a:solidFill>
+                <a:effectLst/>
+                <a:latin typeface="Consolas" panose="020B0609020204030204" pitchFamily="49" charset="0"/>
+              </a:rPr>
+              <a:t>-&gt;</a:t>
+            </a:r>
+            <a:r>
+              <a:rPr lang="pl-PL" sz="1800" b="0" dirty="0">
+                <a:solidFill>
+                  <a:srgbClr val="000000"/>
+                </a:solidFill>
+                <a:effectLst/>
+                <a:latin typeface="Consolas" panose="020B0609020204030204" pitchFamily="49" charset="0"/>
+              </a:rPr>
+              <a:t> </a:t>
+            </a:r>
+            <a:r>
+              <a:rPr lang="pl-PL" sz="1800" b="0" dirty="0" err="1">
+                <a:solidFill>
+                  <a:srgbClr val="001080"/>
+                </a:solidFill>
+                <a:effectLst/>
+                <a:latin typeface="Consolas" panose="020B0609020204030204" pitchFamily="49" charset="0"/>
+              </a:rPr>
+              <a:t>x</a:t>
+            </a:r>
+            <a:r>
+              <a:rPr lang="pl-PL" sz="1800" b="0" dirty="0" err="1">
+                <a:solidFill>
+                  <a:srgbClr val="795E26"/>
+                </a:solidFill>
+                <a:effectLst/>
+                <a:latin typeface="Consolas" panose="020B0609020204030204" pitchFamily="49" charset="0"/>
+              </a:rPr>
+              <a:t>.ToCharArray</a:t>
+            </a:r>
+            <a:r>
+              <a:rPr lang="pl-PL" sz="1800" b="0" dirty="0">
+                <a:solidFill>
+                  <a:srgbClr val="0000FF"/>
+                </a:solidFill>
+                <a:effectLst/>
+                <a:latin typeface="Consolas" panose="020B0609020204030204" pitchFamily="49" charset="0"/>
+              </a:rPr>
+              <a:t>())</a:t>
+            </a:r>
+            <a:r>
+              <a:rPr lang="pl-PL" sz="1800" b="0" dirty="0">
+                <a:solidFill>
+                  <a:srgbClr val="000000"/>
+                </a:solidFill>
+                <a:effectLst/>
+                <a:latin typeface="Consolas" panose="020B0609020204030204" pitchFamily="49" charset="0"/>
+              </a:rPr>
+              <a:t> </a:t>
+            </a:r>
+          </a:p>
+          <a:p>
+            <a:pPr marL="0" indent="0">
+              <a:buNone/>
+            </a:pPr>
+            <a:r>
+              <a:rPr lang="pl-PL" sz="1800" b="0" dirty="0">
+                <a:solidFill>
+                  <a:srgbClr val="000000"/>
+                </a:solidFill>
+                <a:effectLst/>
+                <a:latin typeface="Consolas" panose="020B0609020204030204" pitchFamily="49" charset="0"/>
+              </a:rPr>
+              <a:t>        </a:t>
+            </a:r>
+            <a:r>
+              <a:rPr lang="pl-PL" sz="1800" b="0" dirty="0">
+                <a:solidFill>
+                  <a:srgbClr val="0000FF"/>
+                </a:solidFill>
+                <a:effectLst/>
+                <a:latin typeface="Consolas" panose="020B0609020204030204" pitchFamily="49" charset="0"/>
+              </a:rPr>
+              <a:t>|&gt;</a:t>
+            </a:r>
+            <a:r>
+              <a:rPr lang="pl-PL" sz="1800" b="0" dirty="0">
+                <a:solidFill>
+                  <a:srgbClr val="000000"/>
+                </a:solidFill>
+                <a:effectLst/>
+                <a:latin typeface="Consolas" panose="020B0609020204030204" pitchFamily="49" charset="0"/>
+              </a:rPr>
+              <a:t> </a:t>
+            </a:r>
+            <a:r>
+              <a:rPr lang="pl-PL" sz="1800" b="0" dirty="0">
+                <a:solidFill>
+                  <a:srgbClr val="0000FF"/>
+                </a:solidFill>
+                <a:effectLst/>
+                <a:latin typeface="Consolas" panose="020B0609020204030204" pitchFamily="49" charset="0"/>
+              </a:rPr>
+              <a:t>(</a:t>
+            </a:r>
+            <a:r>
+              <a:rPr lang="pl-PL" sz="1800" b="0" dirty="0" err="1">
+                <a:solidFill>
+                  <a:srgbClr val="0000FF"/>
+                </a:solidFill>
+                <a:effectLst/>
+                <a:latin typeface="Consolas" panose="020B0609020204030204" pitchFamily="49" charset="0"/>
+              </a:rPr>
+              <a:t>fun</a:t>
+            </a:r>
+            <a:r>
+              <a:rPr lang="pl-PL" sz="1800" b="0" dirty="0">
+                <a:solidFill>
+                  <a:srgbClr val="001080"/>
+                </a:solidFill>
+                <a:effectLst/>
+                <a:latin typeface="Consolas" panose="020B0609020204030204" pitchFamily="49" charset="0"/>
+              </a:rPr>
+              <a:t> x </a:t>
+            </a:r>
+            <a:r>
+              <a:rPr lang="pl-PL" sz="1800" b="0" dirty="0">
+                <a:solidFill>
+                  <a:srgbClr val="0000FF"/>
+                </a:solidFill>
+                <a:effectLst/>
+                <a:latin typeface="Consolas" panose="020B0609020204030204" pitchFamily="49" charset="0"/>
+              </a:rPr>
+              <a:t>-&gt;</a:t>
+            </a:r>
+            <a:r>
+              <a:rPr lang="pl-PL" sz="1800" b="0" dirty="0">
+                <a:solidFill>
+                  <a:srgbClr val="000000"/>
+                </a:solidFill>
+                <a:effectLst/>
+                <a:latin typeface="Consolas" panose="020B0609020204030204" pitchFamily="49" charset="0"/>
+              </a:rPr>
+              <a:t> </a:t>
+            </a:r>
+            <a:r>
+              <a:rPr lang="pl-PL" sz="1800" b="0" dirty="0" err="1">
+                <a:solidFill>
+                  <a:srgbClr val="222222"/>
+                </a:solidFill>
+                <a:effectLst/>
+                <a:latin typeface="Consolas" panose="020B0609020204030204" pitchFamily="49" charset="0"/>
+              </a:rPr>
+              <a:t>ArrayExtension</a:t>
+            </a:r>
+            <a:r>
+              <a:rPr lang="pl-PL" sz="1800" b="0" dirty="0" err="1">
+                <a:solidFill>
+                  <a:srgbClr val="795E26"/>
+                </a:solidFill>
+                <a:effectLst/>
+                <a:latin typeface="Consolas" panose="020B0609020204030204" pitchFamily="49" charset="0"/>
+              </a:rPr>
+              <a:t>.filter_it</a:t>
+            </a:r>
+            <a:r>
+              <a:rPr lang="pl-PL" sz="1800" b="0" dirty="0">
+                <a:solidFill>
+                  <a:srgbClr val="000000"/>
+                </a:solidFill>
+                <a:effectLst/>
+                <a:latin typeface="Consolas" panose="020B0609020204030204" pitchFamily="49" charset="0"/>
+              </a:rPr>
+              <a:t> </a:t>
+            </a:r>
+            <a:r>
+              <a:rPr lang="pl-PL" sz="1800" b="0" dirty="0">
+                <a:solidFill>
+                  <a:srgbClr val="A31515"/>
+                </a:solidFill>
+                <a:effectLst/>
+                <a:latin typeface="Consolas" panose="020B0609020204030204" pitchFamily="49" charset="0"/>
+              </a:rPr>
+              <a:t>'1'</a:t>
+            </a:r>
+            <a:r>
+              <a:rPr lang="pl-PL" sz="1800" b="0" dirty="0">
+                <a:solidFill>
+                  <a:srgbClr val="000000"/>
+                </a:solidFill>
+                <a:effectLst/>
+                <a:latin typeface="Consolas" panose="020B0609020204030204" pitchFamily="49" charset="0"/>
+              </a:rPr>
+              <a:t> </a:t>
+            </a:r>
+            <a:r>
+              <a:rPr lang="pl-PL" sz="1800" b="0" dirty="0">
+                <a:solidFill>
+                  <a:srgbClr val="001080"/>
+                </a:solidFill>
+                <a:effectLst/>
+                <a:latin typeface="Consolas" panose="020B0609020204030204" pitchFamily="49" charset="0"/>
+              </a:rPr>
+              <a:t>x</a:t>
+            </a:r>
+            <a:r>
+              <a:rPr lang="pl-PL" sz="1800" b="0" dirty="0">
+                <a:solidFill>
+                  <a:srgbClr val="0000FF"/>
+                </a:solidFill>
+                <a:effectLst/>
+                <a:latin typeface="Consolas" panose="020B0609020204030204" pitchFamily="49" charset="0"/>
+              </a:rPr>
+              <a:t>)</a:t>
+            </a:r>
+            <a:endParaRPr lang="pl-PL" sz="1800" b="0" dirty="0">
+              <a:solidFill>
+                <a:srgbClr val="000000"/>
+              </a:solidFill>
+              <a:effectLst/>
+              <a:latin typeface="Consolas" panose="020B0609020204030204" pitchFamily="49" charset="0"/>
+            </a:endParaRPr>
+          </a:p>
+          <a:p>
+            <a:pPr marL="0" indent="0">
+              <a:buNone/>
+            </a:pPr>
+            <a:r>
+              <a:rPr lang="pl-PL" sz="1800" b="0" dirty="0">
+                <a:solidFill>
+                  <a:srgbClr val="000000"/>
+                </a:solidFill>
+                <a:effectLst/>
+                <a:latin typeface="Consolas" panose="020B0609020204030204" pitchFamily="49" charset="0"/>
+              </a:rPr>
+              <a:t>        </a:t>
+            </a:r>
+            <a:r>
+              <a:rPr lang="pl-PL" sz="1800" b="0" dirty="0">
+                <a:solidFill>
+                  <a:srgbClr val="0000FF"/>
+                </a:solidFill>
+                <a:effectLst/>
+                <a:latin typeface="Consolas" panose="020B0609020204030204" pitchFamily="49" charset="0"/>
+              </a:rPr>
+              <a:t>|&gt;</a:t>
+            </a:r>
+            <a:r>
+              <a:rPr lang="pl-PL" sz="1800" b="0" dirty="0">
+                <a:solidFill>
+                  <a:srgbClr val="000000"/>
+                </a:solidFill>
+                <a:effectLst/>
+                <a:latin typeface="Consolas" panose="020B0609020204030204" pitchFamily="49" charset="0"/>
+              </a:rPr>
+              <a:t> </a:t>
+            </a:r>
+            <a:r>
+              <a:rPr lang="pl-PL" sz="1800" b="0" dirty="0" err="1">
+                <a:solidFill>
+                  <a:srgbClr val="222222"/>
+                </a:solidFill>
+                <a:effectLst/>
+                <a:latin typeface="Consolas" panose="020B0609020204030204" pitchFamily="49" charset="0"/>
+              </a:rPr>
+              <a:t>Array</a:t>
+            </a:r>
+            <a:r>
+              <a:rPr lang="pl-PL" sz="1800" b="0" dirty="0" err="1">
+                <a:solidFill>
+                  <a:srgbClr val="795E26"/>
+                </a:solidFill>
+                <a:effectLst/>
+                <a:latin typeface="Consolas" panose="020B0609020204030204" pitchFamily="49" charset="0"/>
+              </a:rPr>
+              <a:t>.fold</a:t>
+            </a:r>
+            <a:r>
+              <a:rPr lang="pl-PL" sz="1800" b="0" dirty="0">
+                <a:solidFill>
+                  <a:srgbClr val="000000"/>
+                </a:solidFill>
+                <a:effectLst/>
+                <a:latin typeface="Consolas" panose="020B0609020204030204" pitchFamily="49" charset="0"/>
+              </a:rPr>
+              <a:t> </a:t>
+            </a:r>
+            <a:r>
+              <a:rPr lang="pl-PL" sz="1800" b="0" dirty="0">
+                <a:solidFill>
+                  <a:srgbClr val="0000FF"/>
+                </a:solidFill>
+                <a:effectLst/>
+                <a:latin typeface="Consolas" panose="020B0609020204030204" pitchFamily="49" charset="0"/>
+              </a:rPr>
+              <a:t>(</a:t>
+            </a:r>
+            <a:r>
+              <a:rPr lang="pl-PL" sz="1800" b="0" dirty="0" err="1">
+                <a:solidFill>
+                  <a:srgbClr val="0000FF"/>
+                </a:solidFill>
+                <a:effectLst/>
+                <a:latin typeface="Consolas" panose="020B0609020204030204" pitchFamily="49" charset="0"/>
+              </a:rPr>
+              <a:t>fun</a:t>
+            </a:r>
+            <a:r>
+              <a:rPr lang="pl-PL" sz="1800" b="0" dirty="0">
+                <a:solidFill>
+                  <a:srgbClr val="001080"/>
+                </a:solidFill>
+                <a:effectLst/>
+                <a:latin typeface="Consolas" panose="020B0609020204030204" pitchFamily="49" charset="0"/>
+              </a:rPr>
+              <a:t> x y </a:t>
+            </a:r>
+            <a:r>
+              <a:rPr lang="pl-PL" sz="1800" b="0" dirty="0">
+                <a:solidFill>
+                  <a:srgbClr val="0000FF"/>
+                </a:solidFill>
+                <a:effectLst/>
+                <a:latin typeface="Consolas" panose="020B0609020204030204" pitchFamily="49" charset="0"/>
+              </a:rPr>
+              <a:t>-&gt;</a:t>
+            </a:r>
+            <a:r>
+              <a:rPr lang="pl-PL" sz="1800" b="0" dirty="0">
+                <a:solidFill>
+                  <a:srgbClr val="000000"/>
+                </a:solidFill>
+                <a:effectLst/>
+                <a:latin typeface="Consolas" panose="020B0609020204030204" pitchFamily="49" charset="0"/>
+              </a:rPr>
+              <a:t> </a:t>
+            </a:r>
+            <a:r>
+              <a:rPr lang="pl-PL" sz="1800" b="0" dirty="0">
+                <a:solidFill>
+                  <a:srgbClr val="001080"/>
+                </a:solidFill>
+                <a:effectLst/>
+                <a:latin typeface="Consolas" panose="020B0609020204030204" pitchFamily="49" charset="0"/>
+              </a:rPr>
+              <a:t>x</a:t>
+            </a:r>
+            <a:r>
+              <a:rPr lang="pl-PL" sz="1800" b="0" dirty="0">
+                <a:solidFill>
+                  <a:srgbClr val="0000FF"/>
+                </a:solidFill>
+                <a:effectLst/>
+                <a:latin typeface="Consolas" panose="020B0609020204030204" pitchFamily="49" charset="0"/>
+              </a:rPr>
+              <a:t>^^^</a:t>
+            </a:r>
+            <a:r>
+              <a:rPr lang="pl-PL" sz="1800" b="0" dirty="0">
+                <a:solidFill>
+                  <a:srgbClr val="001080"/>
+                </a:solidFill>
+                <a:effectLst/>
+                <a:latin typeface="Consolas" panose="020B0609020204030204" pitchFamily="49" charset="0"/>
+              </a:rPr>
+              <a:t>y</a:t>
+            </a:r>
+            <a:r>
+              <a:rPr lang="pl-PL" sz="1800" b="0" dirty="0">
+                <a:solidFill>
+                  <a:srgbClr val="0000FF"/>
+                </a:solidFill>
+                <a:effectLst/>
+                <a:latin typeface="Consolas" panose="020B0609020204030204" pitchFamily="49" charset="0"/>
+              </a:rPr>
+              <a:t>)</a:t>
+            </a:r>
+            <a:r>
+              <a:rPr lang="pl-PL" sz="1800" b="0" dirty="0">
+                <a:solidFill>
+                  <a:srgbClr val="000000"/>
+                </a:solidFill>
+                <a:effectLst/>
+                <a:latin typeface="Consolas" panose="020B0609020204030204" pitchFamily="49" charset="0"/>
+              </a:rPr>
+              <a:t> </a:t>
+            </a:r>
+            <a:r>
+              <a:rPr lang="pl-PL" sz="1800" b="0" dirty="0">
+                <a:solidFill>
+                  <a:srgbClr val="098658"/>
+                </a:solidFill>
+                <a:effectLst/>
+                <a:latin typeface="Consolas" panose="020B0609020204030204" pitchFamily="49" charset="0"/>
+              </a:rPr>
+              <a:t>0</a:t>
+            </a:r>
+            <a:r>
+              <a:rPr lang="pl-PL" sz="1800" b="0" dirty="0">
+                <a:solidFill>
+                  <a:srgbClr val="000000"/>
+                </a:solidFill>
+                <a:effectLst/>
+                <a:latin typeface="Consolas" panose="020B0609020204030204" pitchFamily="49" charset="0"/>
+              </a:rPr>
+              <a:t> </a:t>
+            </a:r>
+            <a:r>
+              <a:rPr lang="pl-PL" b="0" dirty="0">
+                <a:solidFill>
+                  <a:srgbClr val="000000"/>
+                </a:solidFill>
+                <a:effectLst/>
+                <a:latin typeface="Consolas" panose="020B0609020204030204" pitchFamily="49" charset="0"/>
+              </a:rPr>
+              <a:t>    </a:t>
+            </a:r>
+          </a:p>
+          <a:p>
+            <a:pPr marL="0" indent="0">
+              <a:buNone/>
+            </a:pPr>
+            <a:endParaRPr lang="pl-PL" dirty="0"/>
           </a:p>
         </p:txBody>
       </p:sp>

--- a/Hamming.pptx
+++ b/Hamming.pptx
@@ -8,8 +8,8 @@
     <p:sldId id="256" r:id="rId2"/>
     <p:sldId id="257" r:id="rId3"/>
     <p:sldId id="264" r:id="rId4"/>
-    <p:sldId id="265" r:id="rId5"/>
-    <p:sldId id="261" r:id="rId6"/>
+    <p:sldId id="261" r:id="rId5"/>
+    <p:sldId id="265" r:id="rId6"/>
     <p:sldId id="258" r:id="rId7"/>
     <p:sldId id="262" r:id="rId8"/>
     <p:sldId id="260" r:id="rId9"/>
@@ -5461,7 +5461,7 @@
           <a:p>
             <a:fld id="{841DBA8B-1C55-4E4E-9B74-DA4CFE857DE7}" type="datetimeFigureOut">
               <a:rPr lang="pl-PL" smtClean="0"/>
-              <a:t>29.05.2021</a:t>
+              <a:t>01.06.2021</a:t>
             </a:fld>
             <a:endParaRPr lang="pl-PL"/>
           </a:p>
@@ -6786,7 +6786,7 @@
           <a:p>
             <a:fld id="{841DBA8B-1C55-4E4E-9B74-DA4CFE857DE7}" type="datetimeFigureOut">
               <a:rPr lang="pl-PL" smtClean="0"/>
-              <a:t>29.05.2021</a:t>
+              <a:t>01.06.2021</a:t>
             </a:fld>
             <a:endParaRPr lang="pl-PL"/>
           </a:p>
@@ -7936,6 +7936,89 @@
 </file>
 
 <file path=ppt/slides/slide4.xml><?xml version="1.0" encoding="utf-8"?>
+<p:sld xmlns:a="http://schemas.openxmlformats.org/drawingml/2006/main" xmlns:r="http://schemas.openxmlformats.org/officeDocument/2006/relationships" xmlns:p="http://schemas.openxmlformats.org/presentationml/2006/main">
+  <p:cSld>
+    <p:spTree>
+      <p:nvGrpSpPr>
+        <p:cNvPr id="1" name=""/>
+        <p:cNvGrpSpPr/>
+        <p:nvPr/>
+      </p:nvGrpSpPr>
+      <p:grpSpPr>
+        <a:xfrm>
+          <a:off x="0" y="0"/>
+          <a:ext cx="0" cy="0"/>
+          <a:chOff x="0" y="0"/>
+          <a:chExt cx="0" cy="0"/>
+        </a:xfrm>
+      </p:grpSpPr>
+      <p:sp>
+        <p:nvSpPr>
+          <p:cNvPr id="2" name="Tytuł 1">
+            <a:extLst>
+              <a:ext uri="{FF2B5EF4-FFF2-40B4-BE49-F238E27FC236}">
+                <a16:creationId xmlns:a16="http://schemas.microsoft.com/office/drawing/2014/main" id="{E79A5563-CCE2-4EA5-8250-D919553DA661}"/>
+              </a:ext>
+            </a:extLst>
+          </p:cNvPr>
+          <p:cNvSpPr>
+            <a:spLocks noGrp="1"/>
+          </p:cNvSpPr>
+          <p:nvPr>
+            <p:ph type="title"/>
+          </p:nvPr>
+        </p:nvSpPr>
+        <p:spPr/>
+        <p:txBody>
+          <a:bodyPr/>
+          <a:lstStyle/>
+          <a:p>
+            <a:r>
+              <a:rPr lang="pl-PL" dirty="0"/>
+              <a:t>Kodowanie</a:t>
+            </a:r>
+          </a:p>
+        </p:txBody>
+      </p:sp>
+      <p:sp>
+        <p:nvSpPr>
+          <p:cNvPr id="3" name="Symbol zastępczy tekstu 2">
+            <a:extLst>
+              <a:ext uri="{FF2B5EF4-FFF2-40B4-BE49-F238E27FC236}">
+                <a16:creationId xmlns:a16="http://schemas.microsoft.com/office/drawing/2014/main" id="{5EBABDA0-8149-458A-A4BA-594966934D8A}"/>
+              </a:ext>
+            </a:extLst>
+          </p:cNvPr>
+          <p:cNvSpPr>
+            <a:spLocks noGrp="1"/>
+          </p:cNvSpPr>
+          <p:nvPr>
+            <p:ph type="body" idx="1"/>
+          </p:nvPr>
+        </p:nvSpPr>
+        <p:spPr/>
+        <p:txBody>
+          <a:bodyPr/>
+          <a:lstStyle/>
+          <a:p>
+            <a:endParaRPr lang="pl-PL"/>
+          </a:p>
+        </p:txBody>
+      </p:sp>
+    </p:spTree>
+    <p:extLst>
+      <p:ext uri="{BB962C8B-B14F-4D97-AF65-F5344CB8AC3E}">
+        <p14:creationId xmlns:p14="http://schemas.microsoft.com/office/powerpoint/2010/main" val="23788752"/>
+      </p:ext>
+    </p:extLst>
+  </p:cSld>
+  <p:clrMapOvr>
+    <a:masterClrMapping/>
+  </p:clrMapOvr>
+</p:sld>
+</file>
+
+<file path=ppt/slides/slide5.xml><?xml version="1.0" encoding="utf-8"?>
 <p:sld xmlns:a="http://schemas.openxmlformats.org/drawingml/2006/main" xmlns:r="http://schemas.openxmlformats.org/officeDocument/2006/relationships" xmlns:p="http://schemas.openxmlformats.org/presentationml/2006/main">
   <p:cSld>
     <p:spTree>
@@ -9654,89 +9737,6 @@
       <p:bldP spid="17" grpId="1" animBg="1"/>
     </p:bldLst>
   </p:timing>
-</p:sld>
-</file>
-
-<file path=ppt/slides/slide5.xml><?xml version="1.0" encoding="utf-8"?>
-<p:sld xmlns:a="http://schemas.openxmlformats.org/drawingml/2006/main" xmlns:r="http://schemas.openxmlformats.org/officeDocument/2006/relationships" xmlns:p="http://schemas.openxmlformats.org/presentationml/2006/main">
-  <p:cSld>
-    <p:spTree>
-      <p:nvGrpSpPr>
-        <p:cNvPr id="1" name=""/>
-        <p:cNvGrpSpPr/>
-        <p:nvPr/>
-      </p:nvGrpSpPr>
-      <p:grpSpPr>
-        <a:xfrm>
-          <a:off x="0" y="0"/>
-          <a:ext cx="0" cy="0"/>
-          <a:chOff x="0" y="0"/>
-          <a:chExt cx="0" cy="0"/>
-        </a:xfrm>
-      </p:grpSpPr>
-      <p:sp>
-        <p:nvSpPr>
-          <p:cNvPr id="2" name="Tytuł 1">
-            <a:extLst>
-              <a:ext uri="{FF2B5EF4-FFF2-40B4-BE49-F238E27FC236}">
-                <a16:creationId xmlns:a16="http://schemas.microsoft.com/office/drawing/2014/main" id="{E79A5563-CCE2-4EA5-8250-D919553DA661}"/>
-              </a:ext>
-            </a:extLst>
-          </p:cNvPr>
-          <p:cNvSpPr>
-            <a:spLocks noGrp="1"/>
-          </p:cNvSpPr>
-          <p:nvPr>
-            <p:ph type="title"/>
-          </p:nvPr>
-        </p:nvSpPr>
-        <p:spPr/>
-        <p:txBody>
-          <a:bodyPr/>
-          <a:lstStyle/>
-          <a:p>
-            <a:r>
-              <a:rPr lang="pl-PL" dirty="0"/>
-              <a:t>Kodowanie</a:t>
-            </a:r>
-          </a:p>
-        </p:txBody>
-      </p:sp>
-      <p:sp>
-        <p:nvSpPr>
-          <p:cNvPr id="3" name="Symbol zastępczy tekstu 2">
-            <a:extLst>
-              <a:ext uri="{FF2B5EF4-FFF2-40B4-BE49-F238E27FC236}">
-                <a16:creationId xmlns:a16="http://schemas.microsoft.com/office/drawing/2014/main" id="{5EBABDA0-8149-458A-A4BA-594966934D8A}"/>
-              </a:ext>
-            </a:extLst>
-          </p:cNvPr>
-          <p:cNvSpPr>
-            <a:spLocks noGrp="1"/>
-          </p:cNvSpPr>
-          <p:nvPr>
-            <p:ph type="body" idx="1"/>
-          </p:nvPr>
-        </p:nvSpPr>
-        <p:spPr/>
-        <p:txBody>
-          <a:bodyPr/>
-          <a:lstStyle/>
-          <a:p>
-            <a:endParaRPr lang="pl-PL"/>
-          </a:p>
-        </p:txBody>
-      </p:sp>
-    </p:spTree>
-    <p:extLst>
-      <p:ext uri="{BB962C8B-B14F-4D97-AF65-F5344CB8AC3E}">
-        <p14:creationId xmlns:p14="http://schemas.microsoft.com/office/powerpoint/2010/main" val="23788752"/>
-      </p:ext>
-    </p:extLst>
-  </p:cSld>
-  <p:clrMapOvr>
-    <a:masterClrMapping/>
-  </p:clrMapOvr>
 </p:sld>
 </file>
 
@@ -13080,61 +13080,161 @@
                 <a:effectLst/>
                 <a:latin typeface="Consolas" panose="020B0609020204030204" pitchFamily="49" charset="0"/>
               </a:rPr>
-              <a:t>=</a:t>
-            </a:r>
-            <a:endParaRPr lang="pl-PL" sz="1800" b="0" dirty="0">
-              <a:solidFill>
-                <a:srgbClr val="000000"/>
-              </a:solidFill>
-              <a:effectLst/>
-              <a:latin typeface="Consolas" panose="020B0609020204030204" pitchFamily="49" charset="0"/>
-            </a:endParaRPr>
-          </a:p>
-          <a:p>
-            <a:pPr marL="0" indent="0">
-              <a:buNone/>
-            </a:pPr>
+              <a:t>= </a:t>
+            </a:r>
+            <a:br>
+              <a:rPr lang="pl-PL" sz="1800" dirty="0">
+                <a:solidFill>
+                  <a:srgbClr val="000000"/>
+                </a:solidFill>
+                <a:latin typeface="Consolas" panose="020B0609020204030204" pitchFamily="49" charset="0"/>
+              </a:rPr>
+            </a:br>
+            <a:r>
+              <a:rPr lang="pl-PL" sz="1800" dirty="0">
+                <a:solidFill>
+                  <a:srgbClr val="000000"/>
+                </a:solidFill>
+                <a:latin typeface="Consolas" panose="020B0609020204030204" pitchFamily="49" charset="0"/>
+              </a:rPr>
+              <a:t>	</a:t>
+            </a:r>
             <a:r>
               <a:rPr lang="pl-PL" sz="1800" b="0" dirty="0">
                 <a:solidFill>
+                  <a:srgbClr val="001080"/>
+                </a:solidFill>
+                <a:effectLst/>
+                <a:latin typeface="Consolas" panose="020B0609020204030204" pitchFamily="49" charset="0"/>
+              </a:rPr>
+              <a:t>data</a:t>
+            </a:r>
+            <a:br>
+              <a:rPr lang="pl-PL" sz="1800" dirty="0">
+                <a:solidFill>
                   <a:srgbClr val="000000"/>
                 </a:solidFill>
-                <a:effectLst/>
-                <a:latin typeface="Consolas" panose="020B0609020204030204" pitchFamily="49" charset="0"/>
-              </a:rPr>
-              <a:t>        </a:t>
+                <a:latin typeface="Consolas" panose="020B0609020204030204" pitchFamily="49" charset="0"/>
+              </a:rPr>
+            </a:br>
+            <a:r>
+              <a:rPr lang="pl-PL" sz="1800" dirty="0">
+                <a:solidFill>
+                  <a:srgbClr val="000000"/>
+                </a:solidFill>
+                <a:latin typeface="Consolas" panose="020B0609020204030204" pitchFamily="49" charset="0"/>
+              </a:rPr>
+              <a:t>	</a:t>
             </a:r>
             <a:r>
               <a:rPr lang="pl-PL" sz="1800" b="0" dirty="0">
                 <a:solidFill>
+                  <a:srgbClr val="0000FF"/>
+                </a:solidFill>
+                <a:effectLst/>
+                <a:latin typeface="Consolas" panose="020B0609020204030204" pitchFamily="49" charset="0"/>
+              </a:rPr>
+              <a:t>|&gt;</a:t>
+            </a:r>
+            <a:r>
+              <a:rPr lang="pl-PL" sz="1800" b="0" dirty="0">
+                <a:solidFill>
+                  <a:srgbClr val="000000"/>
+                </a:solidFill>
+                <a:effectLst/>
+                <a:latin typeface="Consolas" panose="020B0609020204030204" pitchFamily="49" charset="0"/>
+              </a:rPr>
+              <a:t> </a:t>
+            </a:r>
+            <a:r>
+              <a:rPr lang="pl-PL" sz="1800" b="0" dirty="0">
+                <a:solidFill>
+                  <a:srgbClr val="0000FF"/>
+                </a:solidFill>
+                <a:effectLst/>
+                <a:latin typeface="Consolas" panose="020B0609020204030204" pitchFamily="49" charset="0"/>
+              </a:rPr>
+              <a:t>(</a:t>
+            </a:r>
+            <a:r>
+              <a:rPr lang="pl-PL" sz="1800" b="0" dirty="0" err="1">
+                <a:solidFill>
+                  <a:srgbClr val="0000FF"/>
+                </a:solidFill>
+                <a:effectLst/>
+                <a:latin typeface="Consolas" panose="020B0609020204030204" pitchFamily="49" charset="0"/>
+              </a:rPr>
+              <a:t>fun</a:t>
+            </a:r>
+            <a:r>
+              <a:rPr lang="pl-PL" sz="1800" b="0" dirty="0">
+                <a:solidFill>
                   <a:srgbClr val="001080"/>
                 </a:solidFill>
                 <a:effectLst/>
                 <a:latin typeface="Consolas" panose="020B0609020204030204" pitchFamily="49" charset="0"/>
               </a:rPr>
-              <a:t>data</a:t>
-            </a:r>
-            <a:endParaRPr lang="pl-PL" sz="1800" b="0" dirty="0">
-              <a:solidFill>
-                <a:srgbClr val="000000"/>
-              </a:solidFill>
-              <a:effectLst/>
-              <a:latin typeface="Consolas" panose="020B0609020204030204" pitchFamily="49" charset="0"/>
-            </a:endParaRPr>
-          </a:p>
-          <a:p>
-            <a:pPr marL="0" indent="0">
-              <a:buNone/>
-            </a:pPr>
+              <a:t> </a:t>
+            </a:r>
             <a:r>
               <a:rPr lang="pl-PL" sz="1800" b="0" dirty="0">
                 <a:solidFill>
+                  <a:srgbClr val="0000FF"/>
+                </a:solidFill>
+                <a:effectLst/>
+                <a:latin typeface="Consolas" panose="020B0609020204030204" pitchFamily="49" charset="0"/>
+              </a:rPr>
+              <a:t>(</a:t>
+            </a:r>
+            <a:r>
+              <a:rPr lang="pl-PL" sz="1800" b="0" dirty="0" err="1">
+                <a:solidFill>
+                  <a:srgbClr val="001080"/>
+                </a:solidFill>
+                <a:effectLst/>
+                <a:latin typeface="Consolas" panose="020B0609020204030204" pitchFamily="49" charset="0"/>
+              </a:rPr>
+              <a:t>x</a:t>
+            </a:r>
+            <a:r>
+              <a:rPr lang="pl-PL" sz="1800" b="0" dirty="0" err="1">
+                <a:solidFill>
+                  <a:srgbClr val="0000FF"/>
+                </a:solidFill>
+                <a:effectLst/>
+                <a:latin typeface="Consolas" panose="020B0609020204030204" pitchFamily="49" charset="0"/>
+              </a:rPr>
+              <a:t>:</a:t>
+            </a:r>
+            <a:r>
+              <a:rPr lang="pl-PL" sz="1800" b="0" dirty="0" err="1">
+                <a:solidFill>
+                  <a:srgbClr val="267F99"/>
+                </a:solidFill>
+                <a:effectLst/>
+                <a:latin typeface="Consolas" panose="020B0609020204030204" pitchFamily="49" charset="0"/>
+              </a:rPr>
+              <a:t>string</a:t>
+            </a:r>
+            <a:r>
+              <a:rPr lang="pl-PL" sz="1800" b="0" dirty="0">
+                <a:solidFill>
+                  <a:srgbClr val="0000FF"/>
+                </a:solidFill>
+                <a:effectLst/>
+                <a:latin typeface="Consolas" panose="020B0609020204030204" pitchFamily="49" charset="0"/>
+              </a:rPr>
+              <a:t>)</a:t>
+            </a:r>
+            <a:r>
+              <a:rPr lang="pl-PL" sz="1800" b="0" dirty="0">
+                <a:solidFill>
                   <a:srgbClr val="000000"/>
                 </a:solidFill>
                 <a:effectLst/>
                 <a:latin typeface="Consolas" panose="020B0609020204030204" pitchFamily="49" charset="0"/>
               </a:rPr>
-              <a:t>        </a:t>
+              <a:t> </a:t>
             </a:r>
             <a:r>
               <a:rPr lang="pl-PL" sz="1800" b="0" dirty="0">
@@ -13144,6 +13244,85 @@
                 <a:effectLst/>
                 <a:latin typeface="Consolas" panose="020B0609020204030204" pitchFamily="49" charset="0"/>
               </a:rPr>
+              <a:t>-&gt;</a:t>
+            </a:r>
+            <a:r>
+              <a:rPr lang="pl-PL" sz="1800" b="0" dirty="0">
+                <a:solidFill>
+                  <a:srgbClr val="000000"/>
+                </a:solidFill>
+                <a:effectLst/>
+                <a:latin typeface="Consolas" panose="020B0609020204030204" pitchFamily="49" charset="0"/>
+              </a:rPr>
+              <a:t> </a:t>
+            </a:r>
+            <a:r>
+              <a:rPr lang="pl-PL" sz="1800" b="0" dirty="0" err="1">
+                <a:solidFill>
+                  <a:srgbClr val="001080"/>
+                </a:solidFill>
+                <a:effectLst/>
+                <a:latin typeface="Consolas" panose="020B0609020204030204" pitchFamily="49" charset="0"/>
+              </a:rPr>
+              <a:t>x</a:t>
+            </a:r>
+            <a:r>
+              <a:rPr lang="pl-PL" sz="1800" b="0" dirty="0" err="1">
+                <a:solidFill>
+                  <a:srgbClr val="795E26"/>
+                </a:solidFill>
+                <a:effectLst/>
+                <a:latin typeface="Consolas" panose="020B0609020204030204" pitchFamily="49" charset="0"/>
+              </a:rPr>
+              <a:t>.ToCharArray</a:t>
+            </a:r>
+            <a:r>
+              <a:rPr lang="pl-PL" sz="1800" b="0" dirty="0">
+                <a:solidFill>
+                  <a:srgbClr val="0000FF"/>
+                </a:solidFill>
+                <a:effectLst/>
+                <a:latin typeface="Consolas" panose="020B0609020204030204" pitchFamily="49" charset="0"/>
+              </a:rPr>
+              <a:t>())</a:t>
+            </a:r>
+            <a:r>
+              <a:rPr lang="pl-PL" sz="1800" b="0" dirty="0">
+                <a:solidFill>
+                  <a:srgbClr val="000000"/>
+                </a:solidFill>
+                <a:effectLst/>
+                <a:latin typeface="Consolas" panose="020B0609020204030204" pitchFamily="49" charset="0"/>
+              </a:rPr>
+              <a:t> </a:t>
+            </a:r>
+            <a:br>
+              <a:rPr lang="pl-PL" sz="1800" b="0" dirty="0">
+                <a:solidFill>
+                  <a:srgbClr val="000000"/>
+                </a:solidFill>
+                <a:effectLst/>
+                <a:latin typeface="Consolas" panose="020B0609020204030204" pitchFamily="49" charset="0"/>
+              </a:rPr>
+            </a:br>
+            <a:r>
+              <a:rPr lang="pl-PL" sz="1800" b="0" dirty="0">
+                <a:solidFill>
+                  <a:srgbClr val="000000"/>
+                </a:solidFill>
+                <a:effectLst/>
+                <a:latin typeface="Consolas" panose="020B0609020204030204" pitchFamily="49" charset="0"/>
+              </a:rPr>
+              <a:t>	</a:t>
+            </a:r>
+            <a:r>
+              <a:rPr lang="pl-PL" sz="1800" b="0" dirty="0">
+                <a:solidFill>
+                  <a:srgbClr val="0000FF"/>
+                </a:solidFill>
+                <a:effectLst/>
+                <a:latin typeface="Consolas" panose="020B0609020204030204" pitchFamily="49" charset="0"/>
+              </a:rPr>
               <a:t>|&gt;</a:t>
             </a:r>
             <a:r>
@@ -13184,58 +13363,107 @@
                 <a:effectLst/>
                 <a:latin typeface="Consolas" panose="020B0609020204030204" pitchFamily="49" charset="0"/>
               </a:rPr>
+              <a:t> x </a:t>
+            </a:r>
+            <a:r>
+              <a:rPr lang="pl-PL" sz="1800" b="0" dirty="0">
+                <a:solidFill>
+                  <a:srgbClr val="0000FF"/>
+                </a:solidFill>
+                <a:effectLst/>
+                <a:latin typeface="Consolas" panose="020B0609020204030204" pitchFamily="49" charset="0"/>
+              </a:rPr>
+              <a:t>-&gt;</a:t>
+            </a:r>
+            <a:r>
+              <a:rPr lang="pl-PL" sz="1800" b="0" dirty="0">
+                <a:solidFill>
+                  <a:srgbClr val="000000"/>
+                </a:solidFill>
+                <a:effectLst/>
+                <a:latin typeface="Consolas" panose="020B0609020204030204" pitchFamily="49" charset="0"/>
+              </a:rPr>
               <a:t> </a:t>
             </a:r>
             <a:r>
+              <a:rPr lang="pl-PL" sz="1800" b="0" dirty="0" err="1">
+                <a:solidFill>
+                  <a:srgbClr val="222222"/>
+                </a:solidFill>
+                <a:effectLst/>
+                <a:latin typeface="Consolas" panose="020B0609020204030204" pitchFamily="49" charset="0"/>
+              </a:rPr>
+              <a:t>ArrayExtension</a:t>
+            </a:r>
+            <a:r>
+              <a:rPr lang="pl-PL" sz="1800" b="0" dirty="0" err="1">
+                <a:solidFill>
+                  <a:srgbClr val="795E26"/>
+                </a:solidFill>
+                <a:effectLst/>
+                <a:latin typeface="Consolas" panose="020B0609020204030204" pitchFamily="49" charset="0"/>
+              </a:rPr>
+              <a:t>.filter_it</a:t>
+            </a:r>
+            <a:r>
               <a:rPr lang="pl-PL" sz="1800" b="0" dirty="0">
                 <a:solidFill>
+                  <a:srgbClr val="000000"/>
+                </a:solidFill>
+                <a:effectLst/>
+                <a:latin typeface="Consolas" panose="020B0609020204030204" pitchFamily="49" charset="0"/>
+              </a:rPr>
+              <a:t> </a:t>
+            </a:r>
+            <a:r>
+              <a:rPr lang="pl-PL" sz="1800" b="0" dirty="0">
+                <a:solidFill>
+                  <a:srgbClr val="A31515"/>
+                </a:solidFill>
+                <a:effectLst/>
+                <a:latin typeface="Consolas" panose="020B0609020204030204" pitchFamily="49" charset="0"/>
+              </a:rPr>
+              <a:t>'1’</a:t>
+            </a:r>
+            <a:r>
+              <a:rPr lang="pl-PL" sz="1800" b="0" dirty="0">
+                <a:solidFill>
+                  <a:srgbClr val="000000"/>
+                </a:solidFill>
+                <a:effectLst/>
+                <a:latin typeface="Consolas" panose="020B0609020204030204" pitchFamily="49" charset="0"/>
+              </a:rPr>
+              <a:t> </a:t>
+            </a:r>
+            <a:r>
+              <a:rPr lang="pl-PL" sz="1800" b="0" dirty="0">
+                <a:solidFill>
+                  <a:srgbClr val="001080"/>
+                </a:solidFill>
+                <a:effectLst/>
+                <a:latin typeface="Consolas" panose="020B0609020204030204" pitchFamily="49" charset="0"/>
+              </a:rPr>
+              <a:t>x</a:t>
+            </a:r>
+            <a:r>
+              <a:rPr lang="pl-PL" sz="1800" b="0" dirty="0">
+                <a:solidFill>
                   <a:srgbClr val="0000FF"/>
                 </a:solidFill>
                 <a:effectLst/>
                 <a:latin typeface="Consolas" panose="020B0609020204030204" pitchFamily="49" charset="0"/>
               </a:rPr>
-              <a:t>(</a:t>
-            </a:r>
-            <a:r>
-              <a:rPr lang="pl-PL" sz="1800" b="0" dirty="0" err="1">
-                <a:solidFill>
-                  <a:srgbClr val="001080"/>
-                </a:solidFill>
-                <a:effectLst/>
-                <a:latin typeface="Consolas" panose="020B0609020204030204" pitchFamily="49" charset="0"/>
-              </a:rPr>
-              <a:t>x</a:t>
-            </a:r>
-            <a:r>
-              <a:rPr lang="pl-PL" sz="1800" b="0" dirty="0" err="1">
-                <a:solidFill>
-                  <a:srgbClr val="0000FF"/>
-                </a:solidFill>
-                <a:effectLst/>
-                <a:latin typeface="Consolas" panose="020B0609020204030204" pitchFamily="49" charset="0"/>
-              </a:rPr>
-              <a:t>:</a:t>
-            </a:r>
-            <a:r>
-              <a:rPr lang="pl-PL" sz="1800" b="0" dirty="0" err="1">
-                <a:solidFill>
-                  <a:srgbClr val="267F99"/>
-                </a:solidFill>
-                <a:effectLst/>
-                <a:latin typeface="Consolas" panose="020B0609020204030204" pitchFamily="49" charset="0"/>
-              </a:rPr>
-              <a:t>string</a:t>
-            </a:r>
-            <a:r>
+              <a:t>)</a:t>
+            </a:r>
+            <a:br>
               <a:rPr lang="pl-PL" sz="1800" b="0" dirty="0">
                 <a:solidFill>
-                  <a:srgbClr val="0000FF"/>
-                </a:solidFill>
-                <a:effectLst/>
-                <a:latin typeface="Consolas" panose="020B0609020204030204" pitchFamily="49" charset="0"/>
-              </a:rPr>
-              <a:t>)</a:t>
-            </a:r>
+                  <a:srgbClr val="000000"/>
+                </a:solidFill>
+                <a:effectLst/>
+                <a:latin typeface="Consolas" panose="020B0609020204030204" pitchFamily="49" charset="0"/>
+              </a:rPr>
+            </a:br>
             <a:r>
               <a:rPr lang="pl-PL" sz="1800" b="0" dirty="0">
                 <a:solidFill>
@@ -13244,244 +13472,7 @@
                 <a:effectLst/>
                 <a:latin typeface="Consolas" panose="020B0609020204030204" pitchFamily="49" charset="0"/>
               </a:rPr>
-              <a:t> </a:t>
-            </a:r>
-            <a:r>
-              <a:rPr lang="pl-PL" sz="1800" b="0" dirty="0">
-                <a:solidFill>
-                  <a:srgbClr val="0000FF"/>
-                </a:solidFill>
-                <a:effectLst/>
-                <a:latin typeface="Consolas" panose="020B0609020204030204" pitchFamily="49" charset="0"/>
-              </a:rPr>
-              <a:t>-&gt;</a:t>
-            </a:r>
-            <a:r>
-              <a:rPr lang="pl-PL" sz="1800" b="0" dirty="0">
-                <a:solidFill>
-                  <a:srgbClr val="000000"/>
-                </a:solidFill>
-                <a:effectLst/>
-                <a:latin typeface="Consolas" panose="020B0609020204030204" pitchFamily="49" charset="0"/>
-              </a:rPr>
-              <a:t> </a:t>
-            </a:r>
-            <a:r>
-              <a:rPr lang="pl-PL" sz="1800" b="0" dirty="0" err="1">
-                <a:solidFill>
-                  <a:srgbClr val="001080"/>
-                </a:solidFill>
-                <a:effectLst/>
-                <a:latin typeface="Consolas" panose="020B0609020204030204" pitchFamily="49" charset="0"/>
-              </a:rPr>
-              <a:t>x</a:t>
-            </a:r>
-            <a:r>
-              <a:rPr lang="pl-PL" sz="1800" b="0" dirty="0" err="1">
-                <a:solidFill>
-                  <a:srgbClr val="795E26"/>
-                </a:solidFill>
-                <a:effectLst/>
-                <a:latin typeface="Consolas" panose="020B0609020204030204" pitchFamily="49" charset="0"/>
-              </a:rPr>
-              <a:t>.ToCharArray</a:t>
-            </a:r>
-            <a:r>
-              <a:rPr lang="pl-PL" sz="1800" b="0" dirty="0">
-                <a:solidFill>
-                  <a:srgbClr val="0000FF"/>
-                </a:solidFill>
-                <a:effectLst/>
-                <a:latin typeface="Consolas" panose="020B0609020204030204" pitchFamily="49" charset="0"/>
-              </a:rPr>
-              <a:t>())</a:t>
-            </a:r>
-            <a:r>
-              <a:rPr lang="pl-PL" sz="1800" b="0" dirty="0">
-                <a:solidFill>
-                  <a:srgbClr val="000000"/>
-                </a:solidFill>
-                <a:effectLst/>
-                <a:latin typeface="Consolas" panose="020B0609020204030204" pitchFamily="49" charset="0"/>
-              </a:rPr>
-              <a:t> </a:t>
-            </a:r>
-          </a:p>
-          <a:p>
-            <a:pPr marL="0" indent="0">
-              <a:buNone/>
-            </a:pPr>
-            <a:r>
-              <a:rPr lang="pl-PL" sz="1800" b="0" dirty="0">
-                <a:solidFill>
-                  <a:srgbClr val="000000"/>
-                </a:solidFill>
-                <a:effectLst/>
-                <a:latin typeface="Consolas" panose="020B0609020204030204" pitchFamily="49" charset="0"/>
-              </a:rPr>
-              <a:t>        </a:t>
-            </a:r>
-            <a:r>
-              <a:rPr lang="pl-PL" sz="1800" b="0" dirty="0">
-                <a:solidFill>
-                  <a:srgbClr val="0000FF"/>
-                </a:solidFill>
-                <a:effectLst/>
-                <a:latin typeface="Consolas" panose="020B0609020204030204" pitchFamily="49" charset="0"/>
-              </a:rPr>
-              <a:t>|&gt;</a:t>
-            </a:r>
-            <a:r>
-              <a:rPr lang="pl-PL" sz="1800" b="0" dirty="0">
-                <a:solidFill>
-                  <a:srgbClr val="000000"/>
-                </a:solidFill>
-                <a:effectLst/>
-                <a:latin typeface="Consolas" panose="020B0609020204030204" pitchFamily="49" charset="0"/>
-              </a:rPr>
-              <a:t> </a:t>
-            </a:r>
-            <a:r>
-              <a:rPr lang="pl-PL" sz="1800" b="0" dirty="0">
-                <a:solidFill>
-                  <a:srgbClr val="0000FF"/>
-                </a:solidFill>
-                <a:effectLst/>
-                <a:latin typeface="Consolas" panose="020B0609020204030204" pitchFamily="49" charset="0"/>
-              </a:rPr>
-              <a:t>(</a:t>
-            </a:r>
-            <a:r>
-              <a:rPr lang="pl-PL" sz="1800" b="0" dirty="0" err="1">
-                <a:solidFill>
-                  <a:srgbClr val="0000FF"/>
-                </a:solidFill>
-                <a:effectLst/>
-                <a:latin typeface="Consolas" panose="020B0609020204030204" pitchFamily="49" charset="0"/>
-              </a:rPr>
-              <a:t>fun</a:t>
-            </a:r>
-            <a:r>
-              <a:rPr lang="pl-PL" sz="1800" b="0" dirty="0">
-                <a:solidFill>
-                  <a:srgbClr val="001080"/>
-                </a:solidFill>
-                <a:effectLst/>
-                <a:latin typeface="Consolas" panose="020B0609020204030204" pitchFamily="49" charset="0"/>
-              </a:rPr>
-              <a:t> x </a:t>
-            </a:r>
-            <a:r>
-              <a:rPr lang="pl-PL" sz="1800" b="0" dirty="0">
-                <a:solidFill>
-                  <a:srgbClr val="0000FF"/>
-                </a:solidFill>
-                <a:effectLst/>
-                <a:latin typeface="Consolas" panose="020B0609020204030204" pitchFamily="49" charset="0"/>
-              </a:rPr>
-              <a:t>-&gt;</a:t>
-            </a:r>
-            <a:r>
-              <a:rPr lang="pl-PL" sz="1800" b="0" dirty="0">
-                <a:solidFill>
-                  <a:srgbClr val="000000"/>
-                </a:solidFill>
-                <a:effectLst/>
-                <a:latin typeface="Consolas" panose="020B0609020204030204" pitchFamily="49" charset="0"/>
-              </a:rPr>
-              <a:t> </a:t>
-            </a:r>
-            <a:r>
-              <a:rPr lang="pl-PL" sz="1800" b="0" dirty="0" err="1">
-                <a:solidFill>
-                  <a:srgbClr val="222222"/>
-                </a:solidFill>
-                <a:effectLst/>
-                <a:latin typeface="Consolas" panose="020B0609020204030204" pitchFamily="49" charset="0"/>
-              </a:rPr>
-              <a:t>ArrayExtension</a:t>
-            </a:r>
-            <a:r>
-              <a:rPr lang="pl-PL" sz="1800" b="0" dirty="0" err="1">
-                <a:solidFill>
-                  <a:srgbClr val="795E26"/>
-                </a:solidFill>
-                <a:effectLst/>
-                <a:latin typeface="Consolas" panose="020B0609020204030204" pitchFamily="49" charset="0"/>
-              </a:rPr>
-              <a:t>.filter_it</a:t>
-            </a:r>
-            <a:r>
-              <a:rPr lang="pl-PL" sz="1800" b="0" dirty="0">
-                <a:solidFill>
-                  <a:srgbClr val="000000"/>
-                </a:solidFill>
-                <a:effectLst/>
-                <a:latin typeface="Consolas" panose="020B0609020204030204" pitchFamily="49" charset="0"/>
-              </a:rPr>
-              <a:t> </a:t>
-            </a:r>
-            <a:r>
-              <a:rPr lang="pl-PL" sz="1800" b="0" dirty="0">
-                <a:solidFill>
-                  <a:srgbClr val="A31515"/>
-                </a:solidFill>
-                <a:effectLst/>
-                <a:latin typeface="Consolas" panose="020B0609020204030204" pitchFamily="49" charset="0"/>
-              </a:rPr>
-              <a:t>'1'</a:t>
-            </a:r>
-            <a:r>
-              <a:rPr lang="pl-PL" sz="1800" b="0" dirty="0">
-                <a:solidFill>
-                  <a:srgbClr val="000000"/>
-                </a:solidFill>
-                <a:effectLst/>
-                <a:latin typeface="Consolas" panose="020B0609020204030204" pitchFamily="49" charset="0"/>
-              </a:rPr>
-              <a:t> </a:t>
-            </a:r>
-            <a:r>
-              <a:rPr lang="pl-PL" sz="1800" b="0" dirty="0">
-                <a:solidFill>
-                  <a:srgbClr val="001080"/>
-                </a:solidFill>
-                <a:effectLst/>
-                <a:latin typeface="Consolas" panose="020B0609020204030204" pitchFamily="49" charset="0"/>
-              </a:rPr>
-              <a:t>x</a:t>
-            </a:r>
-            <a:r>
-              <a:rPr lang="pl-PL" sz="1800" b="0" dirty="0">
-                <a:solidFill>
-                  <a:srgbClr val="0000FF"/>
-                </a:solidFill>
-                <a:effectLst/>
-                <a:latin typeface="Consolas" panose="020B0609020204030204" pitchFamily="49" charset="0"/>
-              </a:rPr>
-              <a:t>)</a:t>
-            </a:r>
-            <a:endParaRPr lang="pl-PL" sz="1800" b="0" dirty="0">
-              <a:solidFill>
-                <a:srgbClr val="000000"/>
-              </a:solidFill>
-              <a:effectLst/>
-              <a:latin typeface="Consolas" panose="020B0609020204030204" pitchFamily="49" charset="0"/>
-            </a:endParaRPr>
-          </a:p>
-          <a:p>
-            <a:pPr marL="0" indent="0">
-              <a:buNone/>
-            </a:pPr>
-            <a:r>
-              <a:rPr lang="pl-PL" sz="1800" b="0" dirty="0">
-                <a:solidFill>
-                  <a:srgbClr val="000000"/>
-                </a:solidFill>
-                <a:effectLst/>
-                <a:latin typeface="Consolas" panose="020B0609020204030204" pitchFamily="49" charset="0"/>
-              </a:rPr>
-              <a:t>        </a:t>
+              <a:t>	</a:t>
             </a:r>
             <a:r>
               <a:rPr lang="pl-PL" sz="1800" b="0" dirty="0">
@@ -13693,7 +13684,7 @@
           <a:bodyPr/>
           <a:lstStyle/>
           <a:p>
-            <a:endParaRPr lang="pl-PL"/>
+            <a:endParaRPr lang="pl-PL" dirty="0"/>
           </a:p>
         </p:txBody>
       </p:sp>
